--- a/materials/lectures/3_Wednesday/Paul.Pyl.VariantCalling.and.QC/Illustrations.pptx
+++ b/materials/lectures/3_Wednesday/Paul.Pyl.VariantCalling.and.QC/Illustrations.pptx
@@ -6,6 +6,8 @@
   </p:sldMasterIdLst>
   <p:sldIdLst>
     <p:sldId id="257" r:id="rId2"/>
+    <p:sldId id="258" r:id="rId3"/>
+    <p:sldId id="259" r:id="rId4"/>
   </p:sldIdLst>
   <p:sldSz cx="9144000" cy="6858000" type="screen4x3"/>
   <p:notesSz cx="6858000" cy="9144000"/>
@@ -5105,6 +5107,6161 @@
 </p:sld>
 </file>
 
+<file path=ppt/slides/slide2.xml><?xml version="1.0" encoding="utf-8"?>
+<p:sld xmlns:a="http://schemas.openxmlformats.org/drawingml/2006/main" xmlns:r="http://schemas.openxmlformats.org/officeDocument/2006/relationships" xmlns:p="http://schemas.openxmlformats.org/presentationml/2006/main">
+  <p:cSld>
+    <p:spTree>
+      <p:nvGrpSpPr>
+        <p:cNvPr id="1" name=""/>
+        <p:cNvGrpSpPr/>
+        <p:nvPr/>
+      </p:nvGrpSpPr>
+      <p:grpSpPr>
+        <a:xfrm>
+          <a:off x="0" y="0"/>
+          <a:ext cx="0" cy="0"/>
+          <a:chOff x="0" y="0"/>
+          <a:chExt cx="0" cy="0"/>
+        </a:xfrm>
+      </p:grpSpPr>
+      <p:sp>
+        <p:nvSpPr>
+          <p:cNvPr id="4" name="TextBox 3"/>
+          <p:cNvSpPr txBox="1"/>
+          <p:nvPr/>
+        </p:nvSpPr>
+        <p:spPr>
+          <a:xfrm>
+            <a:off x="300420" y="1754253"/>
+            <a:ext cx="1980033" cy="369332"/>
+          </a:xfrm>
+          <a:prstGeom prst="rect">
+            <a:avLst/>
+          </a:prstGeom>
+          <a:noFill/>
+        </p:spPr>
+        <p:txBody>
+          <a:bodyPr wrap="square" rtlCol="0">
+            <a:spAutoFit/>
+          </a:bodyPr>
+          <a:lstStyle/>
+          <a:p>
+            <a:pPr algn="r"/>
+            <a:r>
+              <a:rPr lang="en-US" dirty="0" smtClean="0"/>
+              <a:t>Reference Genome</a:t>
+            </a:r>
+            <a:endParaRPr lang="en-US" dirty="0"/>
+          </a:p>
+        </p:txBody>
+      </p:sp>
+      <p:grpSp>
+        <p:nvGrpSpPr>
+          <p:cNvPr id="22" name="Group 21"/>
+          <p:cNvGrpSpPr/>
+          <p:nvPr/>
+        </p:nvGrpSpPr>
+        <p:grpSpPr>
+          <a:xfrm>
+            <a:off x="2280453" y="1751319"/>
+            <a:ext cx="3562210" cy="369332"/>
+            <a:chOff x="3058811" y="1072843"/>
+            <a:chExt cx="3562210" cy="369332"/>
+          </a:xfrm>
+        </p:grpSpPr>
+        <p:sp>
+          <p:nvSpPr>
+            <p:cNvPr id="5" name="Rectangle 4"/>
+            <p:cNvSpPr/>
+            <p:nvPr/>
+          </p:nvSpPr>
+          <p:spPr>
+            <a:xfrm>
+              <a:off x="3058811" y="1072843"/>
+              <a:ext cx="286763" cy="369332"/>
+            </a:xfrm>
+            <a:prstGeom prst="rect">
+              <a:avLst/>
+            </a:prstGeom>
+          </p:spPr>
+          <p:style>
+            <a:lnRef idx="2">
+              <a:schemeClr val="accent2">
+                <a:shade val="50000"/>
+              </a:schemeClr>
+            </a:lnRef>
+            <a:fillRef idx="1">
+              <a:schemeClr val="accent2"/>
+            </a:fillRef>
+            <a:effectRef idx="0">
+              <a:schemeClr val="accent2"/>
+            </a:effectRef>
+            <a:fontRef idx="minor">
+              <a:schemeClr val="lt1"/>
+            </a:fontRef>
+          </p:style>
+          <p:txBody>
+            <a:bodyPr rtlCol="0" anchor="ctr"/>
+            <a:lstStyle/>
+            <a:p>
+              <a:pPr algn="ctr"/>
+              <a:endParaRPr lang="en-US"/>
+            </a:p>
+          </p:txBody>
+        </p:sp>
+        <p:sp>
+          <p:nvSpPr>
+            <p:cNvPr id="6" name="Rectangle 5"/>
+            <p:cNvSpPr/>
+            <p:nvPr/>
+          </p:nvSpPr>
+          <p:spPr>
+            <a:xfrm>
+              <a:off x="3356579" y="1072843"/>
+              <a:ext cx="286763" cy="369332"/>
+            </a:xfrm>
+            <a:prstGeom prst="rect">
+              <a:avLst/>
+            </a:prstGeom>
+          </p:spPr>
+          <p:style>
+            <a:lnRef idx="2">
+              <a:schemeClr val="accent3">
+                <a:shade val="50000"/>
+              </a:schemeClr>
+            </a:lnRef>
+            <a:fillRef idx="1">
+              <a:schemeClr val="accent3"/>
+            </a:fillRef>
+            <a:effectRef idx="0">
+              <a:schemeClr val="accent3"/>
+            </a:effectRef>
+            <a:fontRef idx="minor">
+              <a:schemeClr val="lt1"/>
+            </a:fontRef>
+          </p:style>
+          <p:txBody>
+            <a:bodyPr rtlCol="0" anchor="ctr"/>
+            <a:lstStyle/>
+            <a:p>
+              <a:pPr algn="ctr"/>
+              <a:endParaRPr lang="en-US"/>
+            </a:p>
+          </p:txBody>
+        </p:sp>
+        <p:sp>
+          <p:nvSpPr>
+            <p:cNvPr id="7" name="Rectangle 6"/>
+            <p:cNvSpPr/>
+            <p:nvPr/>
+          </p:nvSpPr>
+          <p:spPr>
+            <a:xfrm>
+              <a:off x="3654347" y="1072843"/>
+              <a:ext cx="286763" cy="369332"/>
+            </a:xfrm>
+            <a:prstGeom prst="rect">
+              <a:avLst/>
+            </a:prstGeom>
+          </p:spPr>
+          <p:style>
+            <a:lnRef idx="2">
+              <a:schemeClr val="accent1">
+                <a:shade val="50000"/>
+              </a:schemeClr>
+            </a:lnRef>
+            <a:fillRef idx="1">
+              <a:schemeClr val="accent1"/>
+            </a:fillRef>
+            <a:effectRef idx="0">
+              <a:schemeClr val="accent1"/>
+            </a:effectRef>
+            <a:fontRef idx="minor">
+              <a:schemeClr val="lt1"/>
+            </a:fontRef>
+          </p:style>
+          <p:txBody>
+            <a:bodyPr rtlCol="0" anchor="ctr"/>
+            <a:lstStyle/>
+            <a:p>
+              <a:pPr algn="ctr"/>
+              <a:endParaRPr lang="en-US"/>
+            </a:p>
+          </p:txBody>
+        </p:sp>
+        <p:sp>
+          <p:nvSpPr>
+            <p:cNvPr id="8" name="Rectangle 7"/>
+            <p:cNvSpPr/>
+            <p:nvPr/>
+          </p:nvSpPr>
+          <p:spPr>
+            <a:xfrm>
+              <a:off x="3952115" y="1072843"/>
+              <a:ext cx="286763" cy="369332"/>
+            </a:xfrm>
+            <a:prstGeom prst="rect">
+              <a:avLst/>
+            </a:prstGeom>
+          </p:spPr>
+          <p:style>
+            <a:lnRef idx="2">
+              <a:schemeClr val="accent3">
+                <a:shade val="50000"/>
+              </a:schemeClr>
+            </a:lnRef>
+            <a:fillRef idx="1">
+              <a:schemeClr val="accent3"/>
+            </a:fillRef>
+            <a:effectRef idx="0">
+              <a:schemeClr val="accent3"/>
+            </a:effectRef>
+            <a:fontRef idx="minor">
+              <a:schemeClr val="lt1"/>
+            </a:fontRef>
+          </p:style>
+          <p:txBody>
+            <a:bodyPr rtlCol="0" anchor="ctr"/>
+            <a:lstStyle/>
+            <a:p>
+              <a:pPr algn="ctr"/>
+              <a:endParaRPr lang="en-US"/>
+            </a:p>
+          </p:txBody>
+        </p:sp>
+        <p:sp>
+          <p:nvSpPr>
+            <p:cNvPr id="10" name="Rectangle 9"/>
+            <p:cNvSpPr/>
+            <p:nvPr/>
+          </p:nvSpPr>
+          <p:spPr>
+            <a:xfrm>
+              <a:off x="4547651" y="1072843"/>
+              <a:ext cx="286763" cy="369332"/>
+            </a:xfrm>
+            <a:prstGeom prst="rect">
+              <a:avLst/>
+            </a:prstGeom>
+          </p:spPr>
+          <p:style>
+            <a:lnRef idx="2">
+              <a:schemeClr val="accent1">
+                <a:shade val="50000"/>
+              </a:schemeClr>
+            </a:lnRef>
+            <a:fillRef idx="1">
+              <a:schemeClr val="accent1"/>
+            </a:fillRef>
+            <a:effectRef idx="0">
+              <a:schemeClr val="accent1"/>
+            </a:effectRef>
+            <a:fontRef idx="minor">
+              <a:schemeClr val="lt1"/>
+            </a:fontRef>
+          </p:style>
+          <p:txBody>
+            <a:bodyPr rtlCol="0" anchor="ctr"/>
+            <a:lstStyle/>
+            <a:p>
+              <a:pPr algn="ctr"/>
+              <a:endParaRPr lang="en-US"/>
+            </a:p>
+          </p:txBody>
+        </p:sp>
+        <p:sp>
+          <p:nvSpPr>
+            <p:cNvPr id="11" name="Rectangle 10"/>
+            <p:cNvSpPr/>
+            <p:nvPr/>
+          </p:nvSpPr>
+          <p:spPr>
+            <a:xfrm>
+              <a:off x="5143187" y="1072843"/>
+              <a:ext cx="286763" cy="369332"/>
+            </a:xfrm>
+            <a:prstGeom prst="rect">
+              <a:avLst/>
+            </a:prstGeom>
+          </p:spPr>
+          <p:style>
+            <a:lnRef idx="2">
+              <a:schemeClr val="accent2">
+                <a:shade val="50000"/>
+              </a:schemeClr>
+            </a:lnRef>
+            <a:fillRef idx="1">
+              <a:schemeClr val="accent2"/>
+            </a:fillRef>
+            <a:effectRef idx="0">
+              <a:schemeClr val="accent2"/>
+            </a:effectRef>
+            <a:fontRef idx="minor">
+              <a:schemeClr val="lt1"/>
+            </a:fontRef>
+          </p:style>
+          <p:txBody>
+            <a:bodyPr rtlCol="0" anchor="ctr"/>
+            <a:lstStyle/>
+            <a:p>
+              <a:pPr algn="ctr"/>
+              <a:endParaRPr lang="en-US"/>
+            </a:p>
+          </p:txBody>
+        </p:sp>
+        <p:sp>
+          <p:nvSpPr>
+            <p:cNvPr id="12" name="Rectangle 11"/>
+            <p:cNvSpPr/>
+            <p:nvPr/>
+          </p:nvSpPr>
+          <p:spPr>
+            <a:xfrm>
+              <a:off x="4249883" y="1072843"/>
+              <a:ext cx="286763" cy="369332"/>
+            </a:xfrm>
+            <a:prstGeom prst="rect">
+              <a:avLst/>
+            </a:prstGeom>
+          </p:spPr>
+          <p:style>
+            <a:lnRef idx="2">
+              <a:schemeClr val="accent2">
+                <a:shade val="50000"/>
+              </a:schemeClr>
+            </a:lnRef>
+            <a:fillRef idx="1">
+              <a:schemeClr val="accent2"/>
+            </a:fillRef>
+            <a:effectRef idx="0">
+              <a:schemeClr val="accent2"/>
+            </a:effectRef>
+            <a:fontRef idx="minor">
+              <a:schemeClr val="lt1"/>
+            </a:fontRef>
+          </p:style>
+          <p:txBody>
+            <a:bodyPr rtlCol="0" anchor="ctr"/>
+            <a:lstStyle/>
+            <a:p>
+              <a:pPr algn="ctr"/>
+              <a:endParaRPr lang="en-US"/>
+            </a:p>
+          </p:txBody>
+        </p:sp>
+        <p:sp>
+          <p:nvSpPr>
+            <p:cNvPr id="13" name="Rectangle 12"/>
+            <p:cNvSpPr/>
+            <p:nvPr/>
+          </p:nvSpPr>
+          <p:spPr>
+            <a:xfrm>
+              <a:off x="4845419" y="1072843"/>
+              <a:ext cx="286763" cy="369332"/>
+            </a:xfrm>
+            <a:prstGeom prst="rect">
+              <a:avLst/>
+            </a:prstGeom>
+          </p:spPr>
+          <p:style>
+            <a:lnRef idx="2">
+              <a:schemeClr val="accent6">
+                <a:shade val="50000"/>
+              </a:schemeClr>
+            </a:lnRef>
+            <a:fillRef idx="1">
+              <a:schemeClr val="accent6"/>
+            </a:fillRef>
+            <a:effectRef idx="0">
+              <a:schemeClr val="accent6"/>
+            </a:effectRef>
+            <a:fontRef idx="minor">
+              <a:schemeClr val="lt1"/>
+            </a:fontRef>
+          </p:style>
+          <p:txBody>
+            <a:bodyPr rtlCol="0" anchor="ctr"/>
+            <a:lstStyle/>
+            <a:p>
+              <a:pPr algn="ctr"/>
+              <a:endParaRPr lang="en-US"/>
+            </a:p>
+          </p:txBody>
+        </p:sp>
+        <p:sp>
+          <p:nvSpPr>
+            <p:cNvPr id="14" name="Rectangle 13"/>
+            <p:cNvSpPr/>
+            <p:nvPr/>
+          </p:nvSpPr>
+          <p:spPr>
+            <a:xfrm>
+              <a:off x="5440955" y="1072843"/>
+              <a:ext cx="286763" cy="369332"/>
+            </a:xfrm>
+            <a:prstGeom prst="rect">
+              <a:avLst/>
+            </a:prstGeom>
+          </p:spPr>
+          <p:style>
+            <a:lnRef idx="2">
+              <a:schemeClr val="accent3">
+                <a:shade val="50000"/>
+              </a:schemeClr>
+            </a:lnRef>
+            <a:fillRef idx="1">
+              <a:schemeClr val="accent3"/>
+            </a:fillRef>
+            <a:effectRef idx="0">
+              <a:schemeClr val="accent3"/>
+            </a:effectRef>
+            <a:fontRef idx="minor">
+              <a:schemeClr val="lt1"/>
+            </a:fontRef>
+          </p:style>
+          <p:txBody>
+            <a:bodyPr rtlCol="0" anchor="ctr"/>
+            <a:lstStyle/>
+            <a:p>
+              <a:pPr algn="ctr"/>
+              <a:endParaRPr lang="en-US"/>
+            </a:p>
+          </p:txBody>
+        </p:sp>
+        <p:sp>
+          <p:nvSpPr>
+            <p:cNvPr id="15" name="Rectangle 14"/>
+            <p:cNvSpPr/>
+            <p:nvPr/>
+          </p:nvSpPr>
+          <p:spPr>
+            <a:xfrm>
+              <a:off x="6036491" y="1072843"/>
+              <a:ext cx="286763" cy="369332"/>
+            </a:xfrm>
+            <a:prstGeom prst="rect">
+              <a:avLst/>
+            </a:prstGeom>
+          </p:spPr>
+          <p:style>
+            <a:lnRef idx="2">
+              <a:schemeClr val="accent2">
+                <a:shade val="50000"/>
+              </a:schemeClr>
+            </a:lnRef>
+            <a:fillRef idx="1">
+              <a:schemeClr val="accent2"/>
+            </a:fillRef>
+            <a:effectRef idx="0">
+              <a:schemeClr val="accent2"/>
+            </a:effectRef>
+            <a:fontRef idx="minor">
+              <a:schemeClr val="lt1"/>
+            </a:fontRef>
+          </p:style>
+          <p:txBody>
+            <a:bodyPr rtlCol="0" anchor="ctr"/>
+            <a:lstStyle/>
+            <a:p>
+              <a:pPr algn="ctr"/>
+              <a:endParaRPr lang="en-US"/>
+            </a:p>
+          </p:txBody>
+        </p:sp>
+        <p:sp>
+          <p:nvSpPr>
+            <p:cNvPr id="16" name="Rectangle 15"/>
+            <p:cNvSpPr/>
+            <p:nvPr/>
+          </p:nvSpPr>
+          <p:spPr>
+            <a:xfrm>
+              <a:off x="5738723" y="1072843"/>
+              <a:ext cx="286763" cy="369332"/>
+            </a:xfrm>
+            <a:prstGeom prst="rect">
+              <a:avLst/>
+            </a:prstGeom>
+          </p:spPr>
+          <p:style>
+            <a:lnRef idx="2">
+              <a:schemeClr val="accent6">
+                <a:shade val="50000"/>
+              </a:schemeClr>
+            </a:lnRef>
+            <a:fillRef idx="1">
+              <a:schemeClr val="accent6"/>
+            </a:fillRef>
+            <a:effectRef idx="0">
+              <a:schemeClr val="accent6"/>
+            </a:effectRef>
+            <a:fontRef idx="minor">
+              <a:schemeClr val="lt1"/>
+            </a:fontRef>
+          </p:style>
+          <p:txBody>
+            <a:bodyPr rtlCol="0" anchor="ctr"/>
+            <a:lstStyle/>
+            <a:p>
+              <a:pPr algn="ctr"/>
+              <a:endParaRPr lang="en-US"/>
+            </a:p>
+          </p:txBody>
+        </p:sp>
+        <p:sp>
+          <p:nvSpPr>
+            <p:cNvPr id="17" name="Rectangle 16"/>
+            <p:cNvSpPr/>
+            <p:nvPr/>
+          </p:nvSpPr>
+          <p:spPr>
+            <a:xfrm>
+              <a:off x="6334258" y="1072843"/>
+              <a:ext cx="286763" cy="369332"/>
+            </a:xfrm>
+            <a:prstGeom prst="rect">
+              <a:avLst/>
+            </a:prstGeom>
+          </p:spPr>
+          <p:style>
+            <a:lnRef idx="2">
+              <a:schemeClr val="accent1">
+                <a:shade val="50000"/>
+              </a:schemeClr>
+            </a:lnRef>
+            <a:fillRef idx="1">
+              <a:schemeClr val="accent1"/>
+            </a:fillRef>
+            <a:effectRef idx="0">
+              <a:schemeClr val="accent1"/>
+            </a:effectRef>
+            <a:fontRef idx="minor">
+              <a:schemeClr val="lt1"/>
+            </a:fontRef>
+          </p:style>
+          <p:txBody>
+            <a:bodyPr rtlCol="0" anchor="ctr"/>
+            <a:lstStyle/>
+            <a:p>
+              <a:pPr algn="ctr"/>
+              <a:endParaRPr lang="en-US"/>
+            </a:p>
+          </p:txBody>
+        </p:sp>
+      </p:grpSp>
+      <p:grpSp>
+        <p:nvGrpSpPr>
+          <p:cNvPr id="23" name="Group 22"/>
+          <p:cNvGrpSpPr/>
+          <p:nvPr/>
+        </p:nvGrpSpPr>
+        <p:grpSpPr>
+          <a:xfrm>
+            <a:off x="7331504" y="1591030"/>
+            <a:ext cx="286763" cy="1483195"/>
+            <a:chOff x="8064983" y="518845"/>
+            <a:chExt cx="286763" cy="1483195"/>
+          </a:xfrm>
+        </p:grpSpPr>
+        <p:sp>
+          <p:nvSpPr>
+            <p:cNvPr id="18" name="Rectangle 17"/>
+            <p:cNvSpPr/>
+            <p:nvPr/>
+          </p:nvSpPr>
+          <p:spPr>
+            <a:xfrm>
+              <a:off x="8064983" y="518845"/>
+              <a:ext cx="286763" cy="369332"/>
+            </a:xfrm>
+            <a:prstGeom prst="rect">
+              <a:avLst/>
+            </a:prstGeom>
+          </p:spPr>
+          <p:style>
+            <a:lnRef idx="2">
+              <a:schemeClr val="accent3">
+                <a:shade val="50000"/>
+              </a:schemeClr>
+            </a:lnRef>
+            <a:fillRef idx="1">
+              <a:schemeClr val="accent3"/>
+            </a:fillRef>
+            <a:effectRef idx="0">
+              <a:schemeClr val="accent3"/>
+            </a:effectRef>
+            <a:fontRef idx="minor">
+              <a:schemeClr val="lt1"/>
+            </a:fontRef>
+          </p:style>
+          <p:txBody>
+            <a:bodyPr rtlCol="0" anchor="ctr"/>
+            <a:lstStyle/>
+            <a:p>
+              <a:pPr algn="ctr"/>
+              <a:r>
+                <a:rPr lang="en-US" dirty="0" smtClean="0"/>
+                <a:t>A</a:t>
+              </a:r>
+              <a:endParaRPr lang="en-US" dirty="0"/>
+            </a:p>
+          </p:txBody>
+        </p:sp>
+        <p:sp>
+          <p:nvSpPr>
+            <p:cNvPr id="19" name="Rectangle 18"/>
+            <p:cNvSpPr/>
+            <p:nvPr/>
+          </p:nvSpPr>
+          <p:spPr>
+            <a:xfrm>
+              <a:off x="8064983" y="1263376"/>
+              <a:ext cx="286763" cy="369332"/>
+            </a:xfrm>
+            <a:prstGeom prst="rect">
+              <a:avLst/>
+            </a:prstGeom>
+          </p:spPr>
+          <p:style>
+            <a:lnRef idx="2">
+              <a:schemeClr val="accent2">
+                <a:shade val="50000"/>
+              </a:schemeClr>
+            </a:lnRef>
+            <a:fillRef idx="1">
+              <a:schemeClr val="accent2"/>
+            </a:fillRef>
+            <a:effectRef idx="0">
+              <a:schemeClr val="accent2"/>
+            </a:effectRef>
+            <a:fontRef idx="minor">
+              <a:schemeClr val="lt1"/>
+            </a:fontRef>
+          </p:style>
+          <p:txBody>
+            <a:bodyPr rtlCol="0" anchor="ctr"/>
+            <a:lstStyle/>
+            <a:p>
+              <a:pPr algn="ctr"/>
+              <a:r>
+                <a:rPr lang="en-US" dirty="0" smtClean="0"/>
+                <a:t>G</a:t>
+              </a:r>
+              <a:endParaRPr lang="en-US" dirty="0"/>
+            </a:p>
+          </p:txBody>
+        </p:sp>
+        <p:sp>
+          <p:nvSpPr>
+            <p:cNvPr id="20" name="Rectangle 19"/>
+            <p:cNvSpPr/>
+            <p:nvPr/>
+          </p:nvSpPr>
+          <p:spPr>
+            <a:xfrm>
+              <a:off x="8064983" y="888177"/>
+              <a:ext cx="286763" cy="369332"/>
+            </a:xfrm>
+            <a:prstGeom prst="rect">
+              <a:avLst/>
+            </a:prstGeom>
+          </p:spPr>
+          <p:style>
+            <a:lnRef idx="2">
+              <a:schemeClr val="accent6">
+                <a:shade val="50000"/>
+              </a:schemeClr>
+            </a:lnRef>
+            <a:fillRef idx="1">
+              <a:schemeClr val="accent6"/>
+            </a:fillRef>
+            <a:effectRef idx="0">
+              <a:schemeClr val="accent6"/>
+            </a:effectRef>
+            <a:fontRef idx="minor">
+              <a:schemeClr val="lt1"/>
+            </a:fontRef>
+          </p:style>
+          <p:txBody>
+            <a:bodyPr rtlCol="0" anchor="ctr"/>
+            <a:lstStyle/>
+            <a:p>
+              <a:pPr algn="ctr"/>
+              <a:r>
+                <a:rPr lang="en-US" dirty="0" smtClean="0"/>
+                <a:t>C</a:t>
+              </a:r>
+              <a:endParaRPr lang="en-US" dirty="0"/>
+            </a:p>
+          </p:txBody>
+        </p:sp>
+        <p:sp>
+          <p:nvSpPr>
+            <p:cNvPr id="21" name="Rectangle 20"/>
+            <p:cNvSpPr/>
+            <p:nvPr/>
+          </p:nvSpPr>
+          <p:spPr>
+            <a:xfrm>
+              <a:off x="8064983" y="1632708"/>
+              <a:ext cx="286763" cy="369332"/>
+            </a:xfrm>
+            <a:prstGeom prst="rect">
+              <a:avLst/>
+            </a:prstGeom>
+          </p:spPr>
+          <p:style>
+            <a:lnRef idx="2">
+              <a:schemeClr val="accent1">
+                <a:shade val="50000"/>
+              </a:schemeClr>
+            </a:lnRef>
+            <a:fillRef idx="1">
+              <a:schemeClr val="accent1"/>
+            </a:fillRef>
+            <a:effectRef idx="0">
+              <a:schemeClr val="accent1"/>
+            </a:effectRef>
+            <a:fontRef idx="minor">
+              <a:schemeClr val="lt1"/>
+            </a:fontRef>
+          </p:style>
+          <p:txBody>
+            <a:bodyPr rtlCol="0" anchor="ctr"/>
+            <a:lstStyle/>
+            <a:p>
+              <a:pPr algn="ctr"/>
+              <a:r>
+                <a:rPr lang="en-US" dirty="0" smtClean="0"/>
+                <a:t>T</a:t>
+              </a:r>
+              <a:endParaRPr lang="en-US" dirty="0"/>
+            </a:p>
+          </p:txBody>
+        </p:sp>
+      </p:grpSp>
+      <p:sp>
+        <p:nvSpPr>
+          <p:cNvPr id="24" name="TextBox 23"/>
+          <p:cNvSpPr txBox="1"/>
+          <p:nvPr/>
+        </p:nvSpPr>
+        <p:spPr>
+          <a:xfrm>
+            <a:off x="300420" y="3652931"/>
+            <a:ext cx="1980033" cy="369332"/>
+          </a:xfrm>
+          <a:prstGeom prst="rect">
+            <a:avLst/>
+          </a:prstGeom>
+          <a:noFill/>
+        </p:spPr>
+        <p:txBody>
+          <a:bodyPr wrap="square" rtlCol="0">
+            <a:spAutoFit/>
+          </a:bodyPr>
+          <a:lstStyle/>
+          <a:p>
+            <a:pPr algn="r"/>
+            <a:r>
+              <a:rPr lang="en-US" dirty="0" smtClean="0"/>
+              <a:t>Sample Genome</a:t>
+            </a:r>
+            <a:endParaRPr lang="en-US" dirty="0"/>
+          </a:p>
+        </p:txBody>
+      </p:sp>
+      <p:sp>
+        <p:nvSpPr>
+          <p:cNvPr id="26" name="Rectangle 25"/>
+          <p:cNvSpPr/>
+          <p:nvPr/>
+        </p:nvSpPr>
+        <p:spPr>
+          <a:xfrm>
+            <a:off x="2280453" y="3392065"/>
+            <a:ext cx="286763" cy="369332"/>
+          </a:xfrm>
+          <a:prstGeom prst="rect">
+            <a:avLst/>
+          </a:prstGeom>
+        </p:spPr>
+        <p:style>
+          <a:lnRef idx="2">
+            <a:schemeClr val="accent2">
+              <a:shade val="50000"/>
+            </a:schemeClr>
+          </a:lnRef>
+          <a:fillRef idx="1">
+            <a:schemeClr val="accent2"/>
+          </a:fillRef>
+          <a:effectRef idx="0">
+            <a:schemeClr val="accent2"/>
+          </a:effectRef>
+          <a:fontRef idx="minor">
+            <a:schemeClr val="lt1"/>
+          </a:fontRef>
+        </p:style>
+        <p:txBody>
+          <a:bodyPr rtlCol="0" anchor="ctr"/>
+          <a:lstStyle/>
+          <a:p>
+            <a:pPr algn="ctr"/>
+            <a:endParaRPr lang="en-US"/>
+          </a:p>
+        </p:txBody>
+      </p:sp>
+      <p:sp>
+        <p:nvSpPr>
+          <p:cNvPr id="27" name="Rectangle 26"/>
+          <p:cNvSpPr/>
+          <p:nvPr/>
+        </p:nvSpPr>
+        <p:spPr>
+          <a:xfrm>
+            <a:off x="2578221" y="3392065"/>
+            <a:ext cx="286763" cy="369332"/>
+          </a:xfrm>
+          <a:prstGeom prst="rect">
+            <a:avLst/>
+          </a:prstGeom>
+        </p:spPr>
+        <p:style>
+          <a:lnRef idx="2">
+            <a:schemeClr val="accent3">
+              <a:shade val="50000"/>
+            </a:schemeClr>
+          </a:lnRef>
+          <a:fillRef idx="1">
+            <a:schemeClr val="accent3"/>
+          </a:fillRef>
+          <a:effectRef idx="0">
+            <a:schemeClr val="accent3"/>
+          </a:effectRef>
+          <a:fontRef idx="minor">
+            <a:schemeClr val="lt1"/>
+          </a:fontRef>
+        </p:style>
+        <p:txBody>
+          <a:bodyPr rtlCol="0" anchor="ctr"/>
+          <a:lstStyle/>
+          <a:p>
+            <a:pPr algn="ctr"/>
+            <a:endParaRPr lang="en-US"/>
+          </a:p>
+        </p:txBody>
+      </p:sp>
+      <p:sp>
+        <p:nvSpPr>
+          <p:cNvPr id="28" name="Rectangle 27"/>
+          <p:cNvSpPr/>
+          <p:nvPr/>
+        </p:nvSpPr>
+        <p:spPr>
+          <a:xfrm>
+            <a:off x="2875989" y="3392065"/>
+            <a:ext cx="286763" cy="369332"/>
+          </a:xfrm>
+          <a:prstGeom prst="rect">
+            <a:avLst/>
+          </a:prstGeom>
+        </p:spPr>
+        <p:style>
+          <a:lnRef idx="2">
+            <a:schemeClr val="accent1">
+              <a:shade val="50000"/>
+            </a:schemeClr>
+          </a:lnRef>
+          <a:fillRef idx="1">
+            <a:schemeClr val="accent1"/>
+          </a:fillRef>
+          <a:effectRef idx="0">
+            <a:schemeClr val="accent1"/>
+          </a:effectRef>
+          <a:fontRef idx="minor">
+            <a:schemeClr val="lt1"/>
+          </a:fontRef>
+        </p:style>
+        <p:txBody>
+          <a:bodyPr rtlCol="0" anchor="ctr"/>
+          <a:lstStyle/>
+          <a:p>
+            <a:pPr algn="ctr"/>
+            <a:endParaRPr lang="en-US"/>
+          </a:p>
+        </p:txBody>
+      </p:sp>
+      <p:sp>
+        <p:nvSpPr>
+          <p:cNvPr id="30" name="Rectangle 29"/>
+          <p:cNvSpPr/>
+          <p:nvPr/>
+        </p:nvSpPr>
+        <p:spPr>
+          <a:xfrm>
+            <a:off x="3769293" y="3392065"/>
+            <a:ext cx="286763" cy="369332"/>
+          </a:xfrm>
+          <a:prstGeom prst="rect">
+            <a:avLst/>
+          </a:prstGeom>
+        </p:spPr>
+        <p:style>
+          <a:lnRef idx="2">
+            <a:schemeClr val="accent1">
+              <a:shade val="50000"/>
+            </a:schemeClr>
+          </a:lnRef>
+          <a:fillRef idx="1">
+            <a:schemeClr val="accent1"/>
+          </a:fillRef>
+          <a:effectRef idx="0">
+            <a:schemeClr val="accent1"/>
+          </a:effectRef>
+          <a:fontRef idx="minor">
+            <a:schemeClr val="lt1"/>
+          </a:fontRef>
+        </p:style>
+        <p:txBody>
+          <a:bodyPr rtlCol="0" anchor="ctr"/>
+          <a:lstStyle/>
+          <a:p>
+            <a:pPr algn="ctr"/>
+            <a:endParaRPr lang="en-US"/>
+          </a:p>
+        </p:txBody>
+      </p:sp>
+      <p:sp>
+        <p:nvSpPr>
+          <p:cNvPr id="35" name="Rectangle 34"/>
+          <p:cNvSpPr/>
+          <p:nvPr/>
+        </p:nvSpPr>
+        <p:spPr>
+          <a:xfrm>
+            <a:off x="6153286" y="3392065"/>
+            <a:ext cx="286763" cy="369332"/>
+          </a:xfrm>
+          <a:prstGeom prst="rect">
+            <a:avLst/>
+          </a:prstGeom>
+        </p:spPr>
+        <p:style>
+          <a:lnRef idx="2">
+            <a:schemeClr val="accent2">
+              <a:shade val="50000"/>
+            </a:schemeClr>
+          </a:lnRef>
+          <a:fillRef idx="1">
+            <a:schemeClr val="accent2"/>
+          </a:fillRef>
+          <a:effectRef idx="0">
+            <a:schemeClr val="accent2"/>
+          </a:effectRef>
+          <a:fontRef idx="minor">
+            <a:schemeClr val="lt1"/>
+          </a:fontRef>
+        </p:style>
+        <p:txBody>
+          <a:bodyPr rtlCol="0" anchor="ctr"/>
+          <a:lstStyle/>
+          <a:p>
+            <a:pPr algn="ctr"/>
+            <a:endParaRPr lang="en-US"/>
+          </a:p>
+        </p:txBody>
+      </p:sp>
+      <p:sp>
+        <p:nvSpPr>
+          <p:cNvPr id="36" name="Rectangle 35"/>
+          <p:cNvSpPr/>
+          <p:nvPr/>
+        </p:nvSpPr>
+        <p:spPr>
+          <a:xfrm>
+            <a:off x="5855518" y="3392065"/>
+            <a:ext cx="286763" cy="369332"/>
+          </a:xfrm>
+          <a:prstGeom prst="rect">
+            <a:avLst/>
+          </a:prstGeom>
+        </p:spPr>
+        <p:style>
+          <a:lnRef idx="2">
+            <a:schemeClr val="accent6">
+              <a:shade val="50000"/>
+            </a:schemeClr>
+          </a:lnRef>
+          <a:fillRef idx="1">
+            <a:schemeClr val="accent6"/>
+          </a:fillRef>
+          <a:effectRef idx="0">
+            <a:schemeClr val="accent6"/>
+          </a:effectRef>
+          <a:fontRef idx="minor">
+            <a:schemeClr val="lt1"/>
+          </a:fontRef>
+        </p:style>
+        <p:txBody>
+          <a:bodyPr rtlCol="0" anchor="ctr"/>
+          <a:lstStyle/>
+          <a:p>
+            <a:pPr algn="ctr"/>
+            <a:endParaRPr lang="en-US"/>
+          </a:p>
+        </p:txBody>
+      </p:sp>
+      <p:sp>
+        <p:nvSpPr>
+          <p:cNvPr id="37" name="Rectangle 36"/>
+          <p:cNvSpPr/>
+          <p:nvPr/>
+        </p:nvSpPr>
+        <p:spPr>
+          <a:xfrm>
+            <a:off x="6451053" y="3392065"/>
+            <a:ext cx="286763" cy="369332"/>
+          </a:xfrm>
+          <a:prstGeom prst="rect">
+            <a:avLst/>
+          </a:prstGeom>
+        </p:spPr>
+        <p:style>
+          <a:lnRef idx="2">
+            <a:schemeClr val="accent1">
+              <a:shade val="50000"/>
+            </a:schemeClr>
+          </a:lnRef>
+          <a:fillRef idx="1">
+            <a:schemeClr val="accent1"/>
+          </a:fillRef>
+          <a:effectRef idx="0">
+            <a:schemeClr val="accent1"/>
+          </a:effectRef>
+          <a:fontRef idx="minor">
+            <a:schemeClr val="lt1"/>
+          </a:fontRef>
+        </p:style>
+        <p:txBody>
+          <a:bodyPr rtlCol="0" anchor="ctr"/>
+          <a:lstStyle/>
+          <a:p>
+            <a:pPr algn="ctr"/>
+            <a:endParaRPr lang="en-US"/>
+          </a:p>
+        </p:txBody>
+      </p:sp>
+      <p:grpSp>
+        <p:nvGrpSpPr>
+          <p:cNvPr id="38" name="Group 37"/>
+          <p:cNvGrpSpPr/>
+          <p:nvPr/>
+        </p:nvGrpSpPr>
+        <p:grpSpPr>
+          <a:xfrm>
+            <a:off x="2285956" y="3913797"/>
+            <a:ext cx="3562210" cy="369332"/>
+            <a:chOff x="3058811" y="1072843"/>
+            <a:chExt cx="3562210" cy="369332"/>
+          </a:xfrm>
+        </p:grpSpPr>
+        <p:sp>
+          <p:nvSpPr>
+            <p:cNvPr id="39" name="Rectangle 38"/>
+            <p:cNvSpPr/>
+            <p:nvPr/>
+          </p:nvSpPr>
+          <p:spPr>
+            <a:xfrm>
+              <a:off x="3058811" y="1072843"/>
+              <a:ext cx="286763" cy="369332"/>
+            </a:xfrm>
+            <a:prstGeom prst="rect">
+              <a:avLst/>
+            </a:prstGeom>
+          </p:spPr>
+          <p:style>
+            <a:lnRef idx="2">
+              <a:schemeClr val="accent2">
+                <a:shade val="50000"/>
+              </a:schemeClr>
+            </a:lnRef>
+            <a:fillRef idx="1">
+              <a:schemeClr val="accent2"/>
+            </a:fillRef>
+            <a:effectRef idx="0">
+              <a:schemeClr val="accent2"/>
+            </a:effectRef>
+            <a:fontRef idx="minor">
+              <a:schemeClr val="lt1"/>
+            </a:fontRef>
+          </p:style>
+          <p:txBody>
+            <a:bodyPr rtlCol="0" anchor="ctr"/>
+            <a:lstStyle/>
+            <a:p>
+              <a:pPr algn="ctr"/>
+              <a:endParaRPr lang="en-US"/>
+            </a:p>
+          </p:txBody>
+        </p:sp>
+        <p:sp>
+          <p:nvSpPr>
+            <p:cNvPr id="40" name="Rectangle 39"/>
+            <p:cNvSpPr/>
+            <p:nvPr/>
+          </p:nvSpPr>
+          <p:spPr>
+            <a:xfrm>
+              <a:off x="3356579" y="1072843"/>
+              <a:ext cx="286763" cy="369332"/>
+            </a:xfrm>
+            <a:prstGeom prst="rect">
+              <a:avLst/>
+            </a:prstGeom>
+          </p:spPr>
+          <p:style>
+            <a:lnRef idx="2">
+              <a:schemeClr val="accent3">
+                <a:shade val="50000"/>
+              </a:schemeClr>
+            </a:lnRef>
+            <a:fillRef idx="1">
+              <a:schemeClr val="accent3"/>
+            </a:fillRef>
+            <a:effectRef idx="0">
+              <a:schemeClr val="accent3"/>
+            </a:effectRef>
+            <a:fontRef idx="minor">
+              <a:schemeClr val="lt1"/>
+            </a:fontRef>
+          </p:style>
+          <p:txBody>
+            <a:bodyPr rtlCol="0" anchor="ctr"/>
+            <a:lstStyle/>
+            <a:p>
+              <a:pPr algn="ctr"/>
+              <a:endParaRPr lang="en-US"/>
+            </a:p>
+          </p:txBody>
+        </p:sp>
+        <p:sp>
+          <p:nvSpPr>
+            <p:cNvPr id="41" name="Rectangle 40"/>
+            <p:cNvSpPr/>
+            <p:nvPr/>
+          </p:nvSpPr>
+          <p:spPr>
+            <a:xfrm>
+              <a:off x="3654347" y="1072843"/>
+              <a:ext cx="286763" cy="369332"/>
+            </a:xfrm>
+            <a:prstGeom prst="rect">
+              <a:avLst/>
+            </a:prstGeom>
+          </p:spPr>
+          <p:style>
+            <a:lnRef idx="2">
+              <a:schemeClr val="accent1">
+                <a:shade val="50000"/>
+              </a:schemeClr>
+            </a:lnRef>
+            <a:fillRef idx="1">
+              <a:schemeClr val="accent1"/>
+            </a:fillRef>
+            <a:effectRef idx="0">
+              <a:schemeClr val="accent1"/>
+            </a:effectRef>
+            <a:fontRef idx="minor">
+              <a:schemeClr val="lt1"/>
+            </a:fontRef>
+          </p:style>
+          <p:txBody>
+            <a:bodyPr rtlCol="0" anchor="ctr"/>
+            <a:lstStyle/>
+            <a:p>
+              <a:pPr algn="ctr"/>
+              <a:endParaRPr lang="en-US"/>
+            </a:p>
+          </p:txBody>
+        </p:sp>
+        <p:sp>
+          <p:nvSpPr>
+            <p:cNvPr id="42" name="Rectangle 41"/>
+            <p:cNvSpPr/>
+            <p:nvPr/>
+          </p:nvSpPr>
+          <p:spPr>
+            <a:xfrm>
+              <a:off x="3952115" y="1072843"/>
+              <a:ext cx="286763" cy="369332"/>
+            </a:xfrm>
+            <a:prstGeom prst="rect">
+              <a:avLst/>
+            </a:prstGeom>
+          </p:spPr>
+          <p:style>
+            <a:lnRef idx="2">
+              <a:schemeClr val="accent3">
+                <a:shade val="50000"/>
+              </a:schemeClr>
+            </a:lnRef>
+            <a:fillRef idx="1">
+              <a:schemeClr val="accent3"/>
+            </a:fillRef>
+            <a:effectRef idx="0">
+              <a:schemeClr val="accent3"/>
+            </a:effectRef>
+            <a:fontRef idx="minor">
+              <a:schemeClr val="lt1"/>
+            </a:fontRef>
+          </p:style>
+          <p:txBody>
+            <a:bodyPr rtlCol="0" anchor="ctr"/>
+            <a:lstStyle/>
+            <a:p>
+              <a:pPr algn="ctr"/>
+              <a:endParaRPr lang="en-US"/>
+            </a:p>
+          </p:txBody>
+        </p:sp>
+        <p:sp>
+          <p:nvSpPr>
+            <p:cNvPr id="43" name="Rectangle 42"/>
+            <p:cNvSpPr/>
+            <p:nvPr/>
+          </p:nvSpPr>
+          <p:spPr>
+            <a:xfrm>
+              <a:off x="4547651" y="1072843"/>
+              <a:ext cx="286763" cy="369332"/>
+            </a:xfrm>
+            <a:prstGeom prst="rect">
+              <a:avLst/>
+            </a:prstGeom>
+          </p:spPr>
+          <p:style>
+            <a:lnRef idx="2">
+              <a:schemeClr val="accent1">
+                <a:shade val="50000"/>
+              </a:schemeClr>
+            </a:lnRef>
+            <a:fillRef idx="1">
+              <a:schemeClr val="accent1"/>
+            </a:fillRef>
+            <a:effectRef idx="0">
+              <a:schemeClr val="accent1"/>
+            </a:effectRef>
+            <a:fontRef idx="minor">
+              <a:schemeClr val="lt1"/>
+            </a:fontRef>
+          </p:style>
+          <p:txBody>
+            <a:bodyPr rtlCol="0" anchor="ctr"/>
+            <a:lstStyle/>
+            <a:p>
+              <a:pPr algn="ctr"/>
+              <a:endParaRPr lang="en-US"/>
+            </a:p>
+          </p:txBody>
+        </p:sp>
+        <p:sp>
+          <p:nvSpPr>
+            <p:cNvPr id="45" name="Rectangle 44"/>
+            <p:cNvSpPr/>
+            <p:nvPr/>
+          </p:nvSpPr>
+          <p:spPr>
+            <a:xfrm>
+              <a:off x="4249883" y="1072843"/>
+              <a:ext cx="286763" cy="369332"/>
+            </a:xfrm>
+            <a:prstGeom prst="rect">
+              <a:avLst/>
+            </a:prstGeom>
+          </p:spPr>
+          <p:style>
+            <a:lnRef idx="2">
+              <a:schemeClr val="accent2">
+                <a:shade val="50000"/>
+              </a:schemeClr>
+            </a:lnRef>
+            <a:fillRef idx="1">
+              <a:schemeClr val="accent2"/>
+            </a:fillRef>
+            <a:effectRef idx="0">
+              <a:schemeClr val="accent2"/>
+            </a:effectRef>
+            <a:fontRef idx="minor">
+              <a:schemeClr val="lt1"/>
+            </a:fontRef>
+          </p:style>
+          <p:txBody>
+            <a:bodyPr rtlCol="0" anchor="ctr"/>
+            <a:lstStyle/>
+            <a:p>
+              <a:pPr algn="ctr"/>
+              <a:endParaRPr lang="en-US"/>
+            </a:p>
+          </p:txBody>
+        </p:sp>
+        <p:sp>
+          <p:nvSpPr>
+            <p:cNvPr id="48" name="Rectangle 47"/>
+            <p:cNvSpPr/>
+            <p:nvPr/>
+          </p:nvSpPr>
+          <p:spPr>
+            <a:xfrm>
+              <a:off x="6036491" y="1072843"/>
+              <a:ext cx="286763" cy="369332"/>
+            </a:xfrm>
+            <a:prstGeom prst="rect">
+              <a:avLst/>
+            </a:prstGeom>
+          </p:spPr>
+          <p:style>
+            <a:lnRef idx="2">
+              <a:schemeClr val="accent2">
+                <a:shade val="50000"/>
+              </a:schemeClr>
+            </a:lnRef>
+            <a:fillRef idx="1">
+              <a:schemeClr val="accent2"/>
+            </a:fillRef>
+            <a:effectRef idx="0">
+              <a:schemeClr val="accent2"/>
+            </a:effectRef>
+            <a:fontRef idx="minor">
+              <a:schemeClr val="lt1"/>
+            </a:fontRef>
+          </p:style>
+          <p:txBody>
+            <a:bodyPr rtlCol="0" anchor="ctr"/>
+            <a:lstStyle/>
+            <a:p>
+              <a:pPr algn="ctr"/>
+              <a:endParaRPr lang="en-US"/>
+            </a:p>
+          </p:txBody>
+        </p:sp>
+        <p:sp>
+          <p:nvSpPr>
+            <p:cNvPr id="49" name="Rectangle 48"/>
+            <p:cNvSpPr/>
+            <p:nvPr/>
+          </p:nvSpPr>
+          <p:spPr>
+            <a:xfrm>
+              <a:off x="5738723" y="1072843"/>
+              <a:ext cx="286763" cy="369332"/>
+            </a:xfrm>
+            <a:prstGeom prst="rect">
+              <a:avLst/>
+            </a:prstGeom>
+          </p:spPr>
+          <p:style>
+            <a:lnRef idx="2">
+              <a:schemeClr val="accent6">
+                <a:shade val="50000"/>
+              </a:schemeClr>
+            </a:lnRef>
+            <a:fillRef idx="1">
+              <a:schemeClr val="accent6"/>
+            </a:fillRef>
+            <a:effectRef idx="0">
+              <a:schemeClr val="accent6"/>
+            </a:effectRef>
+            <a:fontRef idx="minor">
+              <a:schemeClr val="lt1"/>
+            </a:fontRef>
+          </p:style>
+          <p:txBody>
+            <a:bodyPr rtlCol="0" anchor="ctr"/>
+            <a:lstStyle/>
+            <a:p>
+              <a:pPr algn="ctr"/>
+              <a:endParaRPr lang="en-US"/>
+            </a:p>
+          </p:txBody>
+        </p:sp>
+        <p:sp>
+          <p:nvSpPr>
+            <p:cNvPr id="50" name="Rectangle 49"/>
+            <p:cNvSpPr/>
+            <p:nvPr/>
+          </p:nvSpPr>
+          <p:spPr>
+            <a:xfrm>
+              <a:off x="6334258" y="1072843"/>
+              <a:ext cx="286763" cy="369332"/>
+            </a:xfrm>
+            <a:prstGeom prst="rect">
+              <a:avLst/>
+            </a:prstGeom>
+          </p:spPr>
+          <p:style>
+            <a:lnRef idx="2">
+              <a:schemeClr val="accent1">
+                <a:shade val="50000"/>
+              </a:schemeClr>
+            </a:lnRef>
+            <a:fillRef idx="1">
+              <a:schemeClr val="accent1"/>
+            </a:fillRef>
+            <a:effectRef idx="0">
+              <a:schemeClr val="accent1"/>
+            </a:effectRef>
+            <a:fontRef idx="minor">
+              <a:schemeClr val="lt1"/>
+            </a:fontRef>
+          </p:style>
+          <p:txBody>
+            <a:bodyPr rtlCol="0" anchor="ctr"/>
+            <a:lstStyle/>
+            <a:p>
+              <a:pPr algn="ctr"/>
+              <a:endParaRPr lang="en-US"/>
+            </a:p>
+          </p:txBody>
+        </p:sp>
+      </p:grpSp>
+      <p:sp>
+        <p:nvSpPr>
+          <p:cNvPr id="52" name="TextBox 51"/>
+          <p:cNvSpPr txBox="1"/>
+          <p:nvPr/>
+        </p:nvSpPr>
+        <p:spPr>
+          <a:xfrm>
+            <a:off x="7615615" y="3392065"/>
+            <a:ext cx="1102435" cy="369332"/>
+          </a:xfrm>
+          <a:prstGeom prst="rect">
+            <a:avLst/>
+          </a:prstGeom>
+          <a:noFill/>
+        </p:spPr>
+        <p:txBody>
+          <a:bodyPr wrap="square" rtlCol="0">
+            <a:spAutoFit/>
+          </a:bodyPr>
+          <a:lstStyle/>
+          <a:p>
+            <a:r>
+              <a:rPr lang="en-US" dirty="0" smtClean="0"/>
+              <a:t>Maternal</a:t>
+            </a:r>
+            <a:endParaRPr lang="en-US" dirty="0"/>
+          </a:p>
+        </p:txBody>
+      </p:sp>
+      <p:sp>
+        <p:nvSpPr>
+          <p:cNvPr id="53" name="TextBox 52"/>
+          <p:cNvSpPr txBox="1"/>
+          <p:nvPr/>
+        </p:nvSpPr>
+        <p:spPr>
+          <a:xfrm>
+            <a:off x="5848166" y="3915263"/>
+            <a:ext cx="1102435" cy="369332"/>
+          </a:xfrm>
+          <a:prstGeom prst="rect">
+            <a:avLst/>
+          </a:prstGeom>
+          <a:noFill/>
+        </p:spPr>
+        <p:txBody>
+          <a:bodyPr wrap="square" rtlCol="0">
+            <a:spAutoFit/>
+          </a:bodyPr>
+          <a:lstStyle/>
+          <a:p>
+            <a:r>
+              <a:rPr lang="en-US" dirty="0" smtClean="0"/>
+              <a:t>Paternal</a:t>
+            </a:r>
+            <a:endParaRPr lang="en-US" dirty="0"/>
+          </a:p>
+        </p:txBody>
+      </p:sp>
+      <p:sp>
+        <p:nvSpPr>
+          <p:cNvPr id="56" name="Rectangle 55"/>
+          <p:cNvSpPr/>
+          <p:nvPr/>
+        </p:nvSpPr>
+        <p:spPr>
+          <a:xfrm>
+            <a:off x="3070617" y="1591030"/>
+            <a:ext cx="780207" cy="2839516"/>
+          </a:xfrm>
+          <a:prstGeom prst="rect">
+            <a:avLst/>
+          </a:prstGeom>
+          <a:noFill/>
+          <a:ln w="38100" cmpd="sng">
+            <a:solidFill>
+              <a:schemeClr val="tx1">
+                <a:lumMod val="65000"/>
+                <a:lumOff val="35000"/>
+              </a:schemeClr>
+            </a:solidFill>
+          </a:ln>
+          <a:effectLst/>
+        </p:spPr>
+        <p:style>
+          <a:lnRef idx="1">
+            <a:schemeClr val="accent1"/>
+          </a:lnRef>
+          <a:fillRef idx="3">
+            <a:schemeClr val="accent1"/>
+          </a:fillRef>
+          <a:effectRef idx="2">
+            <a:schemeClr val="accent1"/>
+          </a:effectRef>
+          <a:fontRef idx="minor">
+            <a:schemeClr val="lt1"/>
+          </a:fontRef>
+        </p:style>
+        <p:txBody>
+          <a:bodyPr rtlCol="0" anchor="ctr"/>
+          <a:lstStyle/>
+          <a:p>
+            <a:pPr algn="ctr"/>
+            <a:endParaRPr lang="en-US"/>
+          </a:p>
+        </p:txBody>
+      </p:sp>
+      <p:cxnSp>
+        <p:nvCxnSpPr>
+          <p:cNvPr id="58" name="Straight Arrow Connector 57"/>
+          <p:cNvCxnSpPr>
+            <a:endCxn id="56" idx="2"/>
+          </p:cNvCxnSpPr>
+          <p:nvPr/>
+        </p:nvCxnSpPr>
+        <p:spPr>
+          <a:xfrm flipH="1" flipV="1">
+            <a:off x="3460721" y="4430546"/>
+            <a:ext cx="16307" cy="505218"/>
+          </a:xfrm>
+          <a:prstGeom prst="straightConnector1">
+            <a:avLst/>
+          </a:prstGeom>
+          <a:ln>
+            <a:solidFill>
+              <a:srgbClr val="595959"/>
+            </a:solidFill>
+            <a:tailEnd type="arrow"/>
+          </a:ln>
+        </p:spPr>
+        <p:style>
+          <a:lnRef idx="2">
+            <a:schemeClr val="accent1"/>
+          </a:lnRef>
+          <a:fillRef idx="0">
+            <a:schemeClr val="accent1"/>
+          </a:fillRef>
+          <a:effectRef idx="1">
+            <a:schemeClr val="accent1"/>
+          </a:effectRef>
+          <a:fontRef idx="minor">
+            <a:schemeClr val="tx1"/>
+          </a:fontRef>
+        </p:style>
+      </p:cxnSp>
+      <p:cxnSp>
+        <p:nvCxnSpPr>
+          <p:cNvPr id="60" name="Straight Arrow Connector 59"/>
+          <p:cNvCxnSpPr>
+            <a:endCxn id="55" idx="2"/>
+          </p:cNvCxnSpPr>
+          <p:nvPr/>
+        </p:nvCxnSpPr>
+        <p:spPr>
+          <a:xfrm flipV="1">
+            <a:off x="4501084" y="4430546"/>
+            <a:ext cx="0" cy="505218"/>
+          </a:xfrm>
+          <a:prstGeom prst="straightConnector1">
+            <a:avLst/>
+          </a:prstGeom>
+          <a:ln>
+            <a:solidFill>
+              <a:schemeClr val="tx1"/>
+            </a:solidFill>
+            <a:tailEnd type="arrow"/>
+          </a:ln>
+        </p:spPr>
+        <p:style>
+          <a:lnRef idx="2">
+            <a:schemeClr val="accent1"/>
+          </a:lnRef>
+          <a:fillRef idx="0">
+            <a:schemeClr val="accent1"/>
+          </a:fillRef>
+          <a:effectRef idx="1">
+            <a:schemeClr val="accent1"/>
+          </a:effectRef>
+          <a:fontRef idx="minor">
+            <a:schemeClr val="tx1"/>
+          </a:fontRef>
+        </p:style>
+      </p:cxnSp>
+      <p:sp>
+        <p:nvSpPr>
+          <p:cNvPr id="61" name="Rectangle 60"/>
+          <p:cNvSpPr/>
+          <p:nvPr/>
+        </p:nvSpPr>
+        <p:spPr>
+          <a:xfrm>
+            <a:off x="5274641" y="3392065"/>
+            <a:ext cx="286763" cy="369332"/>
+          </a:xfrm>
+          <a:prstGeom prst="rect">
+            <a:avLst/>
+          </a:prstGeom>
+        </p:spPr>
+        <p:style>
+          <a:lnRef idx="2">
+            <a:schemeClr val="accent2">
+              <a:shade val="50000"/>
+            </a:schemeClr>
+          </a:lnRef>
+          <a:fillRef idx="1">
+            <a:schemeClr val="accent2"/>
+          </a:fillRef>
+          <a:effectRef idx="0">
+            <a:schemeClr val="accent2"/>
+          </a:effectRef>
+          <a:fontRef idx="minor">
+            <a:schemeClr val="lt1"/>
+          </a:fontRef>
+        </p:style>
+        <p:txBody>
+          <a:bodyPr rtlCol="0" anchor="ctr"/>
+          <a:lstStyle/>
+          <a:p>
+            <a:pPr algn="ctr"/>
+            <a:endParaRPr lang="en-US"/>
+          </a:p>
+        </p:txBody>
+      </p:sp>
+      <p:sp>
+        <p:nvSpPr>
+          <p:cNvPr id="62" name="Rectangle 61"/>
+          <p:cNvSpPr/>
+          <p:nvPr/>
+        </p:nvSpPr>
+        <p:spPr>
+          <a:xfrm>
+            <a:off x="4976873" y="3392065"/>
+            <a:ext cx="286763" cy="369332"/>
+          </a:xfrm>
+          <a:prstGeom prst="rect">
+            <a:avLst/>
+          </a:prstGeom>
+        </p:spPr>
+        <p:style>
+          <a:lnRef idx="2">
+            <a:schemeClr val="accent6">
+              <a:shade val="50000"/>
+            </a:schemeClr>
+          </a:lnRef>
+          <a:fillRef idx="1">
+            <a:schemeClr val="accent6"/>
+          </a:fillRef>
+          <a:effectRef idx="0">
+            <a:schemeClr val="accent6"/>
+          </a:effectRef>
+          <a:fontRef idx="minor">
+            <a:schemeClr val="lt1"/>
+          </a:fontRef>
+        </p:style>
+        <p:txBody>
+          <a:bodyPr rtlCol="0" anchor="ctr"/>
+          <a:lstStyle/>
+          <a:p>
+            <a:pPr algn="ctr"/>
+            <a:endParaRPr lang="en-US"/>
+          </a:p>
+        </p:txBody>
+      </p:sp>
+      <p:sp>
+        <p:nvSpPr>
+          <p:cNvPr id="63" name="Rectangle 62"/>
+          <p:cNvSpPr/>
+          <p:nvPr/>
+        </p:nvSpPr>
+        <p:spPr>
+          <a:xfrm>
+            <a:off x="5572408" y="3392065"/>
+            <a:ext cx="286763" cy="369332"/>
+          </a:xfrm>
+          <a:prstGeom prst="rect">
+            <a:avLst/>
+          </a:prstGeom>
+        </p:spPr>
+        <p:style>
+          <a:lnRef idx="2">
+            <a:schemeClr val="accent1">
+              <a:shade val="50000"/>
+            </a:schemeClr>
+          </a:lnRef>
+          <a:fillRef idx="1">
+            <a:schemeClr val="accent1"/>
+          </a:fillRef>
+          <a:effectRef idx="0">
+            <a:schemeClr val="accent1"/>
+          </a:effectRef>
+          <a:fontRef idx="minor">
+            <a:schemeClr val="lt1"/>
+          </a:fontRef>
+        </p:style>
+        <p:txBody>
+          <a:bodyPr rtlCol="0" anchor="ctr"/>
+          <a:lstStyle/>
+          <a:p>
+            <a:pPr algn="ctr"/>
+            <a:endParaRPr lang="en-US"/>
+          </a:p>
+        </p:txBody>
+      </p:sp>
+      <p:sp>
+        <p:nvSpPr>
+          <p:cNvPr id="64" name="Rectangle 63"/>
+          <p:cNvSpPr/>
+          <p:nvPr/>
+        </p:nvSpPr>
+        <p:spPr>
+          <a:xfrm>
+            <a:off x="7031085" y="3392760"/>
+            <a:ext cx="286763" cy="369332"/>
+          </a:xfrm>
+          <a:prstGeom prst="rect">
+            <a:avLst/>
+          </a:prstGeom>
+        </p:spPr>
+        <p:style>
+          <a:lnRef idx="2">
+            <a:schemeClr val="accent2">
+              <a:shade val="50000"/>
+            </a:schemeClr>
+          </a:lnRef>
+          <a:fillRef idx="1">
+            <a:schemeClr val="accent2"/>
+          </a:fillRef>
+          <a:effectRef idx="0">
+            <a:schemeClr val="accent2"/>
+          </a:effectRef>
+          <a:fontRef idx="minor">
+            <a:schemeClr val="lt1"/>
+          </a:fontRef>
+        </p:style>
+        <p:txBody>
+          <a:bodyPr rtlCol="0" anchor="ctr"/>
+          <a:lstStyle/>
+          <a:p>
+            <a:pPr algn="ctr"/>
+            <a:endParaRPr lang="en-US"/>
+          </a:p>
+        </p:txBody>
+      </p:sp>
+      <p:sp>
+        <p:nvSpPr>
+          <p:cNvPr id="65" name="Rectangle 64"/>
+          <p:cNvSpPr/>
+          <p:nvPr/>
+        </p:nvSpPr>
+        <p:spPr>
+          <a:xfrm>
+            <a:off x="6733317" y="3392760"/>
+            <a:ext cx="286763" cy="369332"/>
+          </a:xfrm>
+          <a:prstGeom prst="rect">
+            <a:avLst/>
+          </a:prstGeom>
+        </p:spPr>
+        <p:style>
+          <a:lnRef idx="2">
+            <a:schemeClr val="accent6">
+              <a:shade val="50000"/>
+            </a:schemeClr>
+          </a:lnRef>
+          <a:fillRef idx="1">
+            <a:schemeClr val="accent6"/>
+          </a:fillRef>
+          <a:effectRef idx="0">
+            <a:schemeClr val="accent6"/>
+          </a:effectRef>
+          <a:fontRef idx="minor">
+            <a:schemeClr val="lt1"/>
+          </a:fontRef>
+        </p:style>
+        <p:txBody>
+          <a:bodyPr rtlCol="0" anchor="ctr"/>
+          <a:lstStyle/>
+          <a:p>
+            <a:pPr algn="ctr"/>
+            <a:endParaRPr lang="en-US"/>
+          </a:p>
+        </p:txBody>
+      </p:sp>
+      <p:sp>
+        <p:nvSpPr>
+          <p:cNvPr id="66" name="Rectangle 65"/>
+          <p:cNvSpPr/>
+          <p:nvPr/>
+        </p:nvSpPr>
+        <p:spPr>
+          <a:xfrm>
+            <a:off x="7328852" y="3392760"/>
+            <a:ext cx="286763" cy="369332"/>
+          </a:xfrm>
+          <a:prstGeom prst="rect">
+            <a:avLst/>
+          </a:prstGeom>
+        </p:spPr>
+        <p:style>
+          <a:lnRef idx="2">
+            <a:schemeClr val="accent1">
+              <a:shade val="50000"/>
+            </a:schemeClr>
+          </a:lnRef>
+          <a:fillRef idx="1">
+            <a:schemeClr val="accent1"/>
+          </a:fillRef>
+          <a:effectRef idx="0">
+            <a:schemeClr val="accent1"/>
+          </a:effectRef>
+          <a:fontRef idx="minor">
+            <a:schemeClr val="lt1"/>
+          </a:fontRef>
+        </p:style>
+        <p:txBody>
+          <a:bodyPr rtlCol="0" anchor="ctr"/>
+          <a:lstStyle/>
+          <a:p>
+            <a:pPr algn="ctr"/>
+            <a:endParaRPr lang="en-US"/>
+          </a:p>
+        </p:txBody>
+      </p:sp>
+      <p:sp>
+        <p:nvSpPr>
+          <p:cNvPr id="59" name="Right Brace 58"/>
+          <p:cNvSpPr/>
+          <p:nvPr/>
+        </p:nvSpPr>
+        <p:spPr>
+          <a:xfrm rot="16200000">
+            <a:off x="7026149" y="2855067"/>
+            <a:ext cx="272378" cy="738392"/>
+          </a:xfrm>
+          <a:prstGeom prst="rightBrace">
+            <a:avLst/>
+          </a:prstGeom>
+          <a:ln>
+            <a:solidFill>
+              <a:srgbClr val="000000"/>
+            </a:solidFill>
+          </a:ln>
+          <a:effectLst/>
+        </p:spPr>
+        <p:style>
+          <a:lnRef idx="2">
+            <a:schemeClr val="accent1"/>
+          </a:lnRef>
+          <a:fillRef idx="0">
+            <a:schemeClr val="accent1"/>
+          </a:fillRef>
+          <a:effectRef idx="1">
+            <a:schemeClr val="accent1"/>
+          </a:effectRef>
+          <a:fontRef idx="minor">
+            <a:schemeClr val="tx1"/>
+          </a:fontRef>
+        </p:style>
+        <p:txBody>
+          <a:bodyPr rtlCol="0" anchor="ctr"/>
+          <a:lstStyle/>
+          <a:p>
+            <a:pPr algn="ctr"/>
+            <a:endParaRPr lang="en-US"/>
+          </a:p>
+        </p:txBody>
+      </p:sp>
+      <p:sp>
+        <p:nvSpPr>
+          <p:cNvPr id="123" name="Freeform 122"/>
+          <p:cNvSpPr/>
+          <p:nvPr/>
+        </p:nvSpPr>
+        <p:spPr>
+          <a:xfrm>
+            <a:off x="5468667" y="2482943"/>
+            <a:ext cx="1671159" cy="836544"/>
+          </a:xfrm>
+          <a:custGeom>
+            <a:avLst/>
+            <a:gdLst>
+              <a:gd name="connsiteX0" fmla="*/ 764703 w 764703"/>
+              <a:gd name="connsiteY0" fmla="*/ 590762 h 836544"/>
+              <a:gd name="connsiteX1" fmla="*/ 409662 w 764703"/>
+              <a:gd name="connsiteY1" fmla="*/ 3616 h 836544"/>
+              <a:gd name="connsiteX2" fmla="*/ 0 w 764703"/>
+              <a:gd name="connsiteY2" fmla="*/ 836544 h 836544"/>
+            </a:gdLst>
+            <a:ahLst/>
+            <a:cxnLst>
+              <a:cxn ang="0">
+                <a:pos x="connsiteX0" y="connsiteY0"/>
+              </a:cxn>
+              <a:cxn ang="0">
+                <a:pos x="connsiteX1" y="connsiteY1"/>
+              </a:cxn>
+              <a:cxn ang="0">
+                <a:pos x="connsiteX2" y="connsiteY2"/>
+              </a:cxn>
+            </a:cxnLst>
+            <a:rect l="l" t="t" r="r" b="b"/>
+            <a:pathLst>
+              <a:path w="764703" h="836544">
+                <a:moveTo>
+                  <a:pt x="764703" y="590762"/>
+                </a:moveTo>
+                <a:cubicBezTo>
+                  <a:pt x="650907" y="276707"/>
+                  <a:pt x="537112" y="-37348"/>
+                  <a:pt x="409662" y="3616"/>
+                </a:cubicBezTo>
+                <a:cubicBezTo>
+                  <a:pt x="282211" y="44580"/>
+                  <a:pt x="72829" y="695447"/>
+                  <a:pt x="0" y="836544"/>
+                </a:cubicBezTo>
+              </a:path>
+            </a:pathLst>
+          </a:custGeom>
+          <a:ln w="25400">
+            <a:solidFill>
+              <a:schemeClr val="tx1"/>
+            </a:solidFill>
+            <a:tailEnd type="arrow" w="lg" len="med"/>
+          </a:ln>
+          <a:effectLst/>
+        </p:spPr>
+        <p:style>
+          <a:lnRef idx="2">
+            <a:schemeClr val="accent1"/>
+          </a:lnRef>
+          <a:fillRef idx="0">
+            <a:schemeClr val="accent1"/>
+          </a:fillRef>
+          <a:effectRef idx="1">
+            <a:schemeClr val="accent1"/>
+          </a:effectRef>
+          <a:fontRef idx="minor">
+            <a:schemeClr val="tx1"/>
+          </a:fontRef>
+        </p:style>
+        <p:txBody>
+          <a:bodyPr rtlCol="0" anchor="ctr"/>
+          <a:lstStyle/>
+          <a:p>
+            <a:pPr algn="ctr"/>
+            <a:endParaRPr lang="en-US"/>
+          </a:p>
+        </p:txBody>
+      </p:sp>
+      <p:sp>
+        <p:nvSpPr>
+          <p:cNvPr id="124" name="Freeform 123"/>
+          <p:cNvSpPr/>
+          <p:nvPr/>
+        </p:nvSpPr>
+        <p:spPr>
+          <a:xfrm>
+            <a:off x="6233822" y="2799128"/>
+            <a:ext cx="906004" cy="485320"/>
+          </a:xfrm>
+          <a:custGeom>
+            <a:avLst/>
+            <a:gdLst>
+              <a:gd name="connsiteX0" fmla="*/ 764703 w 764703"/>
+              <a:gd name="connsiteY0" fmla="*/ 590762 h 836544"/>
+              <a:gd name="connsiteX1" fmla="*/ 409662 w 764703"/>
+              <a:gd name="connsiteY1" fmla="*/ 3616 h 836544"/>
+              <a:gd name="connsiteX2" fmla="*/ 0 w 764703"/>
+              <a:gd name="connsiteY2" fmla="*/ 836544 h 836544"/>
+            </a:gdLst>
+            <a:ahLst/>
+            <a:cxnLst>
+              <a:cxn ang="0">
+                <a:pos x="connsiteX0" y="connsiteY0"/>
+              </a:cxn>
+              <a:cxn ang="0">
+                <a:pos x="connsiteX1" y="connsiteY1"/>
+              </a:cxn>
+              <a:cxn ang="0">
+                <a:pos x="connsiteX2" y="connsiteY2"/>
+              </a:cxn>
+            </a:cxnLst>
+            <a:rect l="l" t="t" r="r" b="b"/>
+            <a:pathLst>
+              <a:path w="764703" h="836544">
+                <a:moveTo>
+                  <a:pt x="764703" y="590762"/>
+                </a:moveTo>
+                <a:cubicBezTo>
+                  <a:pt x="650907" y="276707"/>
+                  <a:pt x="537112" y="-37348"/>
+                  <a:pt x="409662" y="3616"/>
+                </a:cubicBezTo>
+                <a:cubicBezTo>
+                  <a:pt x="282211" y="44580"/>
+                  <a:pt x="72829" y="695447"/>
+                  <a:pt x="0" y="836544"/>
+                </a:cubicBezTo>
+              </a:path>
+            </a:pathLst>
+          </a:custGeom>
+          <a:ln w="25400">
+            <a:solidFill>
+              <a:schemeClr val="tx1"/>
+            </a:solidFill>
+            <a:tailEnd type="arrow" w="lg" len="med"/>
+          </a:ln>
+          <a:effectLst/>
+        </p:spPr>
+        <p:style>
+          <a:lnRef idx="2">
+            <a:schemeClr val="accent1"/>
+          </a:lnRef>
+          <a:fillRef idx="0">
+            <a:schemeClr val="accent1"/>
+          </a:fillRef>
+          <a:effectRef idx="1">
+            <a:schemeClr val="accent1"/>
+          </a:effectRef>
+          <a:fontRef idx="minor">
+            <a:schemeClr val="tx1"/>
+          </a:fontRef>
+        </p:style>
+        <p:txBody>
+          <a:bodyPr rtlCol="0" anchor="ctr"/>
+          <a:lstStyle/>
+          <a:p>
+            <a:pPr algn="ctr"/>
+            <a:endParaRPr lang="en-US"/>
+          </a:p>
+        </p:txBody>
+      </p:sp>
+      <p:sp>
+        <p:nvSpPr>
+          <p:cNvPr id="55" name="Rectangle 54"/>
+          <p:cNvSpPr/>
+          <p:nvPr/>
+        </p:nvSpPr>
+        <p:spPr>
+          <a:xfrm>
+            <a:off x="3949668" y="1591030"/>
+            <a:ext cx="1102831" cy="2839516"/>
+          </a:xfrm>
+          <a:prstGeom prst="rect">
+            <a:avLst/>
+          </a:prstGeom>
+          <a:noFill/>
+          <a:ln w="38100" cmpd="sng">
+            <a:solidFill>
+              <a:schemeClr val="tx1"/>
+            </a:solidFill>
+          </a:ln>
+          <a:effectLst/>
+        </p:spPr>
+        <p:style>
+          <a:lnRef idx="1">
+            <a:schemeClr val="accent1"/>
+          </a:lnRef>
+          <a:fillRef idx="3">
+            <a:schemeClr val="accent1"/>
+          </a:fillRef>
+          <a:effectRef idx="2">
+            <a:schemeClr val="accent1"/>
+          </a:effectRef>
+          <a:fontRef idx="minor">
+            <a:schemeClr val="lt1"/>
+          </a:fontRef>
+        </p:style>
+        <p:txBody>
+          <a:bodyPr rtlCol="0" anchor="ctr"/>
+          <a:lstStyle/>
+          <a:p>
+            <a:pPr algn="ctr"/>
+            <a:endParaRPr lang="en-US"/>
+          </a:p>
+        </p:txBody>
+      </p:sp>
+    </p:spTree>
+    <p:extLst>
+      <p:ext uri="{BB962C8B-B14F-4D97-AF65-F5344CB8AC3E}">
+        <p14:creationId xmlns:p14="http://schemas.microsoft.com/office/powerpoint/2010/main" val="761059635"/>
+      </p:ext>
+    </p:extLst>
+  </p:cSld>
+  <p:clrMapOvr>
+    <a:masterClrMapping/>
+  </p:clrMapOvr>
+</p:sld>
+</file>
+
+<file path=ppt/slides/slide3.xml><?xml version="1.0" encoding="utf-8"?>
+<p:sld xmlns:a="http://schemas.openxmlformats.org/drawingml/2006/main" xmlns:r="http://schemas.openxmlformats.org/officeDocument/2006/relationships" xmlns:p="http://schemas.openxmlformats.org/presentationml/2006/main">
+  <p:cSld>
+    <p:spTree>
+      <p:nvGrpSpPr>
+        <p:cNvPr id="1" name=""/>
+        <p:cNvGrpSpPr/>
+        <p:nvPr/>
+      </p:nvGrpSpPr>
+      <p:grpSpPr>
+        <a:xfrm>
+          <a:off x="0" y="0"/>
+          <a:ext cx="0" cy="0"/>
+          <a:chOff x="0" y="0"/>
+          <a:chExt cx="0" cy="0"/>
+        </a:xfrm>
+      </p:grpSpPr>
+      <p:grpSp>
+        <p:nvGrpSpPr>
+          <p:cNvPr id="206" name="Group 205"/>
+          <p:cNvGrpSpPr/>
+          <p:nvPr/>
+        </p:nvGrpSpPr>
+        <p:grpSpPr>
+          <a:xfrm>
+            <a:off x="2815104" y="1257508"/>
+            <a:ext cx="3562210" cy="369332"/>
+            <a:chOff x="3058811" y="1072843"/>
+            <a:chExt cx="3562210" cy="369332"/>
+          </a:xfrm>
+        </p:grpSpPr>
+        <p:sp>
+          <p:nvSpPr>
+            <p:cNvPr id="207" name="Rectangle 206"/>
+            <p:cNvSpPr/>
+            <p:nvPr/>
+          </p:nvSpPr>
+          <p:spPr>
+            <a:xfrm>
+              <a:off x="3058811" y="1072843"/>
+              <a:ext cx="286763" cy="369332"/>
+            </a:xfrm>
+            <a:prstGeom prst="rect">
+              <a:avLst/>
+            </a:prstGeom>
+          </p:spPr>
+          <p:style>
+            <a:lnRef idx="2">
+              <a:schemeClr val="accent2">
+                <a:shade val="50000"/>
+              </a:schemeClr>
+            </a:lnRef>
+            <a:fillRef idx="1">
+              <a:schemeClr val="accent2"/>
+            </a:fillRef>
+            <a:effectRef idx="0">
+              <a:schemeClr val="accent2"/>
+            </a:effectRef>
+            <a:fontRef idx="minor">
+              <a:schemeClr val="lt1"/>
+            </a:fontRef>
+          </p:style>
+          <p:txBody>
+            <a:bodyPr rtlCol="0" anchor="ctr"/>
+            <a:lstStyle/>
+            <a:p>
+              <a:pPr algn="ctr"/>
+              <a:endParaRPr lang="en-US"/>
+            </a:p>
+          </p:txBody>
+        </p:sp>
+        <p:sp>
+          <p:nvSpPr>
+            <p:cNvPr id="208" name="Rectangle 207"/>
+            <p:cNvSpPr/>
+            <p:nvPr/>
+          </p:nvSpPr>
+          <p:spPr>
+            <a:xfrm>
+              <a:off x="3356579" y="1072843"/>
+              <a:ext cx="286763" cy="369332"/>
+            </a:xfrm>
+            <a:prstGeom prst="rect">
+              <a:avLst/>
+            </a:prstGeom>
+          </p:spPr>
+          <p:style>
+            <a:lnRef idx="2">
+              <a:schemeClr val="accent3">
+                <a:shade val="50000"/>
+              </a:schemeClr>
+            </a:lnRef>
+            <a:fillRef idx="1">
+              <a:schemeClr val="accent3"/>
+            </a:fillRef>
+            <a:effectRef idx="0">
+              <a:schemeClr val="accent3"/>
+            </a:effectRef>
+            <a:fontRef idx="minor">
+              <a:schemeClr val="lt1"/>
+            </a:fontRef>
+          </p:style>
+          <p:txBody>
+            <a:bodyPr rtlCol="0" anchor="ctr"/>
+            <a:lstStyle/>
+            <a:p>
+              <a:pPr algn="ctr"/>
+              <a:endParaRPr lang="en-US"/>
+            </a:p>
+          </p:txBody>
+        </p:sp>
+        <p:sp>
+          <p:nvSpPr>
+            <p:cNvPr id="209" name="Rectangle 208"/>
+            <p:cNvSpPr/>
+            <p:nvPr/>
+          </p:nvSpPr>
+          <p:spPr>
+            <a:xfrm>
+              <a:off x="3654347" y="1072843"/>
+              <a:ext cx="286763" cy="369332"/>
+            </a:xfrm>
+            <a:prstGeom prst="rect">
+              <a:avLst/>
+            </a:prstGeom>
+          </p:spPr>
+          <p:style>
+            <a:lnRef idx="2">
+              <a:schemeClr val="accent1">
+                <a:shade val="50000"/>
+              </a:schemeClr>
+            </a:lnRef>
+            <a:fillRef idx="1">
+              <a:schemeClr val="accent1"/>
+            </a:fillRef>
+            <a:effectRef idx="0">
+              <a:schemeClr val="accent1"/>
+            </a:effectRef>
+            <a:fontRef idx="minor">
+              <a:schemeClr val="lt1"/>
+            </a:fontRef>
+          </p:style>
+          <p:txBody>
+            <a:bodyPr rtlCol="0" anchor="ctr"/>
+            <a:lstStyle/>
+            <a:p>
+              <a:pPr algn="ctr"/>
+              <a:endParaRPr lang="en-US"/>
+            </a:p>
+          </p:txBody>
+        </p:sp>
+        <p:sp>
+          <p:nvSpPr>
+            <p:cNvPr id="210" name="Rectangle 209"/>
+            <p:cNvSpPr/>
+            <p:nvPr/>
+          </p:nvSpPr>
+          <p:spPr>
+            <a:xfrm>
+              <a:off x="3952115" y="1072843"/>
+              <a:ext cx="286763" cy="369332"/>
+            </a:xfrm>
+            <a:prstGeom prst="rect">
+              <a:avLst/>
+            </a:prstGeom>
+          </p:spPr>
+          <p:style>
+            <a:lnRef idx="2">
+              <a:schemeClr val="accent3">
+                <a:shade val="50000"/>
+              </a:schemeClr>
+            </a:lnRef>
+            <a:fillRef idx="1">
+              <a:schemeClr val="accent3"/>
+            </a:fillRef>
+            <a:effectRef idx="0">
+              <a:schemeClr val="accent3"/>
+            </a:effectRef>
+            <a:fontRef idx="minor">
+              <a:schemeClr val="lt1"/>
+            </a:fontRef>
+          </p:style>
+          <p:txBody>
+            <a:bodyPr rtlCol="0" anchor="ctr"/>
+            <a:lstStyle/>
+            <a:p>
+              <a:pPr algn="ctr"/>
+              <a:endParaRPr lang="en-US"/>
+            </a:p>
+          </p:txBody>
+        </p:sp>
+        <p:sp>
+          <p:nvSpPr>
+            <p:cNvPr id="211" name="Rectangle 210"/>
+            <p:cNvSpPr/>
+            <p:nvPr/>
+          </p:nvSpPr>
+          <p:spPr>
+            <a:xfrm>
+              <a:off x="4547651" y="1072843"/>
+              <a:ext cx="286763" cy="369332"/>
+            </a:xfrm>
+            <a:prstGeom prst="rect">
+              <a:avLst/>
+            </a:prstGeom>
+          </p:spPr>
+          <p:style>
+            <a:lnRef idx="2">
+              <a:schemeClr val="accent1">
+                <a:shade val="50000"/>
+              </a:schemeClr>
+            </a:lnRef>
+            <a:fillRef idx="1">
+              <a:schemeClr val="accent1"/>
+            </a:fillRef>
+            <a:effectRef idx="0">
+              <a:schemeClr val="accent1"/>
+            </a:effectRef>
+            <a:fontRef idx="minor">
+              <a:schemeClr val="lt1"/>
+            </a:fontRef>
+          </p:style>
+          <p:txBody>
+            <a:bodyPr rtlCol="0" anchor="ctr"/>
+            <a:lstStyle/>
+            <a:p>
+              <a:pPr algn="ctr"/>
+              <a:endParaRPr lang="en-US"/>
+            </a:p>
+          </p:txBody>
+        </p:sp>
+        <p:sp>
+          <p:nvSpPr>
+            <p:cNvPr id="212" name="Rectangle 211"/>
+            <p:cNvSpPr/>
+            <p:nvPr/>
+          </p:nvSpPr>
+          <p:spPr>
+            <a:xfrm>
+              <a:off x="5143187" y="1072843"/>
+              <a:ext cx="286763" cy="369332"/>
+            </a:xfrm>
+            <a:prstGeom prst="rect">
+              <a:avLst/>
+            </a:prstGeom>
+          </p:spPr>
+          <p:style>
+            <a:lnRef idx="2">
+              <a:schemeClr val="accent2">
+                <a:shade val="50000"/>
+              </a:schemeClr>
+            </a:lnRef>
+            <a:fillRef idx="1">
+              <a:schemeClr val="accent2"/>
+            </a:fillRef>
+            <a:effectRef idx="0">
+              <a:schemeClr val="accent2"/>
+            </a:effectRef>
+            <a:fontRef idx="minor">
+              <a:schemeClr val="lt1"/>
+            </a:fontRef>
+          </p:style>
+          <p:txBody>
+            <a:bodyPr rtlCol="0" anchor="ctr"/>
+            <a:lstStyle/>
+            <a:p>
+              <a:pPr algn="ctr"/>
+              <a:endParaRPr lang="en-US"/>
+            </a:p>
+          </p:txBody>
+        </p:sp>
+        <p:sp>
+          <p:nvSpPr>
+            <p:cNvPr id="213" name="Rectangle 212"/>
+            <p:cNvSpPr/>
+            <p:nvPr/>
+          </p:nvSpPr>
+          <p:spPr>
+            <a:xfrm>
+              <a:off x="4249883" y="1072843"/>
+              <a:ext cx="286763" cy="369332"/>
+            </a:xfrm>
+            <a:prstGeom prst="rect">
+              <a:avLst/>
+            </a:prstGeom>
+          </p:spPr>
+          <p:style>
+            <a:lnRef idx="2">
+              <a:schemeClr val="accent2">
+                <a:shade val="50000"/>
+              </a:schemeClr>
+            </a:lnRef>
+            <a:fillRef idx="1">
+              <a:schemeClr val="accent2"/>
+            </a:fillRef>
+            <a:effectRef idx="0">
+              <a:schemeClr val="accent2"/>
+            </a:effectRef>
+            <a:fontRef idx="minor">
+              <a:schemeClr val="lt1"/>
+            </a:fontRef>
+          </p:style>
+          <p:txBody>
+            <a:bodyPr rtlCol="0" anchor="ctr"/>
+            <a:lstStyle/>
+            <a:p>
+              <a:pPr algn="ctr"/>
+              <a:endParaRPr lang="en-US"/>
+            </a:p>
+          </p:txBody>
+        </p:sp>
+        <p:sp>
+          <p:nvSpPr>
+            <p:cNvPr id="214" name="Rectangle 213"/>
+            <p:cNvSpPr/>
+            <p:nvPr/>
+          </p:nvSpPr>
+          <p:spPr>
+            <a:xfrm>
+              <a:off x="4845419" y="1072843"/>
+              <a:ext cx="286763" cy="369332"/>
+            </a:xfrm>
+            <a:prstGeom prst="rect">
+              <a:avLst/>
+            </a:prstGeom>
+          </p:spPr>
+          <p:style>
+            <a:lnRef idx="2">
+              <a:schemeClr val="accent6">
+                <a:shade val="50000"/>
+              </a:schemeClr>
+            </a:lnRef>
+            <a:fillRef idx="1">
+              <a:schemeClr val="accent6"/>
+            </a:fillRef>
+            <a:effectRef idx="0">
+              <a:schemeClr val="accent6"/>
+            </a:effectRef>
+            <a:fontRef idx="minor">
+              <a:schemeClr val="lt1"/>
+            </a:fontRef>
+          </p:style>
+          <p:txBody>
+            <a:bodyPr rtlCol="0" anchor="ctr"/>
+            <a:lstStyle/>
+            <a:p>
+              <a:pPr algn="ctr"/>
+              <a:endParaRPr lang="en-US"/>
+            </a:p>
+          </p:txBody>
+        </p:sp>
+        <p:sp>
+          <p:nvSpPr>
+            <p:cNvPr id="215" name="Rectangle 214"/>
+            <p:cNvSpPr/>
+            <p:nvPr/>
+          </p:nvSpPr>
+          <p:spPr>
+            <a:xfrm>
+              <a:off x="5440955" y="1072843"/>
+              <a:ext cx="286763" cy="369332"/>
+            </a:xfrm>
+            <a:prstGeom prst="rect">
+              <a:avLst/>
+            </a:prstGeom>
+          </p:spPr>
+          <p:style>
+            <a:lnRef idx="2">
+              <a:schemeClr val="accent3">
+                <a:shade val="50000"/>
+              </a:schemeClr>
+            </a:lnRef>
+            <a:fillRef idx="1">
+              <a:schemeClr val="accent3"/>
+            </a:fillRef>
+            <a:effectRef idx="0">
+              <a:schemeClr val="accent3"/>
+            </a:effectRef>
+            <a:fontRef idx="minor">
+              <a:schemeClr val="lt1"/>
+            </a:fontRef>
+          </p:style>
+          <p:txBody>
+            <a:bodyPr rtlCol="0" anchor="ctr"/>
+            <a:lstStyle/>
+            <a:p>
+              <a:pPr algn="ctr"/>
+              <a:endParaRPr lang="en-US"/>
+            </a:p>
+          </p:txBody>
+        </p:sp>
+        <p:sp>
+          <p:nvSpPr>
+            <p:cNvPr id="216" name="Rectangle 215"/>
+            <p:cNvSpPr/>
+            <p:nvPr/>
+          </p:nvSpPr>
+          <p:spPr>
+            <a:xfrm>
+              <a:off x="6036491" y="1072843"/>
+              <a:ext cx="286763" cy="369332"/>
+            </a:xfrm>
+            <a:prstGeom prst="rect">
+              <a:avLst/>
+            </a:prstGeom>
+          </p:spPr>
+          <p:style>
+            <a:lnRef idx="2">
+              <a:schemeClr val="accent2">
+                <a:shade val="50000"/>
+              </a:schemeClr>
+            </a:lnRef>
+            <a:fillRef idx="1">
+              <a:schemeClr val="accent2"/>
+            </a:fillRef>
+            <a:effectRef idx="0">
+              <a:schemeClr val="accent2"/>
+            </a:effectRef>
+            <a:fontRef idx="minor">
+              <a:schemeClr val="lt1"/>
+            </a:fontRef>
+          </p:style>
+          <p:txBody>
+            <a:bodyPr rtlCol="0" anchor="ctr"/>
+            <a:lstStyle/>
+            <a:p>
+              <a:pPr algn="ctr"/>
+              <a:endParaRPr lang="en-US"/>
+            </a:p>
+          </p:txBody>
+        </p:sp>
+        <p:sp>
+          <p:nvSpPr>
+            <p:cNvPr id="217" name="Rectangle 216"/>
+            <p:cNvSpPr/>
+            <p:nvPr/>
+          </p:nvSpPr>
+          <p:spPr>
+            <a:xfrm>
+              <a:off x="5738723" y="1072843"/>
+              <a:ext cx="286763" cy="369332"/>
+            </a:xfrm>
+            <a:prstGeom prst="rect">
+              <a:avLst/>
+            </a:prstGeom>
+          </p:spPr>
+          <p:style>
+            <a:lnRef idx="2">
+              <a:schemeClr val="accent6">
+                <a:shade val="50000"/>
+              </a:schemeClr>
+            </a:lnRef>
+            <a:fillRef idx="1">
+              <a:schemeClr val="accent6"/>
+            </a:fillRef>
+            <a:effectRef idx="0">
+              <a:schemeClr val="accent6"/>
+            </a:effectRef>
+            <a:fontRef idx="minor">
+              <a:schemeClr val="lt1"/>
+            </a:fontRef>
+          </p:style>
+          <p:txBody>
+            <a:bodyPr rtlCol="0" anchor="ctr"/>
+            <a:lstStyle/>
+            <a:p>
+              <a:pPr algn="ctr"/>
+              <a:endParaRPr lang="en-US"/>
+            </a:p>
+          </p:txBody>
+        </p:sp>
+        <p:sp>
+          <p:nvSpPr>
+            <p:cNvPr id="218" name="Rectangle 217"/>
+            <p:cNvSpPr/>
+            <p:nvPr/>
+          </p:nvSpPr>
+          <p:spPr>
+            <a:xfrm>
+              <a:off x="6334258" y="1072843"/>
+              <a:ext cx="286763" cy="369332"/>
+            </a:xfrm>
+            <a:prstGeom prst="rect">
+              <a:avLst/>
+            </a:prstGeom>
+          </p:spPr>
+          <p:style>
+            <a:lnRef idx="2">
+              <a:schemeClr val="accent1">
+                <a:shade val="50000"/>
+              </a:schemeClr>
+            </a:lnRef>
+            <a:fillRef idx="1">
+              <a:schemeClr val="accent1"/>
+            </a:fillRef>
+            <a:effectRef idx="0">
+              <a:schemeClr val="accent1"/>
+            </a:effectRef>
+            <a:fontRef idx="minor">
+              <a:schemeClr val="lt1"/>
+            </a:fontRef>
+          </p:style>
+          <p:txBody>
+            <a:bodyPr rtlCol="0" anchor="ctr"/>
+            <a:lstStyle/>
+            <a:p>
+              <a:pPr algn="ctr"/>
+              <a:endParaRPr lang="en-US"/>
+            </a:p>
+          </p:txBody>
+        </p:sp>
+      </p:grpSp>
+      <p:grpSp>
+        <p:nvGrpSpPr>
+          <p:cNvPr id="25" name="Group 24"/>
+          <p:cNvGrpSpPr/>
+          <p:nvPr/>
+        </p:nvGrpSpPr>
+        <p:grpSpPr>
+          <a:xfrm>
+            <a:off x="2815104" y="1910904"/>
+            <a:ext cx="2371139" cy="153082"/>
+            <a:chOff x="3058811" y="1072843"/>
+            <a:chExt cx="2371139" cy="369332"/>
+          </a:xfrm>
+        </p:grpSpPr>
+        <p:sp>
+          <p:nvSpPr>
+            <p:cNvPr id="26" name="Rectangle 25"/>
+            <p:cNvSpPr/>
+            <p:nvPr/>
+          </p:nvSpPr>
+          <p:spPr>
+            <a:xfrm>
+              <a:off x="3058811" y="1072843"/>
+              <a:ext cx="286763" cy="369332"/>
+            </a:xfrm>
+            <a:prstGeom prst="rect">
+              <a:avLst/>
+            </a:prstGeom>
+          </p:spPr>
+          <p:style>
+            <a:lnRef idx="2">
+              <a:schemeClr val="accent2">
+                <a:shade val="50000"/>
+              </a:schemeClr>
+            </a:lnRef>
+            <a:fillRef idx="1">
+              <a:schemeClr val="accent2"/>
+            </a:fillRef>
+            <a:effectRef idx="0">
+              <a:schemeClr val="accent2"/>
+            </a:effectRef>
+            <a:fontRef idx="minor">
+              <a:schemeClr val="lt1"/>
+            </a:fontRef>
+          </p:style>
+          <p:txBody>
+            <a:bodyPr rtlCol="0" anchor="ctr"/>
+            <a:lstStyle/>
+            <a:p>
+              <a:pPr algn="ctr"/>
+              <a:endParaRPr lang="en-US"/>
+            </a:p>
+          </p:txBody>
+        </p:sp>
+        <p:sp>
+          <p:nvSpPr>
+            <p:cNvPr id="27" name="Rectangle 26"/>
+            <p:cNvSpPr/>
+            <p:nvPr/>
+          </p:nvSpPr>
+          <p:spPr>
+            <a:xfrm>
+              <a:off x="3356579" y="1072843"/>
+              <a:ext cx="286763" cy="369332"/>
+            </a:xfrm>
+            <a:prstGeom prst="rect">
+              <a:avLst/>
+            </a:prstGeom>
+          </p:spPr>
+          <p:style>
+            <a:lnRef idx="2">
+              <a:schemeClr val="accent3">
+                <a:shade val="50000"/>
+              </a:schemeClr>
+            </a:lnRef>
+            <a:fillRef idx="1">
+              <a:schemeClr val="accent3"/>
+            </a:fillRef>
+            <a:effectRef idx="0">
+              <a:schemeClr val="accent3"/>
+            </a:effectRef>
+            <a:fontRef idx="minor">
+              <a:schemeClr val="lt1"/>
+            </a:fontRef>
+          </p:style>
+          <p:txBody>
+            <a:bodyPr rtlCol="0" anchor="ctr"/>
+            <a:lstStyle/>
+            <a:p>
+              <a:pPr algn="ctr"/>
+              <a:endParaRPr lang="en-US"/>
+            </a:p>
+          </p:txBody>
+        </p:sp>
+        <p:sp>
+          <p:nvSpPr>
+            <p:cNvPr id="28" name="Rectangle 27"/>
+            <p:cNvSpPr/>
+            <p:nvPr/>
+          </p:nvSpPr>
+          <p:spPr>
+            <a:xfrm>
+              <a:off x="3654347" y="1072843"/>
+              <a:ext cx="286763" cy="369332"/>
+            </a:xfrm>
+            <a:prstGeom prst="rect">
+              <a:avLst/>
+            </a:prstGeom>
+          </p:spPr>
+          <p:style>
+            <a:lnRef idx="2">
+              <a:schemeClr val="accent1">
+                <a:shade val="50000"/>
+              </a:schemeClr>
+            </a:lnRef>
+            <a:fillRef idx="1">
+              <a:schemeClr val="accent1"/>
+            </a:fillRef>
+            <a:effectRef idx="0">
+              <a:schemeClr val="accent1"/>
+            </a:effectRef>
+            <a:fontRef idx="minor">
+              <a:schemeClr val="lt1"/>
+            </a:fontRef>
+          </p:style>
+          <p:txBody>
+            <a:bodyPr rtlCol="0" anchor="ctr"/>
+            <a:lstStyle/>
+            <a:p>
+              <a:pPr algn="ctr"/>
+              <a:endParaRPr lang="en-US"/>
+            </a:p>
+          </p:txBody>
+        </p:sp>
+        <p:sp>
+          <p:nvSpPr>
+            <p:cNvPr id="29" name="Rectangle 28"/>
+            <p:cNvSpPr/>
+            <p:nvPr/>
+          </p:nvSpPr>
+          <p:spPr>
+            <a:xfrm>
+              <a:off x="3952115" y="1072843"/>
+              <a:ext cx="286763" cy="369332"/>
+            </a:xfrm>
+            <a:prstGeom prst="rect">
+              <a:avLst/>
+            </a:prstGeom>
+          </p:spPr>
+          <p:style>
+            <a:lnRef idx="2">
+              <a:schemeClr val="accent6">
+                <a:shade val="50000"/>
+              </a:schemeClr>
+            </a:lnRef>
+            <a:fillRef idx="1">
+              <a:schemeClr val="accent6"/>
+            </a:fillRef>
+            <a:effectRef idx="0">
+              <a:schemeClr val="accent6"/>
+            </a:effectRef>
+            <a:fontRef idx="minor">
+              <a:schemeClr val="lt1"/>
+            </a:fontRef>
+          </p:style>
+          <p:txBody>
+            <a:bodyPr rtlCol="0" anchor="ctr"/>
+            <a:lstStyle/>
+            <a:p>
+              <a:pPr algn="ctr"/>
+              <a:endParaRPr lang="en-US"/>
+            </a:p>
+          </p:txBody>
+        </p:sp>
+        <p:sp>
+          <p:nvSpPr>
+            <p:cNvPr id="30" name="Rectangle 29"/>
+            <p:cNvSpPr/>
+            <p:nvPr/>
+          </p:nvSpPr>
+          <p:spPr>
+            <a:xfrm>
+              <a:off x="4547651" y="1072843"/>
+              <a:ext cx="286763" cy="369332"/>
+            </a:xfrm>
+            <a:prstGeom prst="rect">
+              <a:avLst/>
+            </a:prstGeom>
+          </p:spPr>
+          <p:style>
+            <a:lnRef idx="2">
+              <a:schemeClr val="accent1">
+                <a:shade val="50000"/>
+              </a:schemeClr>
+            </a:lnRef>
+            <a:fillRef idx="1">
+              <a:schemeClr val="accent1"/>
+            </a:fillRef>
+            <a:effectRef idx="0">
+              <a:schemeClr val="accent1"/>
+            </a:effectRef>
+            <a:fontRef idx="minor">
+              <a:schemeClr val="lt1"/>
+            </a:fontRef>
+          </p:style>
+          <p:txBody>
+            <a:bodyPr rtlCol="0" anchor="ctr"/>
+            <a:lstStyle/>
+            <a:p>
+              <a:pPr algn="ctr"/>
+              <a:endParaRPr lang="en-US"/>
+            </a:p>
+          </p:txBody>
+        </p:sp>
+        <p:sp>
+          <p:nvSpPr>
+            <p:cNvPr id="31" name="Rectangle 30"/>
+            <p:cNvSpPr/>
+            <p:nvPr/>
+          </p:nvSpPr>
+          <p:spPr>
+            <a:xfrm>
+              <a:off x="5143187" y="1072843"/>
+              <a:ext cx="286763" cy="369332"/>
+            </a:xfrm>
+            <a:prstGeom prst="rect">
+              <a:avLst/>
+            </a:prstGeom>
+          </p:spPr>
+          <p:style>
+            <a:lnRef idx="2">
+              <a:schemeClr val="accent2">
+                <a:shade val="50000"/>
+              </a:schemeClr>
+            </a:lnRef>
+            <a:fillRef idx="1">
+              <a:schemeClr val="accent2"/>
+            </a:fillRef>
+            <a:effectRef idx="0">
+              <a:schemeClr val="accent2"/>
+            </a:effectRef>
+            <a:fontRef idx="minor">
+              <a:schemeClr val="lt1"/>
+            </a:fontRef>
+          </p:style>
+          <p:txBody>
+            <a:bodyPr rtlCol="0" anchor="ctr"/>
+            <a:lstStyle/>
+            <a:p>
+              <a:pPr algn="ctr"/>
+              <a:endParaRPr lang="en-US"/>
+            </a:p>
+          </p:txBody>
+        </p:sp>
+        <p:sp>
+          <p:nvSpPr>
+            <p:cNvPr id="32" name="Rectangle 31"/>
+            <p:cNvSpPr/>
+            <p:nvPr/>
+          </p:nvSpPr>
+          <p:spPr>
+            <a:xfrm>
+              <a:off x="4249883" y="1072843"/>
+              <a:ext cx="286763" cy="369332"/>
+            </a:xfrm>
+            <a:prstGeom prst="rect">
+              <a:avLst/>
+            </a:prstGeom>
+          </p:spPr>
+          <p:style>
+            <a:lnRef idx="2">
+              <a:schemeClr val="accent2">
+                <a:shade val="50000"/>
+              </a:schemeClr>
+            </a:lnRef>
+            <a:fillRef idx="1">
+              <a:schemeClr val="accent2"/>
+            </a:fillRef>
+            <a:effectRef idx="0">
+              <a:schemeClr val="accent2"/>
+            </a:effectRef>
+            <a:fontRef idx="minor">
+              <a:schemeClr val="lt1"/>
+            </a:fontRef>
+          </p:style>
+          <p:txBody>
+            <a:bodyPr rtlCol="0" anchor="ctr"/>
+            <a:lstStyle/>
+            <a:p>
+              <a:pPr algn="ctr"/>
+              <a:endParaRPr lang="en-US"/>
+            </a:p>
+          </p:txBody>
+        </p:sp>
+        <p:sp>
+          <p:nvSpPr>
+            <p:cNvPr id="33" name="Rectangle 32"/>
+            <p:cNvSpPr/>
+            <p:nvPr/>
+          </p:nvSpPr>
+          <p:spPr>
+            <a:xfrm>
+              <a:off x="4845419" y="1072843"/>
+              <a:ext cx="286763" cy="369332"/>
+            </a:xfrm>
+            <a:prstGeom prst="rect">
+              <a:avLst/>
+            </a:prstGeom>
+          </p:spPr>
+          <p:style>
+            <a:lnRef idx="2">
+              <a:schemeClr val="accent2">
+                <a:shade val="50000"/>
+              </a:schemeClr>
+            </a:lnRef>
+            <a:fillRef idx="1">
+              <a:schemeClr val="accent2"/>
+            </a:fillRef>
+            <a:effectRef idx="0">
+              <a:schemeClr val="accent2"/>
+            </a:effectRef>
+            <a:fontRef idx="minor">
+              <a:schemeClr val="lt1"/>
+            </a:fontRef>
+          </p:style>
+          <p:txBody>
+            <a:bodyPr rtlCol="0" anchor="ctr"/>
+            <a:lstStyle/>
+            <a:p>
+              <a:pPr algn="ctr"/>
+              <a:endParaRPr lang="en-US"/>
+            </a:p>
+          </p:txBody>
+        </p:sp>
+      </p:grpSp>
+      <p:grpSp>
+        <p:nvGrpSpPr>
+          <p:cNvPr id="38" name="Group 37"/>
+          <p:cNvGrpSpPr/>
+          <p:nvPr/>
+        </p:nvGrpSpPr>
+        <p:grpSpPr>
+          <a:xfrm>
+            <a:off x="3708408" y="2358904"/>
+            <a:ext cx="2668906" cy="153082"/>
+            <a:chOff x="3952115" y="1072843"/>
+            <a:chExt cx="2668906" cy="369332"/>
+          </a:xfrm>
+        </p:grpSpPr>
+        <p:sp>
+          <p:nvSpPr>
+            <p:cNvPr id="42" name="Rectangle 41"/>
+            <p:cNvSpPr/>
+            <p:nvPr/>
+          </p:nvSpPr>
+          <p:spPr>
+            <a:xfrm>
+              <a:off x="3952115" y="1072843"/>
+              <a:ext cx="286763" cy="369332"/>
+            </a:xfrm>
+            <a:prstGeom prst="rect">
+              <a:avLst/>
+            </a:prstGeom>
+          </p:spPr>
+          <p:style>
+            <a:lnRef idx="2">
+              <a:schemeClr val="accent3">
+                <a:shade val="50000"/>
+              </a:schemeClr>
+            </a:lnRef>
+            <a:fillRef idx="1">
+              <a:schemeClr val="accent3"/>
+            </a:fillRef>
+            <a:effectRef idx="0">
+              <a:schemeClr val="accent3"/>
+            </a:effectRef>
+            <a:fontRef idx="minor">
+              <a:schemeClr val="lt1"/>
+            </a:fontRef>
+          </p:style>
+          <p:txBody>
+            <a:bodyPr rtlCol="0" anchor="ctr"/>
+            <a:lstStyle/>
+            <a:p>
+              <a:pPr algn="ctr"/>
+              <a:endParaRPr lang="en-US"/>
+            </a:p>
+          </p:txBody>
+        </p:sp>
+        <p:sp>
+          <p:nvSpPr>
+            <p:cNvPr id="43" name="Rectangle 42"/>
+            <p:cNvSpPr/>
+            <p:nvPr/>
+          </p:nvSpPr>
+          <p:spPr>
+            <a:xfrm>
+              <a:off x="4547651" y="1072843"/>
+              <a:ext cx="286763" cy="369332"/>
+            </a:xfrm>
+            <a:prstGeom prst="rect">
+              <a:avLst/>
+            </a:prstGeom>
+          </p:spPr>
+          <p:style>
+            <a:lnRef idx="2">
+              <a:schemeClr val="accent1">
+                <a:shade val="50000"/>
+              </a:schemeClr>
+            </a:lnRef>
+            <a:fillRef idx="1">
+              <a:schemeClr val="accent1"/>
+            </a:fillRef>
+            <a:effectRef idx="0">
+              <a:schemeClr val="accent1"/>
+            </a:effectRef>
+            <a:fontRef idx="minor">
+              <a:schemeClr val="lt1"/>
+            </a:fontRef>
+          </p:style>
+          <p:txBody>
+            <a:bodyPr rtlCol="0" anchor="ctr"/>
+            <a:lstStyle/>
+            <a:p>
+              <a:pPr algn="ctr"/>
+              <a:endParaRPr lang="en-US"/>
+            </a:p>
+          </p:txBody>
+        </p:sp>
+        <p:sp>
+          <p:nvSpPr>
+            <p:cNvPr id="44" name="Rectangle 43"/>
+            <p:cNvSpPr/>
+            <p:nvPr/>
+          </p:nvSpPr>
+          <p:spPr>
+            <a:xfrm>
+              <a:off x="5143187" y="1072843"/>
+              <a:ext cx="286763" cy="369332"/>
+            </a:xfrm>
+            <a:prstGeom prst="rect">
+              <a:avLst/>
+            </a:prstGeom>
+          </p:spPr>
+          <p:style>
+            <a:lnRef idx="2">
+              <a:schemeClr val="accent2">
+                <a:shade val="50000"/>
+              </a:schemeClr>
+            </a:lnRef>
+            <a:fillRef idx="1">
+              <a:schemeClr val="accent2"/>
+            </a:fillRef>
+            <a:effectRef idx="0">
+              <a:schemeClr val="accent2"/>
+            </a:effectRef>
+            <a:fontRef idx="minor">
+              <a:schemeClr val="lt1"/>
+            </a:fontRef>
+          </p:style>
+          <p:txBody>
+            <a:bodyPr rtlCol="0" anchor="ctr"/>
+            <a:lstStyle/>
+            <a:p>
+              <a:pPr algn="ctr"/>
+              <a:endParaRPr lang="en-US"/>
+            </a:p>
+          </p:txBody>
+        </p:sp>
+        <p:sp>
+          <p:nvSpPr>
+            <p:cNvPr id="45" name="Rectangle 44"/>
+            <p:cNvSpPr/>
+            <p:nvPr/>
+          </p:nvSpPr>
+          <p:spPr>
+            <a:xfrm>
+              <a:off x="4249883" y="1072843"/>
+              <a:ext cx="286763" cy="369332"/>
+            </a:xfrm>
+            <a:prstGeom prst="rect">
+              <a:avLst/>
+            </a:prstGeom>
+          </p:spPr>
+          <p:style>
+            <a:lnRef idx="2">
+              <a:schemeClr val="accent2">
+                <a:shade val="50000"/>
+              </a:schemeClr>
+            </a:lnRef>
+            <a:fillRef idx="1">
+              <a:schemeClr val="accent2"/>
+            </a:fillRef>
+            <a:effectRef idx="0">
+              <a:schemeClr val="accent2"/>
+            </a:effectRef>
+            <a:fontRef idx="minor">
+              <a:schemeClr val="lt1"/>
+            </a:fontRef>
+          </p:style>
+          <p:txBody>
+            <a:bodyPr rtlCol="0" anchor="ctr"/>
+            <a:lstStyle/>
+            <a:p>
+              <a:pPr algn="ctr"/>
+              <a:endParaRPr lang="en-US"/>
+            </a:p>
+          </p:txBody>
+        </p:sp>
+        <p:sp>
+          <p:nvSpPr>
+            <p:cNvPr id="46" name="Rectangle 45"/>
+            <p:cNvSpPr/>
+            <p:nvPr/>
+          </p:nvSpPr>
+          <p:spPr>
+            <a:xfrm>
+              <a:off x="4845419" y="1072843"/>
+              <a:ext cx="286763" cy="369332"/>
+            </a:xfrm>
+            <a:prstGeom prst="rect">
+              <a:avLst/>
+            </a:prstGeom>
+          </p:spPr>
+          <p:style>
+            <a:lnRef idx="2">
+              <a:schemeClr val="accent2">
+                <a:shade val="50000"/>
+              </a:schemeClr>
+            </a:lnRef>
+            <a:fillRef idx="1">
+              <a:schemeClr val="accent2"/>
+            </a:fillRef>
+            <a:effectRef idx="0">
+              <a:schemeClr val="accent2"/>
+            </a:effectRef>
+            <a:fontRef idx="minor">
+              <a:schemeClr val="lt1"/>
+            </a:fontRef>
+          </p:style>
+          <p:txBody>
+            <a:bodyPr rtlCol="0" anchor="ctr"/>
+            <a:lstStyle/>
+            <a:p>
+              <a:pPr algn="ctr"/>
+              <a:endParaRPr lang="en-US"/>
+            </a:p>
+          </p:txBody>
+        </p:sp>
+        <p:sp>
+          <p:nvSpPr>
+            <p:cNvPr id="47" name="Rectangle 46"/>
+            <p:cNvSpPr/>
+            <p:nvPr/>
+          </p:nvSpPr>
+          <p:spPr>
+            <a:xfrm>
+              <a:off x="5440955" y="1072843"/>
+              <a:ext cx="286763" cy="369332"/>
+            </a:xfrm>
+            <a:prstGeom prst="rect">
+              <a:avLst/>
+            </a:prstGeom>
+          </p:spPr>
+          <p:style>
+            <a:lnRef idx="2">
+              <a:schemeClr val="accent1">
+                <a:shade val="50000"/>
+              </a:schemeClr>
+            </a:lnRef>
+            <a:fillRef idx="1">
+              <a:schemeClr val="accent1"/>
+            </a:fillRef>
+            <a:effectRef idx="0">
+              <a:schemeClr val="accent1"/>
+            </a:effectRef>
+            <a:fontRef idx="minor">
+              <a:schemeClr val="lt1"/>
+            </a:fontRef>
+          </p:style>
+          <p:txBody>
+            <a:bodyPr rtlCol="0" anchor="ctr"/>
+            <a:lstStyle/>
+            <a:p>
+              <a:pPr algn="ctr"/>
+              <a:endParaRPr lang="en-US"/>
+            </a:p>
+          </p:txBody>
+        </p:sp>
+        <p:sp>
+          <p:nvSpPr>
+            <p:cNvPr id="48" name="Rectangle 47"/>
+            <p:cNvSpPr/>
+            <p:nvPr/>
+          </p:nvSpPr>
+          <p:spPr>
+            <a:xfrm>
+              <a:off x="6036491" y="1072843"/>
+              <a:ext cx="286763" cy="369332"/>
+            </a:xfrm>
+            <a:prstGeom prst="rect">
+              <a:avLst/>
+            </a:prstGeom>
+          </p:spPr>
+          <p:style>
+            <a:lnRef idx="2">
+              <a:schemeClr val="accent2">
+                <a:shade val="50000"/>
+              </a:schemeClr>
+            </a:lnRef>
+            <a:fillRef idx="1">
+              <a:schemeClr val="accent2"/>
+            </a:fillRef>
+            <a:effectRef idx="0">
+              <a:schemeClr val="accent2"/>
+            </a:effectRef>
+            <a:fontRef idx="minor">
+              <a:schemeClr val="lt1"/>
+            </a:fontRef>
+          </p:style>
+          <p:txBody>
+            <a:bodyPr rtlCol="0" anchor="ctr"/>
+            <a:lstStyle/>
+            <a:p>
+              <a:pPr algn="ctr"/>
+              <a:endParaRPr lang="en-US"/>
+            </a:p>
+          </p:txBody>
+        </p:sp>
+        <p:sp>
+          <p:nvSpPr>
+            <p:cNvPr id="49" name="Rectangle 48"/>
+            <p:cNvSpPr/>
+            <p:nvPr/>
+          </p:nvSpPr>
+          <p:spPr>
+            <a:xfrm>
+              <a:off x="5738723" y="1072843"/>
+              <a:ext cx="286763" cy="369332"/>
+            </a:xfrm>
+            <a:prstGeom prst="rect">
+              <a:avLst/>
+            </a:prstGeom>
+          </p:spPr>
+          <p:style>
+            <a:lnRef idx="2">
+              <a:schemeClr val="accent6">
+                <a:shade val="50000"/>
+              </a:schemeClr>
+            </a:lnRef>
+            <a:fillRef idx="1">
+              <a:schemeClr val="accent6"/>
+            </a:fillRef>
+            <a:effectRef idx="0">
+              <a:schemeClr val="accent6"/>
+            </a:effectRef>
+            <a:fontRef idx="minor">
+              <a:schemeClr val="lt1"/>
+            </a:fontRef>
+          </p:style>
+          <p:txBody>
+            <a:bodyPr rtlCol="0" anchor="ctr"/>
+            <a:lstStyle/>
+            <a:p>
+              <a:pPr algn="ctr"/>
+              <a:endParaRPr lang="en-US"/>
+            </a:p>
+          </p:txBody>
+        </p:sp>
+        <p:sp>
+          <p:nvSpPr>
+            <p:cNvPr id="50" name="Rectangle 49"/>
+            <p:cNvSpPr/>
+            <p:nvPr/>
+          </p:nvSpPr>
+          <p:spPr>
+            <a:xfrm>
+              <a:off x="6334258" y="1072843"/>
+              <a:ext cx="286763" cy="369332"/>
+            </a:xfrm>
+            <a:prstGeom prst="rect">
+              <a:avLst/>
+            </a:prstGeom>
+          </p:spPr>
+          <p:style>
+            <a:lnRef idx="2">
+              <a:schemeClr val="accent1">
+                <a:shade val="50000"/>
+              </a:schemeClr>
+            </a:lnRef>
+            <a:fillRef idx="1">
+              <a:schemeClr val="accent1"/>
+            </a:fillRef>
+            <a:effectRef idx="0">
+              <a:schemeClr val="accent1"/>
+            </a:effectRef>
+            <a:fontRef idx="minor">
+              <a:schemeClr val="lt1"/>
+            </a:fontRef>
+          </p:style>
+          <p:txBody>
+            <a:bodyPr rtlCol="0" anchor="ctr"/>
+            <a:lstStyle/>
+            <a:p>
+              <a:pPr algn="ctr"/>
+              <a:endParaRPr lang="en-US"/>
+            </a:p>
+          </p:txBody>
+        </p:sp>
+      </p:grpSp>
+      <p:grpSp>
+        <p:nvGrpSpPr>
+          <p:cNvPr id="91" name="Group 90"/>
+          <p:cNvGrpSpPr/>
+          <p:nvPr/>
+        </p:nvGrpSpPr>
+        <p:grpSpPr>
+          <a:xfrm>
+            <a:off x="3112872" y="2806904"/>
+            <a:ext cx="2966675" cy="153082"/>
+            <a:chOff x="3356579" y="1072843"/>
+            <a:chExt cx="2966675" cy="369332"/>
+          </a:xfrm>
+        </p:grpSpPr>
+        <p:sp>
+          <p:nvSpPr>
+            <p:cNvPr id="93" name="Rectangle 92"/>
+            <p:cNvSpPr/>
+            <p:nvPr/>
+          </p:nvSpPr>
+          <p:spPr>
+            <a:xfrm>
+              <a:off x="3356579" y="1072843"/>
+              <a:ext cx="286763" cy="369332"/>
+            </a:xfrm>
+            <a:prstGeom prst="rect">
+              <a:avLst/>
+            </a:prstGeom>
+          </p:spPr>
+          <p:style>
+            <a:lnRef idx="2">
+              <a:schemeClr val="accent3">
+                <a:shade val="50000"/>
+              </a:schemeClr>
+            </a:lnRef>
+            <a:fillRef idx="1">
+              <a:schemeClr val="accent3"/>
+            </a:fillRef>
+            <a:effectRef idx="0">
+              <a:schemeClr val="accent3"/>
+            </a:effectRef>
+            <a:fontRef idx="minor">
+              <a:schemeClr val="lt1"/>
+            </a:fontRef>
+          </p:style>
+          <p:txBody>
+            <a:bodyPr rtlCol="0" anchor="ctr"/>
+            <a:lstStyle/>
+            <a:p>
+              <a:pPr algn="ctr"/>
+              <a:endParaRPr lang="en-US"/>
+            </a:p>
+          </p:txBody>
+        </p:sp>
+        <p:sp>
+          <p:nvSpPr>
+            <p:cNvPr id="94" name="Rectangle 93"/>
+            <p:cNvSpPr/>
+            <p:nvPr/>
+          </p:nvSpPr>
+          <p:spPr>
+            <a:xfrm>
+              <a:off x="3654347" y="1072843"/>
+              <a:ext cx="286763" cy="369332"/>
+            </a:xfrm>
+            <a:prstGeom prst="rect">
+              <a:avLst/>
+            </a:prstGeom>
+          </p:spPr>
+          <p:style>
+            <a:lnRef idx="2">
+              <a:schemeClr val="accent1">
+                <a:shade val="50000"/>
+              </a:schemeClr>
+            </a:lnRef>
+            <a:fillRef idx="1">
+              <a:schemeClr val="accent1"/>
+            </a:fillRef>
+            <a:effectRef idx="0">
+              <a:schemeClr val="accent1"/>
+            </a:effectRef>
+            <a:fontRef idx="minor">
+              <a:schemeClr val="lt1"/>
+            </a:fontRef>
+          </p:style>
+          <p:txBody>
+            <a:bodyPr rtlCol="0" anchor="ctr"/>
+            <a:lstStyle/>
+            <a:p>
+              <a:pPr algn="ctr"/>
+              <a:endParaRPr lang="en-US"/>
+            </a:p>
+          </p:txBody>
+        </p:sp>
+        <p:sp>
+          <p:nvSpPr>
+            <p:cNvPr id="95" name="Rectangle 94"/>
+            <p:cNvSpPr/>
+            <p:nvPr/>
+          </p:nvSpPr>
+          <p:spPr>
+            <a:xfrm>
+              <a:off x="3952115" y="1072843"/>
+              <a:ext cx="286763" cy="369332"/>
+            </a:xfrm>
+            <a:prstGeom prst="rect">
+              <a:avLst/>
+            </a:prstGeom>
+          </p:spPr>
+          <p:style>
+            <a:lnRef idx="2">
+              <a:schemeClr val="accent3">
+                <a:shade val="50000"/>
+              </a:schemeClr>
+            </a:lnRef>
+            <a:fillRef idx="1">
+              <a:schemeClr val="accent3"/>
+            </a:fillRef>
+            <a:effectRef idx="0">
+              <a:schemeClr val="accent3"/>
+            </a:effectRef>
+            <a:fontRef idx="minor">
+              <a:schemeClr val="lt1"/>
+            </a:fontRef>
+          </p:style>
+          <p:txBody>
+            <a:bodyPr rtlCol="0" anchor="ctr"/>
+            <a:lstStyle/>
+            <a:p>
+              <a:pPr algn="ctr"/>
+              <a:endParaRPr lang="en-US"/>
+            </a:p>
+          </p:txBody>
+        </p:sp>
+        <p:sp>
+          <p:nvSpPr>
+            <p:cNvPr id="96" name="Rectangle 95"/>
+            <p:cNvSpPr/>
+            <p:nvPr/>
+          </p:nvSpPr>
+          <p:spPr>
+            <a:xfrm>
+              <a:off x="4547651" y="1072843"/>
+              <a:ext cx="286763" cy="369332"/>
+            </a:xfrm>
+            <a:prstGeom prst="rect">
+              <a:avLst/>
+            </a:prstGeom>
+          </p:spPr>
+          <p:style>
+            <a:lnRef idx="2">
+              <a:schemeClr val="accent1">
+                <a:shade val="50000"/>
+              </a:schemeClr>
+            </a:lnRef>
+            <a:fillRef idx="1">
+              <a:schemeClr val="accent1"/>
+            </a:fillRef>
+            <a:effectRef idx="0">
+              <a:schemeClr val="accent1"/>
+            </a:effectRef>
+            <a:fontRef idx="minor">
+              <a:schemeClr val="lt1"/>
+            </a:fontRef>
+          </p:style>
+          <p:txBody>
+            <a:bodyPr rtlCol="0" anchor="ctr"/>
+            <a:lstStyle/>
+            <a:p>
+              <a:pPr algn="ctr"/>
+              <a:endParaRPr lang="en-US"/>
+            </a:p>
+          </p:txBody>
+        </p:sp>
+        <p:sp>
+          <p:nvSpPr>
+            <p:cNvPr id="97" name="Rectangle 96"/>
+            <p:cNvSpPr/>
+            <p:nvPr/>
+          </p:nvSpPr>
+          <p:spPr>
+            <a:xfrm>
+              <a:off x="5143187" y="1072843"/>
+              <a:ext cx="286763" cy="369332"/>
+            </a:xfrm>
+            <a:prstGeom prst="rect">
+              <a:avLst/>
+            </a:prstGeom>
+          </p:spPr>
+          <p:style>
+            <a:lnRef idx="2">
+              <a:schemeClr val="accent2">
+                <a:shade val="50000"/>
+              </a:schemeClr>
+            </a:lnRef>
+            <a:fillRef idx="1">
+              <a:schemeClr val="accent2"/>
+            </a:fillRef>
+            <a:effectRef idx="0">
+              <a:schemeClr val="accent2"/>
+            </a:effectRef>
+            <a:fontRef idx="minor">
+              <a:schemeClr val="lt1"/>
+            </a:fontRef>
+          </p:style>
+          <p:txBody>
+            <a:bodyPr rtlCol="0" anchor="ctr"/>
+            <a:lstStyle/>
+            <a:p>
+              <a:pPr algn="ctr"/>
+              <a:endParaRPr lang="en-US"/>
+            </a:p>
+          </p:txBody>
+        </p:sp>
+        <p:sp>
+          <p:nvSpPr>
+            <p:cNvPr id="98" name="Rectangle 97"/>
+            <p:cNvSpPr/>
+            <p:nvPr/>
+          </p:nvSpPr>
+          <p:spPr>
+            <a:xfrm>
+              <a:off x="4249883" y="1072843"/>
+              <a:ext cx="286763" cy="369332"/>
+            </a:xfrm>
+            <a:prstGeom prst="rect">
+              <a:avLst/>
+            </a:prstGeom>
+          </p:spPr>
+          <p:style>
+            <a:lnRef idx="2">
+              <a:schemeClr val="accent2">
+                <a:shade val="50000"/>
+              </a:schemeClr>
+            </a:lnRef>
+            <a:fillRef idx="1">
+              <a:schemeClr val="accent2"/>
+            </a:fillRef>
+            <a:effectRef idx="0">
+              <a:schemeClr val="accent2"/>
+            </a:effectRef>
+            <a:fontRef idx="minor">
+              <a:schemeClr val="lt1"/>
+            </a:fontRef>
+          </p:style>
+          <p:txBody>
+            <a:bodyPr rtlCol="0" anchor="ctr"/>
+            <a:lstStyle/>
+            <a:p>
+              <a:pPr algn="ctr"/>
+              <a:endParaRPr lang="en-US"/>
+            </a:p>
+          </p:txBody>
+        </p:sp>
+        <p:sp>
+          <p:nvSpPr>
+            <p:cNvPr id="99" name="Rectangle 98"/>
+            <p:cNvSpPr/>
+            <p:nvPr/>
+          </p:nvSpPr>
+          <p:spPr>
+            <a:xfrm>
+              <a:off x="4845419" y="1072843"/>
+              <a:ext cx="286763" cy="369332"/>
+            </a:xfrm>
+            <a:prstGeom prst="rect">
+              <a:avLst/>
+            </a:prstGeom>
+          </p:spPr>
+          <p:style>
+            <a:lnRef idx="2">
+              <a:schemeClr val="accent2">
+                <a:shade val="50000"/>
+              </a:schemeClr>
+            </a:lnRef>
+            <a:fillRef idx="1">
+              <a:schemeClr val="accent2"/>
+            </a:fillRef>
+            <a:effectRef idx="0">
+              <a:schemeClr val="accent2"/>
+            </a:effectRef>
+            <a:fontRef idx="minor">
+              <a:schemeClr val="lt1"/>
+            </a:fontRef>
+          </p:style>
+          <p:txBody>
+            <a:bodyPr rtlCol="0" anchor="ctr"/>
+            <a:lstStyle/>
+            <a:p>
+              <a:pPr algn="ctr"/>
+              <a:endParaRPr lang="en-US"/>
+            </a:p>
+          </p:txBody>
+        </p:sp>
+        <p:sp>
+          <p:nvSpPr>
+            <p:cNvPr id="100" name="Rectangle 99"/>
+            <p:cNvSpPr/>
+            <p:nvPr/>
+          </p:nvSpPr>
+          <p:spPr>
+            <a:xfrm>
+              <a:off x="5440955" y="1072843"/>
+              <a:ext cx="286763" cy="369332"/>
+            </a:xfrm>
+            <a:prstGeom prst="rect">
+              <a:avLst/>
+            </a:prstGeom>
+          </p:spPr>
+          <p:style>
+            <a:lnRef idx="2">
+              <a:schemeClr val="accent3">
+                <a:shade val="50000"/>
+              </a:schemeClr>
+            </a:lnRef>
+            <a:fillRef idx="1">
+              <a:schemeClr val="accent3"/>
+            </a:fillRef>
+            <a:effectRef idx="0">
+              <a:schemeClr val="accent3"/>
+            </a:effectRef>
+            <a:fontRef idx="minor">
+              <a:schemeClr val="lt1"/>
+            </a:fontRef>
+          </p:style>
+          <p:txBody>
+            <a:bodyPr rtlCol="0" anchor="ctr"/>
+            <a:lstStyle/>
+            <a:p>
+              <a:pPr algn="ctr"/>
+              <a:endParaRPr lang="en-US"/>
+            </a:p>
+          </p:txBody>
+        </p:sp>
+        <p:sp>
+          <p:nvSpPr>
+            <p:cNvPr id="101" name="Rectangle 100"/>
+            <p:cNvSpPr/>
+            <p:nvPr/>
+          </p:nvSpPr>
+          <p:spPr>
+            <a:xfrm>
+              <a:off x="6036491" y="1072843"/>
+              <a:ext cx="286763" cy="369332"/>
+            </a:xfrm>
+            <a:prstGeom prst="rect">
+              <a:avLst/>
+            </a:prstGeom>
+          </p:spPr>
+          <p:style>
+            <a:lnRef idx="2">
+              <a:schemeClr val="accent2">
+                <a:shade val="50000"/>
+              </a:schemeClr>
+            </a:lnRef>
+            <a:fillRef idx="1">
+              <a:schemeClr val="accent2"/>
+            </a:fillRef>
+            <a:effectRef idx="0">
+              <a:schemeClr val="accent2"/>
+            </a:effectRef>
+            <a:fontRef idx="minor">
+              <a:schemeClr val="lt1"/>
+            </a:fontRef>
+          </p:style>
+          <p:txBody>
+            <a:bodyPr rtlCol="0" anchor="ctr"/>
+            <a:lstStyle/>
+            <a:p>
+              <a:pPr algn="ctr"/>
+              <a:endParaRPr lang="en-US"/>
+            </a:p>
+          </p:txBody>
+        </p:sp>
+        <p:sp>
+          <p:nvSpPr>
+            <p:cNvPr id="102" name="Rectangle 101"/>
+            <p:cNvSpPr/>
+            <p:nvPr/>
+          </p:nvSpPr>
+          <p:spPr>
+            <a:xfrm>
+              <a:off x="5738723" y="1072843"/>
+              <a:ext cx="286763" cy="369332"/>
+            </a:xfrm>
+            <a:prstGeom prst="rect">
+              <a:avLst/>
+            </a:prstGeom>
+          </p:spPr>
+          <p:style>
+            <a:lnRef idx="2">
+              <a:schemeClr val="accent6">
+                <a:shade val="50000"/>
+              </a:schemeClr>
+            </a:lnRef>
+            <a:fillRef idx="1">
+              <a:schemeClr val="accent6"/>
+            </a:fillRef>
+            <a:effectRef idx="0">
+              <a:schemeClr val="accent6"/>
+            </a:effectRef>
+            <a:fontRef idx="minor">
+              <a:schemeClr val="lt1"/>
+            </a:fontRef>
+          </p:style>
+          <p:txBody>
+            <a:bodyPr rtlCol="0" anchor="ctr"/>
+            <a:lstStyle/>
+            <a:p>
+              <a:pPr algn="ctr"/>
+              <a:endParaRPr lang="en-US"/>
+            </a:p>
+          </p:txBody>
+        </p:sp>
+      </p:grpSp>
+      <p:grpSp>
+        <p:nvGrpSpPr>
+          <p:cNvPr id="104" name="Group 103"/>
+          <p:cNvGrpSpPr/>
+          <p:nvPr/>
+        </p:nvGrpSpPr>
+        <p:grpSpPr>
+          <a:xfrm>
+            <a:off x="3410640" y="3254904"/>
+            <a:ext cx="1775603" cy="153082"/>
+            <a:chOff x="3654347" y="1072843"/>
+            <a:chExt cx="1775603" cy="369332"/>
+          </a:xfrm>
+        </p:grpSpPr>
+        <p:sp>
+          <p:nvSpPr>
+            <p:cNvPr id="107" name="Rectangle 106"/>
+            <p:cNvSpPr/>
+            <p:nvPr/>
+          </p:nvSpPr>
+          <p:spPr>
+            <a:xfrm>
+              <a:off x="3654347" y="1072843"/>
+              <a:ext cx="286763" cy="369332"/>
+            </a:xfrm>
+            <a:prstGeom prst="rect">
+              <a:avLst/>
+            </a:prstGeom>
+          </p:spPr>
+          <p:style>
+            <a:lnRef idx="2">
+              <a:schemeClr val="accent1">
+                <a:shade val="50000"/>
+              </a:schemeClr>
+            </a:lnRef>
+            <a:fillRef idx="1">
+              <a:schemeClr val="accent1"/>
+            </a:fillRef>
+            <a:effectRef idx="0">
+              <a:schemeClr val="accent1"/>
+            </a:effectRef>
+            <a:fontRef idx="minor">
+              <a:schemeClr val="lt1"/>
+            </a:fontRef>
+          </p:style>
+          <p:txBody>
+            <a:bodyPr rtlCol="0" anchor="ctr"/>
+            <a:lstStyle/>
+            <a:p>
+              <a:pPr algn="ctr"/>
+              <a:endParaRPr lang="en-US"/>
+            </a:p>
+          </p:txBody>
+        </p:sp>
+        <p:sp>
+          <p:nvSpPr>
+            <p:cNvPr id="108" name="Rectangle 107"/>
+            <p:cNvSpPr/>
+            <p:nvPr/>
+          </p:nvSpPr>
+          <p:spPr>
+            <a:xfrm>
+              <a:off x="3952115" y="1072843"/>
+              <a:ext cx="286763" cy="369332"/>
+            </a:xfrm>
+            <a:prstGeom prst="rect">
+              <a:avLst/>
+            </a:prstGeom>
+          </p:spPr>
+          <p:style>
+            <a:lnRef idx="2">
+              <a:schemeClr val="accent3">
+                <a:shade val="50000"/>
+              </a:schemeClr>
+            </a:lnRef>
+            <a:fillRef idx="1">
+              <a:schemeClr val="accent3"/>
+            </a:fillRef>
+            <a:effectRef idx="0">
+              <a:schemeClr val="accent3"/>
+            </a:effectRef>
+            <a:fontRef idx="minor">
+              <a:schemeClr val="lt1"/>
+            </a:fontRef>
+          </p:style>
+          <p:txBody>
+            <a:bodyPr rtlCol="0" anchor="ctr"/>
+            <a:lstStyle/>
+            <a:p>
+              <a:pPr algn="ctr"/>
+              <a:endParaRPr lang="en-US"/>
+            </a:p>
+          </p:txBody>
+        </p:sp>
+        <p:sp>
+          <p:nvSpPr>
+            <p:cNvPr id="109" name="Rectangle 108"/>
+            <p:cNvSpPr/>
+            <p:nvPr/>
+          </p:nvSpPr>
+          <p:spPr>
+            <a:xfrm>
+              <a:off x="4547651" y="1072843"/>
+              <a:ext cx="286763" cy="369332"/>
+            </a:xfrm>
+            <a:prstGeom prst="rect">
+              <a:avLst/>
+            </a:prstGeom>
+          </p:spPr>
+          <p:style>
+            <a:lnRef idx="2">
+              <a:schemeClr val="accent1">
+                <a:shade val="50000"/>
+              </a:schemeClr>
+            </a:lnRef>
+            <a:fillRef idx="1">
+              <a:schemeClr val="accent1"/>
+            </a:fillRef>
+            <a:effectRef idx="0">
+              <a:schemeClr val="accent1"/>
+            </a:effectRef>
+            <a:fontRef idx="minor">
+              <a:schemeClr val="lt1"/>
+            </a:fontRef>
+          </p:style>
+          <p:txBody>
+            <a:bodyPr rtlCol="0" anchor="ctr"/>
+            <a:lstStyle/>
+            <a:p>
+              <a:pPr algn="ctr"/>
+              <a:endParaRPr lang="en-US"/>
+            </a:p>
+          </p:txBody>
+        </p:sp>
+        <p:sp>
+          <p:nvSpPr>
+            <p:cNvPr id="110" name="Rectangle 109"/>
+            <p:cNvSpPr/>
+            <p:nvPr/>
+          </p:nvSpPr>
+          <p:spPr>
+            <a:xfrm>
+              <a:off x="5143187" y="1072843"/>
+              <a:ext cx="286763" cy="369332"/>
+            </a:xfrm>
+            <a:prstGeom prst="rect">
+              <a:avLst/>
+            </a:prstGeom>
+          </p:spPr>
+          <p:style>
+            <a:lnRef idx="2">
+              <a:schemeClr val="accent2">
+                <a:shade val="50000"/>
+              </a:schemeClr>
+            </a:lnRef>
+            <a:fillRef idx="1">
+              <a:schemeClr val="accent2"/>
+            </a:fillRef>
+            <a:effectRef idx="0">
+              <a:schemeClr val="accent2"/>
+            </a:effectRef>
+            <a:fontRef idx="minor">
+              <a:schemeClr val="lt1"/>
+            </a:fontRef>
+          </p:style>
+          <p:txBody>
+            <a:bodyPr rtlCol="0" anchor="ctr"/>
+            <a:lstStyle/>
+            <a:p>
+              <a:pPr algn="ctr"/>
+              <a:endParaRPr lang="en-US"/>
+            </a:p>
+          </p:txBody>
+        </p:sp>
+        <p:sp>
+          <p:nvSpPr>
+            <p:cNvPr id="111" name="Rectangle 110"/>
+            <p:cNvSpPr/>
+            <p:nvPr/>
+          </p:nvSpPr>
+          <p:spPr>
+            <a:xfrm>
+              <a:off x="4249883" y="1072843"/>
+              <a:ext cx="286763" cy="369332"/>
+            </a:xfrm>
+            <a:prstGeom prst="rect">
+              <a:avLst/>
+            </a:prstGeom>
+          </p:spPr>
+          <p:style>
+            <a:lnRef idx="2">
+              <a:schemeClr val="accent2">
+                <a:shade val="50000"/>
+              </a:schemeClr>
+            </a:lnRef>
+            <a:fillRef idx="1">
+              <a:schemeClr val="accent2"/>
+            </a:fillRef>
+            <a:effectRef idx="0">
+              <a:schemeClr val="accent2"/>
+            </a:effectRef>
+            <a:fontRef idx="minor">
+              <a:schemeClr val="lt1"/>
+            </a:fontRef>
+          </p:style>
+          <p:txBody>
+            <a:bodyPr rtlCol="0" anchor="ctr"/>
+            <a:lstStyle/>
+            <a:p>
+              <a:pPr algn="ctr"/>
+              <a:endParaRPr lang="en-US"/>
+            </a:p>
+          </p:txBody>
+        </p:sp>
+        <p:sp>
+          <p:nvSpPr>
+            <p:cNvPr id="112" name="Rectangle 111"/>
+            <p:cNvSpPr/>
+            <p:nvPr/>
+          </p:nvSpPr>
+          <p:spPr>
+            <a:xfrm>
+              <a:off x="4845419" y="1072843"/>
+              <a:ext cx="286763" cy="369332"/>
+            </a:xfrm>
+            <a:prstGeom prst="rect">
+              <a:avLst/>
+            </a:prstGeom>
+          </p:spPr>
+          <p:style>
+            <a:lnRef idx="2">
+              <a:schemeClr val="accent2">
+                <a:shade val="50000"/>
+              </a:schemeClr>
+            </a:lnRef>
+            <a:fillRef idx="1">
+              <a:schemeClr val="accent2"/>
+            </a:fillRef>
+            <a:effectRef idx="0">
+              <a:schemeClr val="accent2"/>
+            </a:effectRef>
+            <a:fontRef idx="minor">
+              <a:schemeClr val="lt1"/>
+            </a:fontRef>
+          </p:style>
+          <p:txBody>
+            <a:bodyPr rtlCol="0" anchor="ctr"/>
+            <a:lstStyle/>
+            <a:p>
+              <a:pPr algn="ctr"/>
+              <a:endParaRPr lang="en-US"/>
+            </a:p>
+          </p:txBody>
+        </p:sp>
+      </p:grpSp>
+      <p:grpSp>
+        <p:nvGrpSpPr>
+          <p:cNvPr id="117" name="Group 116"/>
+          <p:cNvGrpSpPr/>
+          <p:nvPr/>
+        </p:nvGrpSpPr>
+        <p:grpSpPr>
+          <a:xfrm>
+            <a:off x="3112872" y="3478904"/>
+            <a:ext cx="2668907" cy="153082"/>
+            <a:chOff x="3356579" y="1072843"/>
+            <a:chExt cx="2668907" cy="369332"/>
+          </a:xfrm>
+        </p:grpSpPr>
+        <p:sp>
+          <p:nvSpPr>
+            <p:cNvPr id="119" name="Rectangle 118"/>
+            <p:cNvSpPr/>
+            <p:nvPr/>
+          </p:nvSpPr>
+          <p:spPr>
+            <a:xfrm>
+              <a:off x="3356579" y="1072843"/>
+              <a:ext cx="286763" cy="369332"/>
+            </a:xfrm>
+            <a:prstGeom prst="rect">
+              <a:avLst/>
+            </a:prstGeom>
+          </p:spPr>
+          <p:style>
+            <a:lnRef idx="2">
+              <a:schemeClr val="accent3">
+                <a:shade val="50000"/>
+              </a:schemeClr>
+            </a:lnRef>
+            <a:fillRef idx="1">
+              <a:schemeClr val="accent3"/>
+            </a:fillRef>
+            <a:effectRef idx="0">
+              <a:schemeClr val="accent3"/>
+            </a:effectRef>
+            <a:fontRef idx="minor">
+              <a:schemeClr val="lt1"/>
+            </a:fontRef>
+          </p:style>
+          <p:txBody>
+            <a:bodyPr rtlCol="0" anchor="ctr"/>
+            <a:lstStyle/>
+            <a:p>
+              <a:pPr algn="ctr"/>
+              <a:endParaRPr lang="en-US"/>
+            </a:p>
+          </p:txBody>
+        </p:sp>
+        <p:sp>
+          <p:nvSpPr>
+            <p:cNvPr id="120" name="Rectangle 119"/>
+            <p:cNvSpPr/>
+            <p:nvPr/>
+          </p:nvSpPr>
+          <p:spPr>
+            <a:xfrm>
+              <a:off x="3654347" y="1072843"/>
+              <a:ext cx="286763" cy="369332"/>
+            </a:xfrm>
+            <a:prstGeom prst="rect">
+              <a:avLst/>
+            </a:prstGeom>
+          </p:spPr>
+          <p:style>
+            <a:lnRef idx="2">
+              <a:schemeClr val="accent1">
+                <a:shade val="50000"/>
+              </a:schemeClr>
+            </a:lnRef>
+            <a:fillRef idx="1">
+              <a:schemeClr val="accent1"/>
+            </a:fillRef>
+            <a:effectRef idx="0">
+              <a:schemeClr val="accent1"/>
+            </a:effectRef>
+            <a:fontRef idx="minor">
+              <a:schemeClr val="lt1"/>
+            </a:fontRef>
+          </p:style>
+          <p:txBody>
+            <a:bodyPr rtlCol="0" anchor="ctr"/>
+            <a:lstStyle/>
+            <a:p>
+              <a:pPr algn="ctr"/>
+              <a:endParaRPr lang="en-US"/>
+            </a:p>
+          </p:txBody>
+        </p:sp>
+        <p:sp>
+          <p:nvSpPr>
+            <p:cNvPr id="121" name="Rectangle 120"/>
+            <p:cNvSpPr/>
+            <p:nvPr/>
+          </p:nvSpPr>
+          <p:spPr>
+            <a:xfrm>
+              <a:off x="3952115" y="1072843"/>
+              <a:ext cx="286763" cy="369332"/>
+            </a:xfrm>
+            <a:prstGeom prst="rect">
+              <a:avLst/>
+            </a:prstGeom>
+          </p:spPr>
+          <p:style>
+            <a:lnRef idx="2">
+              <a:schemeClr val="accent3">
+                <a:shade val="50000"/>
+              </a:schemeClr>
+            </a:lnRef>
+            <a:fillRef idx="1">
+              <a:schemeClr val="accent3"/>
+            </a:fillRef>
+            <a:effectRef idx="0">
+              <a:schemeClr val="accent3"/>
+            </a:effectRef>
+            <a:fontRef idx="minor">
+              <a:schemeClr val="lt1"/>
+            </a:fontRef>
+          </p:style>
+          <p:txBody>
+            <a:bodyPr rtlCol="0" anchor="ctr"/>
+            <a:lstStyle/>
+            <a:p>
+              <a:pPr algn="ctr"/>
+              <a:endParaRPr lang="en-US"/>
+            </a:p>
+          </p:txBody>
+        </p:sp>
+        <p:sp>
+          <p:nvSpPr>
+            <p:cNvPr id="122" name="Rectangle 121"/>
+            <p:cNvSpPr/>
+            <p:nvPr/>
+          </p:nvSpPr>
+          <p:spPr>
+            <a:xfrm>
+              <a:off x="4547651" y="1072843"/>
+              <a:ext cx="286763" cy="369332"/>
+            </a:xfrm>
+            <a:prstGeom prst="rect">
+              <a:avLst/>
+            </a:prstGeom>
+          </p:spPr>
+          <p:style>
+            <a:lnRef idx="2">
+              <a:schemeClr val="accent1">
+                <a:shade val="50000"/>
+              </a:schemeClr>
+            </a:lnRef>
+            <a:fillRef idx="1">
+              <a:schemeClr val="accent1"/>
+            </a:fillRef>
+            <a:effectRef idx="0">
+              <a:schemeClr val="accent1"/>
+            </a:effectRef>
+            <a:fontRef idx="minor">
+              <a:schemeClr val="lt1"/>
+            </a:fontRef>
+          </p:style>
+          <p:txBody>
+            <a:bodyPr rtlCol="0" anchor="ctr"/>
+            <a:lstStyle/>
+            <a:p>
+              <a:pPr algn="ctr"/>
+              <a:endParaRPr lang="en-US"/>
+            </a:p>
+          </p:txBody>
+        </p:sp>
+        <p:sp>
+          <p:nvSpPr>
+            <p:cNvPr id="123" name="Rectangle 122"/>
+            <p:cNvSpPr/>
+            <p:nvPr/>
+          </p:nvSpPr>
+          <p:spPr>
+            <a:xfrm>
+              <a:off x="5143187" y="1072843"/>
+              <a:ext cx="286763" cy="369332"/>
+            </a:xfrm>
+            <a:prstGeom prst="rect">
+              <a:avLst/>
+            </a:prstGeom>
+          </p:spPr>
+          <p:style>
+            <a:lnRef idx="2">
+              <a:schemeClr val="accent2">
+                <a:shade val="50000"/>
+              </a:schemeClr>
+            </a:lnRef>
+            <a:fillRef idx="1">
+              <a:schemeClr val="accent2"/>
+            </a:fillRef>
+            <a:effectRef idx="0">
+              <a:schemeClr val="accent2"/>
+            </a:effectRef>
+            <a:fontRef idx="minor">
+              <a:schemeClr val="lt1"/>
+            </a:fontRef>
+          </p:style>
+          <p:txBody>
+            <a:bodyPr rtlCol="0" anchor="ctr"/>
+            <a:lstStyle/>
+            <a:p>
+              <a:pPr algn="ctr"/>
+              <a:endParaRPr lang="en-US"/>
+            </a:p>
+          </p:txBody>
+        </p:sp>
+        <p:sp>
+          <p:nvSpPr>
+            <p:cNvPr id="124" name="Rectangle 123"/>
+            <p:cNvSpPr/>
+            <p:nvPr/>
+          </p:nvSpPr>
+          <p:spPr>
+            <a:xfrm>
+              <a:off x="4249883" y="1072843"/>
+              <a:ext cx="286763" cy="369332"/>
+            </a:xfrm>
+            <a:prstGeom prst="rect">
+              <a:avLst/>
+            </a:prstGeom>
+          </p:spPr>
+          <p:style>
+            <a:lnRef idx="2">
+              <a:schemeClr val="accent2">
+                <a:shade val="50000"/>
+              </a:schemeClr>
+            </a:lnRef>
+            <a:fillRef idx="1">
+              <a:schemeClr val="accent2"/>
+            </a:fillRef>
+            <a:effectRef idx="0">
+              <a:schemeClr val="accent2"/>
+            </a:effectRef>
+            <a:fontRef idx="minor">
+              <a:schemeClr val="lt1"/>
+            </a:fontRef>
+          </p:style>
+          <p:txBody>
+            <a:bodyPr rtlCol="0" anchor="ctr"/>
+            <a:lstStyle/>
+            <a:p>
+              <a:pPr algn="ctr"/>
+              <a:endParaRPr lang="en-US"/>
+            </a:p>
+          </p:txBody>
+        </p:sp>
+        <p:sp>
+          <p:nvSpPr>
+            <p:cNvPr id="125" name="Rectangle 124"/>
+            <p:cNvSpPr/>
+            <p:nvPr/>
+          </p:nvSpPr>
+          <p:spPr>
+            <a:xfrm>
+              <a:off x="4845419" y="1072843"/>
+              <a:ext cx="286763" cy="369332"/>
+            </a:xfrm>
+            <a:prstGeom prst="rect">
+              <a:avLst/>
+            </a:prstGeom>
+          </p:spPr>
+          <p:style>
+            <a:lnRef idx="2">
+              <a:schemeClr val="accent2">
+                <a:shade val="50000"/>
+              </a:schemeClr>
+            </a:lnRef>
+            <a:fillRef idx="1">
+              <a:schemeClr val="accent2"/>
+            </a:fillRef>
+            <a:effectRef idx="0">
+              <a:schemeClr val="accent2"/>
+            </a:effectRef>
+            <a:fontRef idx="minor">
+              <a:schemeClr val="lt1"/>
+            </a:fontRef>
+          </p:style>
+          <p:txBody>
+            <a:bodyPr rtlCol="0" anchor="ctr"/>
+            <a:lstStyle/>
+            <a:p>
+              <a:pPr algn="ctr"/>
+              <a:endParaRPr lang="en-US"/>
+            </a:p>
+          </p:txBody>
+        </p:sp>
+        <p:sp>
+          <p:nvSpPr>
+            <p:cNvPr id="126" name="Rectangle 125"/>
+            <p:cNvSpPr/>
+            <p:nvPr/>
+          </p:nvSpPr>
+          <p:spPr>
+            <a:xfrm>
+              <a:off x="5440955" y="1072843"/>
+              <a:ext cx="286763" cy="369332"/>
+            </a:xfrm>
+            <a:prstGeom prst="rect">
+              <a:avLst/>
+            </a:prstGeom>
+          </p:spPr>
+          <p:style>
+            <a:lnRef idx="2">
+              <a:schemeClr val="accent3">
+                <a:shade val="50000"/>
+              </a:schemeClr>
+            </a:lnRef>
+            <a:fillRef idx="1">
+              <a:schemeClr val="accent3"/>
+            </a:fillRef>
+            <a:effectRef idx="0">
+              <a:schemeClr val="accent3"/>
+            </a:effectRef>
+            <a:fontRef idx="minor">
+              <a:schemeClr val="lt1"/>
+            </a:fontRef>
+          </p:style>
+          <p:txBody>
+            <a:bodyPr rtlCol="0" anchor="ctr"/>
+            <a:lstStyle/>
+            <a:p>
+              <a:pPr algn="ctr"/>
+              <a:endParaRPr lang="en-US"/>
+            </a:p>
+          </p:txBody>
+        </p:sp>
+        <p:sp>
+          <p:nvSpPr>
+            <p:cNvPr id="128" name="Rectangle 127"/>
+            <p:cNvSpPr/>
+            <p:nvPr/>
+          </p:nvSpPr>
+          <p:spPr>
+            <a:xfrm>
+              <a:off x="5738723" y="1072843"/>
+              <a:ext cx="286763" cy="369332"/>
+            </a:xfrm>
+            <a:prstGeom prst="rect">
+              <a:avLst/>
+            </a:prstGeom>
+          </p:spPr>
+          <p:style>
+            <a:lnRef idx="2">
+              <a:schemeClr val="accent6">
+                <a:shade val="50000"/>
+              </a:schemeClr>
+            </a:lnRef>
+            <a:fillRef idx="1">
+              <a:schemeClr val="accent6"/>
+            </a:fillRef>
+            <a:effectRef idx="0">
+              <a:schemeClr val="accent6"/>
+            </a:effectRef>
+            <a:fontRef idx="minor">
+              <a:schemeClr val="lt1"/>
+            </a:fontRef>
+          </p:style>
+          <p:txBody>
+            <a:bodyPr rtlCol="0" anchor="ctr"/>
+            <a:lstStyle/>
+            <a:p>
+              <a:pPr algn="ctr"/>
+              <a:endParaRPr lang="en-US"/>
+            </a:p>
+          </p:txBody>
+        </p:sp>
+      </p:grpSp>
+      <p:grpSp>
+        <p:nvGrpSpPr>
+          <p:cNvPr id="130" name="Group 129"/>
+          <p:cNvGrpSpPr/>
+          <p:nvPr/>
+        </p:nvGrpSpPr>
+        <p:grpSpPr>
+          <a:xfrm>
+            <a:off x="3410640" y="3702904"/>
+            <a:ext cx="2073371" cy="153082"/>
+            <a:chOff x="3654347" y="1072843"/>
+            <a:chExt cx="2073371" cy="369332"/>
+          </a:xfrm>
+        </p:grpSpPr>
+        <p:sp>
+          <p:nvSpPr>
+            <p:cNvPr id="133" name="Rectangle 132"/>
+            <p:cNvSpPr/>
+            <p:nvPr/>
+          </p:nvSpPr>
+          <p:spPr>
+            <a:xfrm>
+              <a:off x="3654347" y="1072843"/>
+              <a:ext cx="286763" cy="369332"/>
+            </a:xfrm>
+            <a:prstGeom prst="rect">
+              <a:avLst/>
+            </a:prstGeom>
+          </p:spPr>
+          <p:style>
+            <a:lnRef idx="2">
+              <a:schemeClr val="accent1">
+                <a:shade val="50000"/>
+              </a:schemeClr>
+            </a:lnRef>
+            <a:fillRef idx="1">
+              <a:schemeClr val="accent1"/>
+            </a:fillRef>
+            <a:effectRef idx="0">
+              <a:schemeClr val="accent1"/>
+            </a:effectRef>
+            <a:fontRef idx="minor">
+              <a:schemeClr val="lt1"/>
+            </a:fontRef>
+          </p:style>
+          <p:txBody>
+            <a:bodyPr rtlCol="0" anchor="ctr"/>
+            <a:lstStyle/>
+            <a:p>
+              <a:pPr algn="ctr"/>
+              <a:endParaRPr lang="en-US"/>
+            </a:p>
+          </p:txBody>
+        </p:sp>
+        <p:sp>
+          <p:nvSpPr>
+            <p:cNvPr id="134" name="Rectangle 133"/>
+            <p:cNvSpPr/>
+            <p:nvPr/>
+          </p:nvSpPr>
+          <p:spPr>
+            <a:xfrm>
+              <a:off x="3952115" y="1072843"/>
+              <a:ext cx="286763" cy="369332"/>
+            </a:xfrm>
+            <a:prstGeom prst="rect">
+              <a:avLst/>
+            </a:prstGeom>
+          </p:spPr>
+          <p:style>
+            <a:lnRef idx="2">
+              <a:schemeClr val="accent3">
+                <a:shade val="50000"/>
+              </a:schemeClr>
+            </a:lnRef>
+            <a:fillRef idx="1">
+              <a:schemeClr val="accent3"/>
+            </a:fillRef>
+            <a:effectRef idx="0">
+              <a:schemeClr val="accent3"/>
+            </a:effectRef>
+            <a:fontRef idx="minor">
+              <a:schemeClr val="lt1"/>
+            </a:fontRef>
+          </p:style>
+          <p:txBody>
+            <a:bodyPr rtlCol="0" anchor="ctr"/>
+            <a:lstStyle/>
+            <a:p>
+              <a:pPr algn="ctr"/>
+              <a:endParaRPr lang="en-US"/>
+            </a:p>
+          </p:txBody>
+        </p:sp>
+        <p:sp>
+          <p:nvSpPr>
+            <p:cNvPr id="135" name="Rectangle 134"/>
+            <p:cNvSpPr/>
+            <p:nvPr/>
+          </p:nvSpPr>
+          <p:spPr>
+            <a:xfrm>
+              <a:off x="4547651" y="1072843"/>
+              <a:ext cx="286763" cy="369332"/>
+            </a:xfrm>
+            <a:prstGeom prst="rect">
+              <a:avLst/>
+            </a:prstGeom>
+          </p:spPr>
+          <p:style>
+            <a:lnRef idx="2">
+              <a:schemeClr val="accent1">
+                <a:shade val="50000"/>
+              </a:schemeClr>
+            </a:lnRef>
+            <a:fillRef idx="1">
+              <a:schemeClr val="accent1"/>
+            </a:fillRef>
+            <a:effectRef idx="0">
+              <a:schemeClr val="accent1"/>
+            </a:effectRef>
+            <a:fontRef idx="minor">
+              <a:schemeClr val="lt1"/>
+            </a:fontRef>
+          </p:style>
+          <p:txBody>
+            <a:bodyPr rtlCol="0" anchor="ctr"/>
+            <a:lstStyle/>
+            <a:p>
+              <a:pPr algn="ctr"/>
+              <a:endParaRPr lang="en-US"/>
+            </a:p>
+          </p:txBody>
+        </p:sp>
+        <p:sp>
+          <p:nvSpPr>
+            <p:cNvPr id="136" name="Rectangle 135"/>
+            <p:cNvSpPr/>
+            <p:nvPr/>
+          </p:nvSpPr>
+          <p:spPr>
+            <a:xfrm>
+              <a:off x="5143187" y="1072843"/>
+              <a:ext cx="286763" cy="369332"/>
+            </a:xfrm>
+            <a:prstGeom prst="rect">
+              <a:avLst/>
+            </a:prstGeom>
+          </p:spPr>
+          <p:style>
+            <a:lnRef idx="2">
+              <a:schemeClr val="accent2">
+                <a:shade val="50000"/>
+              </a:schemeClr>
+            </a:lnRef>
+            <a:fillRef idx="1">
+              <a:schemeClr val="accent2"/>
+            </a:fillRef>
+            <a:effectRef idx="0">
+              <a:schemeClr val="accent2"/>
+            </a:effectRef>
+            <a:fontRef idx="minor">
+              <a:schemeClr val="lt1"/>
+            </a:fontRef>
+          </p:style>
+          <p:txBody>
+            <a:bodyPr rtlCol="0" anchor="ctr"/>
+            <a:lstStyle/>
+            <a:p>
+              <a:pPr algn="ctr"/>
+              <a:endParaRPr lang="en-US"/>
+            </a:p>
+          </p:txBody>
+        </p:sp>
+        <p:sp>
+          <p:nvSpPr>
+            <p:cNvPr id="137" name="Rectangle 136"/>
+            <p:cNvSpPr/>
+            <p:nvPr/>
+          </p:nvSpPr>
+          <p:spPr>
+            <a:xfrm>
+              <a:off x="4249883" y="1072843"/>
+              <a:ext cx="286763" cy="369332"/>
+            </a:xfrm>
+            <a:prstGeom prst="rect">
+              <a:avLst/>
+            </a:prstGeom>
+          </p:spPr>
+          <p:style>
+            <a:lnRef idx="2">
+              <a:schemeClr val="accent2">
+                <a:shade val="50000"/>
+              </a:schemeClr>
+            </a:lnRef>
+            <a:fillRef idx="1">
+              <a:schemeClr val="accent2"/>
+            </a:fillRef>
+            <a:effectRef idx="0">
+              <a:schemeClr val="accent2"/>
+            </a:effectRef>
+            <a:fontRef idx="minor">
+              <a:schemeClr val="lt1"/>
+            </a:fontRef>
+          </p:style>
+          <p:txBody>
+            <a:bodyPr rtlCol="0" anchor="ctr"/>
+            <a:lstStyle/>
+            <a:p>
+              <a:pPr algn="ctr"/>
+              <a:endParaRPr lang="en-US"/>
+            </a:p>
+          </p:txBody>
+        </p:sp>
+        <p:sp>
+          <p:nvSpPr>
+            <p:cNvPr id="138" name="Rectangle 137"/>
+            <p:cNvSpPr/>
+            <p:nvPr/>
+          </p:nvSpPr>
+          <p:spPr>
+            <a:xfrm>
+              <a:off x="4845419" y="1072843"/>
+              <a:ext cx="286763" cy="369332"/>
+            </a:xfrm>
+            <a:prstGeom prst="rect">
+              <a:avLst/>
+            </a:prstGeom>
+          </p:spPr>
+          <p:style>
+            <a:lnRef idx="2">
+              <a:schemeClr val="accent2">
+                <a:shade val="50000"/>
+              </a:schemeClr>
+            </a:lnRef>
+            <a:fillRef idx="1">
+              <a:schemeClr val="accent2"/>
+            </a:fillRef>
+            <a:effectRef idx="0">
+              <a:schemeClr val="accent2"/>
+            </a:effectRef>
+            <a:fontRef idx="minor">
+              <a:schemeClr val="lt1"/>
+            </a:fontRef>
+          </p:style>
+          <p:txBody>
+            <a:bodyPr rtlCol="0" anchor="ctr"/>
+            <a:lstStyle/>
+            <a:p>
+              <a:pPr algn="ctr"/>
+              <a:endParaRPr lang="en-US"/>
+            </a:p>
+          </p:txBody>
+        </p:sp>
+        <p:sp>
+          <p:nvSpPr>
+            <p:cNvPr id="139" name="Rectangle 138"/>
+            <p:cNvSpPr/>
+            <p:nvPr/>
+          </p:nvSpPr>
+          <p:spPr>
+            <a:xfrm>
+              <a:off x="5440955" y="1072843"/>
+              <a:ext cx="286763" cy="369332"/>
+            </a:xfrm>
+            <a:prstGeom prst="rect">
+              <a:avLst/>
+            </a:prstGeom>
+          </p:spPr>
+          <p:style>
+            <a:lnRef idx="2">
+              <a:schemeClr val="accent3">
+                <a:shade val="50000"/>
+              </a:schemeClr>
+            </a:lnRef>
+            <a:fillRef idx="1">
+              <a:schemeClr val="accent3"/>
+            </a:fillRef>
+            <a:effectRef idx="0">
+              <a:schemeClr val="accent3"/>
+            </a:effectRef>
+            <a:fontRef idx="minor">
+              <a:schemeClr val="lt1"/>
+            </a:fontRef>
+          </p:style>
+          <p:txBody>
+            <a:bodyPr rtlCol="0" anchor="ctr"/>
+            <a:lstStyle/>
+            <a:p>
+              <a:pPr algn="ctr"/>
+              <a:endParaRPr lang="en-US"/>
+            </a:p>
+          </p:txBody>
+        </p:sp>
+      </p:grpSp>
+      <p:grpSp>
+        <p:nvGrpSpPr>
+          <p:cNvPr id="143" name="Group 142"/>
+          <p:cNvGrpSpPr/>
+          <p:nvPr/>
+        </p:nvGrpSpPr>
+        <p:grpSpPr>
+          <a:xfrm>
+            <a:off x="2815104" y="3926901"/>
+            <a:ext cx="1775603" cy="153082"/>
+            <a:chOff x="3058811" y="1072843"/>
+            <a:chExt cx="1775603" cy="369332"/>
+          </a:xfrm>
+        </p:grpSpPr>
+        <p:sp>
+          <p:nvSpPr>
+            <p:cNvPr id="144" name="Rectangle 143"/>
+            <p:cNvSpPr/>
+            <p:nvPr/>
+          </p:nvSpPr>
+          <p:spPr>
+            <a:xfrm>
+              <a:off x="3058811" y="1072843"/>
+              <a:ext cx="286763" cy="369332"/>
+            </a:xfrm>
+            <a:prstGeom prst="rect">
+              <a:avLst/>
+            </a:prstGeom>
+          </p:spPr>
+          <p:style>
+            <a:lnRef idx="2">
+              <a:schemeClr val="accent2">
+                <a:shade val="50000"/>
+              </a:schemeClr>
+            </a:lnRef>
+            <a:fillRef idx="1">
+              <a:schemeClr val="accent2"/>
+            </a:fillRef>
+            <a:effectRef idx="0">
+              <a:schemeClr val="accent2"/>
+            </a:effectRef>
+            <a:fontRef idx="minor">
+              <a:schemeClr val="lt1"/>
+            </a:fontRef>
+          </p:style>
+          <p:txBody>
+            <a:bodyPr rtlCol="0" anchor="ctr"/>
+            <a:lstStyle/>
+            <a:p>
+              <a:pPr algn="ctr"/>
+              <a:endParaRPr lang="en-US"/>
+            </a:p>
+          </p:txBody>
+        </p:sp>
+        <p:sp>
+          <p:nvSpPr>
+            <p:cNvPr id="145" name="Rectangle 144"/>
+            <p:cNvSpPr/>
+            <p:nvPr/>
+          </p:nvSpPr>
+          <p:spPr>
+            <a:xfrm>
+              <a:off x="3356579" y="1072843"/>
+              <a:ext cx="286763" cy="369332"/>
+            </a:xfrm>
+            <a:prstGeom prst="rect">
+              <a:avLst/>
+            </a:prstGeom>
+          </p:spPr>
+          <p:style>
+            <a:lnRef idx="2">
+              <a:schemeClr val="accent3">
+                <a:shade val="50000"/>
+              </a:schemeClr>
+            </a:lnRef>
+            <a:fillRef idx="1">
+              <a:schemeClr val="accent3"/>
+            </a:fillRef>
+            <a:effectRef idx="0">
+              <a:schemeClr val="accent3"/>
+            </a:effectRef>
+            <a:fontRef idx="minor">
+              <a:schemeClr val="lt1"/>
+            </a:fontRef>
+          </p:style>
+          <p:txBody>
+            <a:bodyPr rtlCol="0" anchor="ctr"/>
+            <a:lstStyle/>
+            <a:p>
+              <a:pPr algn="ctr"/>
+              <a:endParaRPr lang="en-US"/>
+            </a:p>
+          </p:txBody>
+        </p:sp>
+        <p:sp>
+          <p:nvSpPr>
+            <p:cNvPr id="146" name="Rectangle 145"/>
+            <p:cNvSpPr/>
+            <p:nvPr/>
+          </p:nvSpPr>
+          <p:spPr>
+            <a:xfrm>
+              <a:off x="3654347" y="1072843"/>
+              <a:ext cx="286763" cy="369332"/>
+            </a:xfrm>
+            <a:prstGeom prst="rect">
+              <a:avLst/>
+            </a:prstGeom>
+          </p:spPr>
+          <p:style>
+            <a:lnRef idx="2">
+              <a:schemeClr val="accent1">
+                <a:shade val="50000"/>
+              </a:schemeClr>
+            </a:lnRef>
+            <a:fillRef idx="1">
+              <a:schemeClr val="accent1"/>
+            </a:fillRef>
+            <a:effectRef idx="0">
+              <a:schemeClr val="accent1"/>
+            </a:effectRef>
+            <a:fontRef idx="minor">
+              <a:schemeClr val="lt1"/>
+            </a:fontRef>
+          </p:style>
+          <p:txBody>
+            <a:bodyPr rtlCol="0" anchor="ctr"/>
+            <a:lstStyle/>
+            <a:p>
+              <a:pPr algn="ctr"/>
+              <a:endParaRPr lang="en-US"/>
+            </a:p>
+          </p:txBody>
+        </p:sp>
+        <p:sp>
+          <p:nvSpPr>
+            <p:cNvPr id="147" name="Rectangle 146"/>
+            <p:cNvSpPr/>
+            <p:nvPr/>
+          </p:nvSpPr>
+          <p:spPr>
+            <a:xfrm>
+              <a:off x="3952115" y="1072843"/>
+              <a:ext cx="286763" cy="369332"/>
+            </a:xfrm>
+            <a:prstGeom prst="rect">
+              <a:avLst/>
+            </a:prstGeom>
+          </p:spPr>
+          <p:style>
+            <a:lnRef idx="2">
+              <a:schemeClr val="accent3">
+                <a:shade val="50000"/>
+              </a:schemeClr>
+            </a:lnRef>
+            <a:fillRef idx="1">
+              <a:schemeClr val="accent3"/>
+            </a:fillRef>
+            <a:effectRef idx="0">
+              <a:schemeClr val="accent3"/>
+            </a:effectRef>
+            <a:fontRef idx="minor">
+              <a:schemeClr val="lt1"/>
+            </a:fontRef>
+          </p:style>
+          <p:txBody>
+            <a:bodyPr rtlCol="0" anchor="ctr"/>
+            <a:lstStyle/>
+            <a:p>
+              <a:pPr algn="ctr"/>
+              <a:endParaRPr lang="en-US"/>
+            </a:p>
+          </p:txBody>
+        </p:sp>
+        <p:sp>
+          <p:nvSpPr>
+            <p:cNvPr id="148" name="Rectangle 147"/>
+            <p:cNvSpPr/>
+            <p:nvPr/>
+          </p:nvSpPr>
+          <p:spPr>
+            <a:xfrm>
+              <a:off x="4547651" y="1072843"/>
+              <a:ext cx="286763" cy="369332"/>
+            </a:xfrm>
+            <a:prstGeom prst="rect">
+              <a:avLst/>
+            </a:prstGeom>
+          </p:spPr>
+          <p:style>
+            <a:lnRef idx="2">
+              <a:schemeClr val="accent1">
+                <a:shade val="50000"/>
+              </a:schemeClr>
+            </a:lnRef>
+            <a:fillRef idx="1">
+              <a:schemeClr val="accent1"/>
+            </a:fillRef>
+            <a:effectRef idx="0">
+              <a:schemeClr val="accent1"/>
+            </a:effectRef>
+            <a:fontRef idx="minor">
+              <a:schemeClr val="lt1"/>
+            </a:fontRef>
+          </p:style>
+          <p:txBody>
+            <a:bodyPr rtlCol="0" anchor="ctr"/>
+            <a:lstStyle/>
+            <a:p>
+              <a:pPr algn="ctr"/>
+              <a:endParaRPr lang="en-US"/>
+            </a:p>
+          </p:txBody>
+        </p:sp>
+        <p:sp>
+          <p:nvSpPr>
+            <p:cNvPr id="150" name="Rectangle 149"/>
+            <p:cNvSpPr/>
+            <p:nvPr/>
+          </p:nvSpPr>
+          <p:spPr>
+            <a:xfrm>
+              <a:off x="4249883" y="1072843"/>
+              <a:ext cx="286763" cy="369332"/>
+            </a:xfrm>
+            <a:prstGeom prst="rect">
+              <a:avLst/>
+            </a:prstGeom>
+          </p:spPr>
+          <p:style>
+            <a:lnRef idx="2">
+              <a:schemeClr val="accent2">
+                <a:shade val="50000"/>
+              </a:schemeClr>
+            </a:lnRef>
+            <a:fillRef idx="1">
+              <a:schemeClr val="accent2"/>
+            </a:fillRef>
+            <a:effectRef idx="0">
+              <a:schemeClr val="accent2"/>
+            </a:effectRef>
+            <a:fontRef idx="minor">
+              <a:schemeClr val="lt1"/>
+            </a:fontRef>
+          </p:style>
+          <p:txBody>
+            <a:bodyPr rtlCol="0" anchor="ctr"/>
+            <a:lstStyle/>
+            <a:p>
+              <a:pPr algn="ctr"/>
+              <a:endParaRPr lang="en-US"/>
+            </a:p>
+          </p:txBody>
+        </p:sp>
+      </p:grpSp>
+      <p:grpSp>
+        <p:nvGrpSpPr>
+          <p:cNvPr id="156" name="Group 155"/>
+          <p:cNvGrpSpPr/>
+          <p:nvPr/>
+        </p:nvGrpSpPr>
+        <p:grpSpPr>
+          <a:xfrm>
+            <a:off x="3112872" y="2134904"/>
+            <a:ext cx="2668907" cy="153082"/>
+            <a:chOff x="3356579" y="1072843"/>
+            <a:chExt cx="2668907" cy="369332"/>
+          </a:xfrm>
+        </p:grpSpPr>
+        <p:sp>
+          <p:nvSpPr>
+            <p:cNvPr id="158" name="Rectangle 157"/>
+            <p:cNvSpPr/>
+            <p:nvPr/>
+          </p:nvSpPr>
+          <p:spPr>
+            <a:xfrm>
+              <a:off x="3356579" y="1072843"/>
+              <a:ext cx="286763" cy="369332"/>
+            </a:xfrm>
+            <a:prstGeom prst="rect">
+              <a:avLst/>
+            </a:prstGeom>
+          </p:spPr>
+          <p:style>
+            <a:lnRef idx="2">
+              <a:schemeClr val="accent3">
+                <a:shade val="50000"/>
+              </a:schemeClr>
+            </a:lnRef>
+            <a:fillRef idx="1">
+              <a:schemeClr val="accent3"/>
+            </a:fillRef>
+            <a:effectRef idx="0">
+              <a:schemeClr val="accent3"/>
+            </a:effectRef>
+            <a:fontRef idx="minor">
+              <a:schemeClr val="lt1"/>
+            </a:fontRef>
+          </p:style>
+          <p:txBody>
+            <a:bodyPr rtlCol="0" anchor="ctr"/>
+            <a:lstStyle/>
+            <a:p>
+              <a:pPr algn="ctr"/>
+              <a:endParaRPr lang="en-US"/>
+            </a:p>
+          </p:txBody>
+        </p:sp>
+        <p:sp>
+          <p:nvSpPr>
+            <p:cNvPr id="159" name="Rectangle 158"/>
+            <p:cNvSpPr/>
+            <p:nvPr/>
+          </p:nvSpPr>
+          <p:spPr>
+            <a:xfrm>
+              <a:off x="3654347" y="1072843"/>
+              <a:ext cx="286763" cy="369332"/>
+            </a:xfrm>
+            <a:prstGeom prst="rect">
+              <a:avLst/>
+            </a:prstGeom>
+          </p:spPr>
+          <p:style>
+            <a:lnRef idx="2">
+              <a:schemeClr val="accent1">
+                <a:shade val="50000"/>
+              </a:schemeClr>
+            </a:lnRef>
+            <a:fillRef idx="1">
+              <a:schemeClr val="accent1"/>
+            </a:fillRef>
+            <a:effectRef idx="0">
+              <a:schemeClr val="accent1"/>
+            </a:effectRef>
+            <a:fontRef idx="minor">
+              <a:schemeClr val="lt1"/>
+            </a:fontRef>
+          </p:style>
+          <p:txBody>
+            <a:bodyPr rtlCol="0" anchor="ctr"/>
+            <a:lstStyle/>
+            <a:p>
+              <a:pPr algn="ctr"/>
+              <a:endParaRPr lang="en-US"/>
+            </a:p>
+          </p:txBody>
+        </p:sp>
+        <p:sp>
+          <p:nvSpPr>
+            <p:cNvPr id="160" name="Rectangle 159"/>
+            <p:cNvSpPr/>
+            <p:nvPr/>
+          </p:nvSpPr>
+          <p:spPr>
+            <a:xfrm>
+              <a:off x="3952115" y="1072843"/>
+              <a:ext cx="286763" cy="369332"/>
+            </a:xfrm>
+            <a:prstGeom prst="rect">
+              <a:avLst/>
+            </a:prstGeom>
+          </p:spPr>
+          <p:style>
+            <a:lnRef idx="2">
+              <a:schemeClr val="accent6">
+                <a:shade val="50000"/>
+              </a:schemeClr>
+            </a:lnRef>
+            <a:fillRef idx="1">
+              <a:schemeClr val="accent6"/>
+            </a:fillRef>
+            <a:effectRef idx="0">
+              <a:schemeClr val="accent6"/>
+            </a:effectRef>
+            <a:fontRef idx="minor">
+              <a:schemeClr val="lt1"/>
+            </a:fontRef>
+          </p:style>
+          <p:txBody>
+            <a:bodyPr rtlCol="0" anchor="ctr"/>
+            <a:lstStyle/>
+            <a:p>
+              <a:pPr algn="ctr"/>
+              <a:endParaRPr lang="en-US"/>
+            </a:p>
+          </p:txBody>
+        </p:sp>
+        <p:sp>
+          <p:nvSpPr>
+            <p:cNvPr id="161" name="Rectangle 160"/>
+            <p:cNvSpPr/>
+            <p:nvPr/>
+          </p:nvSpPr>
+          <p:spPr>
+            <a:xfrm>
+              <a:off x="4547651" y="1072843"/>
+              <a:ext cx="286763" cy="369332"/>
+            </a:xfrm>
+            <a:prstGeom prst="rect">
+              <a:avLst/>
+            </a:prstGeom>
+          </p:spPr>
+          <p:style>
+            <a:lnRef idx="2">
+              <a:schemeClr val="accent1">
+                <a:shade val="50000"/>
+              </a:schemeClr>
+            </a:lnRef>
+            <a:fillRef idx="1">
+              <a:schemeClr val="accent1"/>
+            </a:fillRef>
+            <a:effectRef idx="0">
+              <a:schemeClr val="accent1"/>
+            </a:effectRef>
+            <a:fontRef idx="minor">
+              <a:schemeClr val="lt1"/>
+            </a:fontRef>
+          </p:style>
+          <p:txBody>
+            <a:bodyPr rtlCol="0" anchor="ctr"/>
+            <a:lstStyle/>
+            <a:p>
+              <a:pPr algn="ctr"/>
+              <a:endParaRPr lang="en-US"/>
+            </a:p>
+          </p:txBody>
+        </p:sp>
+        <p:sp>
+          <p:nvSpPr>
+            <p:cNvPr id="162" name="Rectangle 161"/>
+            <p:cNvSpPr/>
+            <p:nvPr/>
+          </p:nvSpPr>
+          <p:spPr>
+            <a:xfrm>
+              <a:off x="5143187" y="1072843"/>
+              <a:ext cx="286763" cy="369332"/>
+            </a:xfrm>
+            <a:prstGeom prst="rect">
+              <a:avLst/>
+            </a:prstGeom>
+          </p:spPr>
+          <p:style>
+            <a:lnRef idx="2">
+              <a:schemeClr val="accent2">
+                <a:shade val="50000"/>
+              </a:schemeClr>
+            </a:lnRef>
+            <a:fillRef idx="1">
+              <a:schemeClr val="accent2"/>
+            </a:fillRef>
+            <a:effectRef idx="0">
+              <a:schemeClr val="accent2"/>
+            </a:effectRef>
+            <a:fontRef idx="minor">
+              <a:schemeClr val="lt1"/>
+            </a:fontRef>
+          </p:style>
+          <p:txBody>
+            <a:bodyPr rtlCol="0" anchor="ctr"/>
+            <a:lstStyle/>
+            <a:p>
+              <a:pPr algn="ctr"/>
+              <a:endParaRPr lang="en-US"/>
+            </a:p>
+          </p:txBody>
+        </p:sp>
+        <p:sp>
+          <p:nvSpPr>
+            <p:cNvPr id="163" name="Rectangle 162"/>
+            <p:cNvSpPr/>
+            <p:nvPr/>
+          </p:nvSpPr>
+          <p:spPr>
+            <a:xfrm>
+              <a:off x="4249883" y="1072843"/>
+              <a:ext cx="286763" cy="369332"/>
+            </a:xfrm>
+            <a:prstGeom prst="rect">
+              <a:avLst/>
+            </a:prstGeom>
+          </p:spPr>
+          <p:style>
+            <a:lnRef idx="2">
+              <a:schemeClr val="accent2">
+                <a:shade val="50000"/>
+              </a:schemeClr>
+            </a:lnRef>
+            <a:fillRef idx="1">
+              <a:schemeClr val="accent2"/>
+            </a:fillRef>
+            <a:effectRef idx="0">
+              <a:schemeClr val="accent2"/>
+            </a:effectRef>
+            <a:fontRef idx="minor">
+              <a:schemeClr val="lt1"/>
+            </a:fontRef>
+          </p:style>
+          <p:txBody>
+            <a:bodyPr rtlCol="0" anchor="ctr"/>
+            <a:lstStyle/>
+            <a:p>
+              <a:pPr algn="ctr"/>
+              <a:endParaRPr lang="en-US"/>
+            </a:p>
+          </p:txBody>
+        </p:sp>
+        <p:sp>
+          <p:nvSpPr>
+            <p:cNvPr id="164" name="Rectangle 163"/>
+            <p:cNvSpPr/>
+            <p:nvPr/>
+          </p:nvSpPr>
+          <p:spPr>
+            <a:xfrm>
+              <a:off x="4845419" y="1072843"/>
+              <a:ext cx="286763" cy="369332"/>
+            </a:xfrm>
+            <a:prstGeom prst="rect">
+              <a:avLst/>
+            </a:prstGeom>
+          </p:spPr>
+          <p:style>
+            <a:lnRef idx="2">
+              <a:schemeClr val="accent2">
+                <a:shade val="50000"/>
+              </a:schemeClr>
+            </a:lnRef>
+            <a:fillRef idx="1">
+              <a:schemeClr val="accent2"/>
+            </a:fillRef>
+            <a:effectRef idx="0">
+              <a:schemeClr val="accent2"/>
+            </a:effectRef>
+            <a:fontRef idx="minor">
+              <a:schemeClr val="lt1"/>
+            </a:fontRef>
+          </p:style>
+          <p:txBody>
+            <a:bodyPr rtlCol="0" anchor="ctr"/>
+            <a:lstStyle/>
+            <a:p>
+              <a:pPr algn="ctr"/>
+              <a:endParaRPr lang="en-US"/>
+            </a:p>
+          </p:txBody>
+        </p:sp>
+        <p:sp>
+          <p:nvSpPr>
+            <p:cNvPr id="165" name="Rectangle 164"/>
+            <p:cNvSpPr/>
+            <p:nvPr/>
+          </p:nvSpPr>
+          <p:spPr>
+            <a:xfrm>
+              <a:off x="5440955" y="1072843"/>
+              <a:ext cx="286763" cy="369332"/>
+            </a:xfrm>
+            <a:prstGeom prst="rect">
+              <a:avLst/>
+            </a:prstGeom>
+          </p:spPr>
+          <p:style>
+            <a:lnRef idx="2">
+              <a:schemeClr val="accent3">
+                <a:shade val="50000"/>
+              </a:schemeClr>
+            </a:lnRef>
+            <a:fillRef idx="1">
+              <a:schemeClr val="accent3"/>
+            </a:fillRef>
+            <a:effectRef idx="0">
+              <a:schemeClr val="accent3"/>
+            </a:effectRef>
+            <a:fontRef idx="minor">
+              <a:schemeClr val="lt1"/>
+            </a:fontRef>
+          </p:style>
+          <p:txBody>
+            <a:bodyPr rtlCol="0" anchor="ctr"/>
+            <a:lstStyle/>
+            <a:p>
+              <a:pPr algn="ctr"/>
+              <a:endParaRPr lang="en-US"/>
+            </a:p>
+          </p:txBody>
+        </p:sp>
+        <p:sp>
+          <p:nvSpPr>
+            <p:cNvPr id="167" name="Rectangle 166"/>
+            <p:cNvSpPr/>
+            <p:nvPr/>
+          </p:nvSpPr>
+          <p:spPr>
+            <a:xfrm>
+              <a:off x="5738723" y="1072843"/>
+              <a:ext cx="286763" cy="369332"/>
+            </a:xfrm>
+            <a:prstGeom prst="rect">
+              <a:avLst/>
+            </a:prstGeom>
+          </p:spPr>
+          <p:style>
+            <a:lnRef idx="2">
+              <a:schemeClr val="accent6">
+                <a:shade val="50000"/>
+              </a:schemeClr>
+            </a:lnRef>
+            <a:fillRef idx="1">
+              <a:schemeClr val="accent6"/>
+            </a:fillRef>
+            <a:effectRef idx="0">
+              <a:schemeClr val="accent6"/>
+            </a:effectRef>
+            <a:fontRef idx="minor">
+              <a:schemeClr val="lt1"/>
+            </a:fontRef>
+          </p:style>
+          <p:txBody>
+            <a:bodyPr rtlCol="0" anchor="ctr"/>
+            <a:lstStyle/>
+            <a:p>
+              <a:pPr algn="ctr"/>
+              <a:endParaRPr lang="en-US"/>
+            </a:p>
+          </p:txBody>
+        </p:sp>
+      </p:grpSp>
+      <p:grpSp>
+        <p:nvGrpSpPr>
+          <p:cNvPr id="169" name="Group 168"/>
+          <p:cNvGrpSpPr/>
+          <p:nvPr/>
+        </p:nvGrpSpPr>
+        <p:grpSpPr>
+          <a:xfrm>
+            <a:off x="3410640" y="2582904"/>
+            <a:ext cx="2073371" cy="153082"/>
+            <a:chOff x="3654347" y="1072843"/>
+            <a:chExt cx="2073371" cy="369332"/>
+          </a:xfrm>
+        </p:grpSpPr>
+        <p:sp>
+          <p:nvSpPr>
+            <p:cNvPr id="172" name="Rectangle 171"/>
+            <p:cNvSpPr/>
+            <p:nvPr/>
+          </p:nvSpPr>
+          <p:spPr>
+            <a:xfrm>
+              <a:off x="3654347" y="1072843"/>
+              <a:ext cx="286763" cy="369332"/>
+            </a:xfrm>
+            <a:prstGeom prst="rect">
+              <a:avLst/>
+            </a:prstGeom>
+          </p:spPr>
+          <p:style>
+            <a:lnRef idx="2">
+              <a:schemeClr val="accent1">
+                <a:shade val="50000"/>
+              </a:schemeClr>
+            </a:lnRef>
+            <a:fillRef idx="1">
+              <a:schemeClr val="accent1"/>
+            </a:fillRef>
+            <a:effectRef idx="0">
+              <a:schemeClr val="accent1"/>
+            </a:effectRef>
+            <a:fontRef idx="minor">
+              <a:schemeClr val="lt1"/>
+            </a:fontRef>
+          </p:style>
+          <p:txBody>
+            <a:bodyPr rtlCol="0" anchor="ctr"/>
+            <a:lstStyle/>
+            <a:p>
+              <a:pPr algn="ctr"/>
+              <a:endParaRPr lang="en-US"/>
+            </a:p>
+          </p:txBody>
+        </p:sp>
+        <p:sp>
+          <p:nvSpPr>
+            <p:cNvPr id="173" name="Rectangle 172"/>
+            <p:cNvSpPr/>
+            <p:nvPr/>
+          </p:nvSpPr>
+          <p:spPr>
+            <a:xfrm>
+              <a:off x="3952115" y="1072843"/>
+              <a:ext cx="286763" cy="369332"/>
+            </a:xfrm>
+            <a:prstGeom prst="rect">
+              <a:avLst/>
+            </a:prstGeom>
+          </p:spPr>
+          <p:style>
+            <a:lnRef idx="2">
+              <a:schemeClr val="accent6">
+                <a:shade val="50000"/>
+              </a:schemeClr>
+            </a:lnRef>
+            <a:fillRef idx="1">
+              <a:schemeClr val="accent6"/>
+            </a:fillRef>
+            <a:effectRef idx="0">
+              <a:schemeClr val="accent6"/>
+            </a:effectRef>
+            <a:fontRef idx="minor">
+              <a:schemeClr val="lt1"/>
+            </a:fontRef>
+          </p:style>
+          <p:txBody>
+            <a:bodyPr rtlCol="0" anchor="ctr"/>
+            <a:lstStyle/>
+            <a:p>
+              <a:pPr algn="ctr"/>
+              <a:endParaRPr lang="en-US"/>
+            </a:p>
+          </p:txBody>
+        </p:sp>
+        <p:sp>
+          <p:nvSpPr>
+            <p:cNvPr id="174" name="Rectangle 173"/>
+            <p:cNvSpPr/>
+            <p:nvPr/>
+          </p:nvSpPr>
+          <p:spPr>
+            <a:xfrm>
+              <a:off x="4547651" y="1072843"/>
+              <a:ext cx="286763" cy="369332"/>
+            </a:xfrm>
+            <a:prstGeom prst="rect">
+              <a:avLst/>
+            </a:prstGeom>
+          </p:spPr>
+          <p:style>
+            <a:lnRef idx="2">
+              <a:schemeClr val="accent1">
+                <a:shade val="50000"/>
+              </a:schemeClr>
+            </a:lnRef>
+            <a:fillRef idx="1">
+              <a:schemeClr val="accent1"/>
+            </a:fillRef>
+            <a:effectRef idx="0">
+              <a:schemeClr val="accent1"/>
+            </a:effectRef>
+            <a:fontRef idx="minor">
+              <a:schemeClr val="lt1"/>
+            </a:fontRef>
+          </p:style>
+          <p:txBody>
+            <a:bodyPr rtlCol="0" anchor="ctr"/>
+            <a:lstStyle/>
+            <a:p>
+              <a:pPr algn="ctr"/>
+              <a:endParaRPr lang="en-US"/>
+            </a:p>
+          </p:txBody>
+        </p:sp>
+        <p:sp>
+          <p:nvSpPr>
+            <p:cNvPr id="175" name="Rectangle 174"/>
+            <p:cNvSpPr/>
+            <p:nvPr/>
+          </p:nvSpPr>
+          <p:spPr>
+            <a:xfrm>
+              <a:off x="5143187" y="1072843"/>
+              <a:ext cx="286763" cy="369332"/>
+            </a:xfrm>
+            <a:prstGeom prst="rect">
+              <a:avLst/>
+            </a:prstGeom>
+          </p:spPr>
+          <p:style>
+            <a:lnRef idx="2">
+              <a:schemeClr val="accent2">
+                <a:shade val="50000"/>
+              </a:schemeClr>
+            </a:lnRef>
+            <a:fillRef idx="1">
+              <a:schemeClr val="accent2"/>
+            </a:fillRef>
+            <a:effectRef idx="0">
+              <a:schemeClr val="accent2"/>
+            </a:effectRef>
+            <a:fontRef idx="minor">
+              <a:schemeClr val="lt1"/>
+            </a:fontRef>
+          </p:style>
+          <p:txBody>
+            <a:bodyPr rtlCol="0" anchor="ctr"/>
+            <a:lstStyle/>
+            <a:p>
+              <a:pPr algn="ctr"/>
+              <a:endParaRPr lang="en-US"/>
+            </a:p>
+          </p:txBody>
+        </p:sp>
+        <p:sp>
+          <p:nvSpPr>
+            <p:cNvPr id="176" name="Rectangle 175"/>
+            <p:cNvSpPr/>
+            <p:nvPr/>
+          </p:nvSpPr>
+          <p:spPr>
+            <a:xfrm>
+              <a:off x="4249883" y="1072843"/>
+              <a:ext cx="286763" cy="369332"/>
+            </a:xfrm>
+            <a:prstGeom prst="rect">
+              <a:avLst/>
+            </a:prstGeom>
+          </p:spPr>
+          <p:style>
+            <a:lnRef idx="2">
+              <a:schemeClr val="accent2">
+                <a:shade val="50000"/>
+              </a:schemeClr>
+            </a:lnRef>
+            <a:fillRef idx="1">
+              <a:schemeClr val="accent2"/>
+            </a:fillRef>
+            <a:effectRef idx="0">
+              <a:schemeClr val="accent2"/>
+            </a:effectRef>
+            <a:fontRef idx="minor">
+              <a:schemeClr val="lt1"/>
+            </a:fontRef>
+          </p:style>
+          <p:txBody>
+            <a:bodyPr rtlCol="0" anchor="ctr"/>
+            <a:lstStyle/>
+            <a:p>
+              <a:pPr algn="ctr"/>
+              <a:endParaRPr lang="en-US"/>
+            </a:p>
+          </p:txBody>
+        </p:sp>
+        <p:sp>
+          <p:nvSpPr>
+            <p:cNvPr id="177" name="Rectangle 176"/>
+            <p:cNvSpPr/>
+            <p:nvPr/>
+          </p:nvSpPr>
+          <p:spPr>
+            <a:xfrm>
+              <a:off x="4845419" y="1072843"/>
+              <a:ext cx="286763" cy="369332"/>
+            </a:xfrm>
+            <a:prstGeom prst="rect">
+              <a:avLst/>
+            </a:prstGeom>
+          </p:spPr>
+          <p:style>
+            <a:lnRef idx="2">
+              <a:schemeClr val="accent2">
+                <a:shade val="50000"/>
+              </a:schemeClr>
+            </a:lnRef>
+            <a:fillRef idx="1">
+              <a:schemeClr val="accent2"/>
+            </a:fillRef>
+            <a:effectRef idx="0">
+              <a:schemeClr val="accent2"/>
+            </a:effectRef>
+            <a:fontRef idx="minor">
+              <a:schemeClr val="lt1"/>
+            </a:fontRef>
+          </p:style>
+          <p:txBody>
+            <a:bodyPr rtlCol="0" anchor="ctr"/>
+            <a:lstStyle/>
+            <a:p>
+              <a:pPr algn="ctr"/>
+              <a:endParaRPr lang="en-US"/>
+            </a:p>
+          </p:txBody>
+        </p:sp>
+        <p:sp>
+          <p:nvSpPr>
+            <p:cNvPr id="178" name="Rectangle 177"/>
+            <p:cNvSpPr/>
+            <p:nvPr/>
+          </p:nvSpPr>
+          <p:spPr>
+            <a:xfrm>
+              <a:off x="5440955" y="1072843"/>
+              <a:ext cx="286763" cy="369332"/>
+            </a:xfrm>
+            <a:prstGeom prst="rect">
+              <a:avLst/>
+            </a:prstGeom>
+          </p:spPr>
+          <p:style>
+            <a:lnRef idx="2">
+              <a:schemeClr val="accent3">
+                <a:shade val="50000"/>
+              </a:schemeClr>
+            </a:lnRef>
+            <a:fillRef idx="1">
+              <a:schemeClr val="accent3"/>
+            </a:fillRef>
+            <a:effectRef idx="0">
+              <a:schemeClr val="accent3"/>
+            </a:effectRef>
+            <a:fontRef idx="minor">
+              <a:schemeClr val="lt1"/>
+            </a:fontRef>
+          </p:style>
+          <p:txBody>
+            <a:bodyPr rtlCol="0" anchor="ctr"/>
+            <a:lstStyle/>
+            <a:p>
+              <a:pPr algn="ctr"/>
+              <a:endParaRPr lang="en-US"/>
+            </a:p>
+          </p:txBody>
+        </p:sp>
+      </p:grpSp>
+      <p:grpSp>
+        <p:nvGrpSpPr>
+          <p:cNvPr id="182" name="Group 181"/>
+          <p:cNvGrpSpPr/>
+          <p:nvPr/>
+        </p:nvGrpSpPr>
+        <p:grpSpPr>
+          <a:xfrm>
+            <a:off x="2815104" y="3030904"/>
+            <a:ext cx="1775603" cy="153082"/>
+            <a:chOff x="3058811" y="1072843"/>
+            <a:chExt cx="1775603" cy="369332"/>
+          </a:xfrm>
+        </p:grpSpPr>
+        <p:sp>
+          <p:nvSpPr>
+            <p:cNvPr id="183" name="Rectangle 182"/>
+            <p:cNvSpPr/>
+            <p:nvPr/>
+          </p:nvSpPr>
+          <p:spPr>
+            <a:xfrm>
+              <a:off x="3058811" y="1072843"/>
+              <a:ext cx="286763" cy="369332"/>
+            </a:xfrm>
+            <a:prstGeom prst="rect">
+              <a:avLst/>
+            </a:prstGeom>
+          </p:spPr>
+          <p:style>
+            <a:lnRef idx="2">
+              <a:schemeClr val="accent6">
+                <a:shade val="50000"/>
+              </a:schemeClr>
+            </a:lnRef>
+            <a:fillRef idx="1">
+              <a:schemeClr val="accent6"/>
+            </a:fillRef>
+            <a:effectRef idx="0">
+              <a:schemeClr val="accent6"/>
+            </a:effectRef>
+            <a:fontRef idx="minor">
+              <a:schemeClr val="lt1"/>
+            </a:fontRef>
+          </p:style>
+          <p:txBody>
+            <a:bodyPr rtlCol="0" anchor="ctr"/>
+            <a:lstStyle/>
+            <a:p>
+              <a:pPr algn="ctr"/>
+              <a:endParaRPr lang="en-US"/>
+            </a:p>
+          </p:txBody>
+        </p:sp>
+        <p:sp>
+          <p:nvSpPr>
+            <p:cNvPr id="184" name="Rectangle 183"/>
+            <p:cNvSpPr/>
+            <p:nvPr/>
+          </p:nvSpPr>
+          <p:spPr>
+            <a:xfrm>
+              <a:off x="3356579" y="1072843"/>
+              <a:ext cx="286763" cy="369332"/>
+            </a:xfrm>
+            <a:prstGeom prst="rect">
+              <a:avLst/>
+            </a:prstGeom>
+          </p:spPr>
+          <p:style>
+            <a:lnRef idx="2">
+              <a:schemeClr val="accent3">
+                <a:shade val="50000"/>
+              </a:schemeClr>
+            </a:lnRef>
+            <a:fillRef idx="1">
+              <a:schemeClr val="accent3"/>
+            </a:fillRef>
+            <a:effectRef idx="0">
+              <a:schemeClr val="accent3"/>
+            </a:effectRef>
+            <a:fontRef idx="minor">
+              <a:schemeClr val="lt1"/>
+            </a:fontRef>
+          </p:style>
+          <p:txBody>
+            <a:bodyPr rtlCol="0" anchor="ctr"/>
+            <a:lstStyle/>
+            <a:p>
+              <a:pPr algn="ctr"/>
+              <a:endParaRPr lang="en-US"/>
+            </a:p>
+          </p:txBody>
+        </p:sp>
+        <p:sp>
+          <p:nvSpPr>
+            <p:cNvPr id="185" name="Rectangle 184"/>
+            <p:cNvSpPr/>
+            <p:nvPr/>
+          </p:nvSpPr>
+          <p:spPr>
+            <a:xfrm>
+              <a:off x="3654347" y="1072843"/>
+              <a:ext cx="286763" cy="369332"/>
+            </a:xfrm>
+            <a:prstGeom prst="rect">
+              <a:avLst/>
+            </a:prstGeom>
+          </p:spPr>
+          <p:style>
+            <a:lnRef idx="2">
+              <a:schemeClr val="accent1">
+                <a:shade val="50000"/>
+              </a:schemeClr>
+            </a:lnRef>
+            <a:fillRef idx="1">
+              <a:schemeClr val="accent1"/>
+            </a:fillRef>
+            <a:effectRef idx="0">
+              <a:schemeClr val="accent1"/>
+            </a:effectRef>
+            <a:fontRef idx="minor">
+              <a:schemeClr val="lt1"/>
+            </a:fontRef>
+          </p:style>
+          <p:txBody>
+            <a:bodyPr rtlCol="0" anchor="ctr"/>
+            <a:lstStyle/>
+            <a:p>
+              <a:pPr algn="ctr"/>
+              <a:endParaRPr lang="en-US"/>
+            </a:p>
+          </p:txBody>
+        </p:sp>
+        <p:sp>
+          <p:nvSpPr>
+            <p:cNvPr id="186" name="Rectangle 185"/>
+            <p:cNvSpPr/>
+            <p:nvPr/>
+          </p:nvSpPr>
+          <p:spPr>
+            <a:xfrm>
+              <a:off x="3952115" y="1072843"/>
+              <a:ext cx="286763" cy="369332"/>
+            </a:xfrm>
+            <a:prstGeom prst="rect">
+              <a:avLst/>
+            </a:prstGeom>
+          </p:spPr>
+          <p:style>
+            <a:lnRef idx="2">
+              <a:schemeClr val="accent6">
+                <a:shade val="50000"/>
+              </a:schemeClr>
+            </a:lnRef>
+            <a:fillRef idx="1">
+              <a:schemeClr val="accent6"/>
+            </a:fillRef>
+            <a:effectRef idx="0">
+              <a:schemeClr val="accent6"/>
+            </a:effectRef>
+            <a:fontRef idx="minor">
+              <a:schemeClr val="lt1"/>
+            </a:fontRef>
+          </p:style>
+          <p:txBody>
+            <a:bodyPr rtlCol="0" anchor="ctr"/>
+            <a:lstStyle/>
+            <a:p>
+              <a:pPr algn="ctr"/>
+              <a:endParaRPr lang="en-US"/>
+            </a:p>
+          </p:txBody>
+        </p:sp>
+        <p:sp>
+          <p:nvSpPr>
+            <p:cNvPr id="187" name="Rectangle 186"/>
+            <p:cNvSpPr/>
+            <p:nvPr/>
+          </p:nvSpPr>
+          <p:spPr>
+            <a:xfrm>
+              <a:off x="4547651" y="1072843"/>
+              <a:ext cx="286763" cy="369332"/>
+            </a:xfrm>
+            <a:prstGeom prst="rect">
+              <a:avLst/>
+            </a:prstGeom>
+          </p:spPr>
+          <p:style>
+            <a:lnRef idx="2">
+              <a:schemeClr val="accent1">
+                <a:shade val="50000"/>
+              </a:schemeClr>
+            </a:lnRef>
+            <a:fillRef idx="1">
+              <a:schemeClr val="accent1"/>
+            </a:fillRef>
+            <a:effectRef idx="0">
+              <a:schemeClr val="accent1"/>
+            </a:effectRef>
+            <a:fontRef idx="minor">
+              <a:schemeClr val="lt1"/>
+            </a:fontRef>
+          </p:style>
+          <p:txBody>
+            <a:bodyPr rtlCol="0" anchor="ctr"/>
+            <a:lstStyle/>
+            <a:p>
+              <a:pPr algn="ctr"/>
+              <a:endParaRPr lang="en-US"/>
+            </a:p>
+          </p:txBody>
+        </p:sp>
+        <p:sp>
+          <p:nvSpPr>
+            <p:cNvPr id="189" name="Rectangle 188"/>
+            <p:cNvSpPr/>
+            <p:nvPr/>
+          </p:nvSpPr>
+          <p:spPr>
+            <a:xfrm>
+              <a:off x="4249883" y="1072843"/>
+              <a:ext cx="286763" cy="369332"/>
+            </a:xfrm>
+            <a:prstGeom prst="rect">
+              <a:avLst/>
+            </a:prstGeom>
+          </p:spPr>
+          <p:style>
+            <a:lnRef idx="2">
+              <a:schemeClr val="accent2">
+                <a:shade val="50000"/>
+              </a:schemeClr>
+            </a:lnRef>
+            <a:fillRef idx="1">
+              <a:schemeClr val="accent2"/>
+            </a:fillRef>
+            <a:effectRef idx="0">
+              <a:schemeClr val="accent2"/>
+            </a:effectRef>
+            <a:fontRef idx="minor">
+              <a:schemeClr val="lt1"/>
+            </a:fontRef>
+          </p:style>
+          <p:txBody>
+            <a:bodyPr rtlCol="0" anchor="ctr"/>
+            <a:lstStyle/>
+            <a:p>
+              <a:pPr algn="ctr"/>
+              <a:endParaRPr lang="en-US"/>
+            </a:p>
+          </p:txBody>
+        </p:sp>
+      </p:grpSp>
+      <p:sp>
+        <p:nvSpPr>
+          <p:cNvPr id="3" name="Left Brace 2"/>
+          <p:cNvSpPr/>
+          <p:nvPr/>
+        </p:nvSpPr>
+        <p:spPr>
+          <a:xfrm>
+            <a:off x="2198521" y="1910904"/>
+            <a:ext cx="477939" cy="2169079"/>
+          </a:xfrm>
+          <a:prstGeom prst="leftBrace">
+            <a:avLst/>
+          </a:prstGeom>
+          <a:ln>
+            <a:solidFill>
+              <a:srgbClr val="000000"/>
+            </a:solidFill>
+          </a:ln>
+          <a:effectLst/>
+        </p:spPr>
+        <p:style>
+          <a:lnRef idx="2">
+            <a:schemeClr val="accent1"/>
+          </a:lnRef>
+          <a:fillRef idx="0">
+            <a:schemeClr val="accent1"/>
+          </a:fillRef>
+          <a:effectRef idx="1">
+            <a:schemeClr val="accent1"/>
+          </a:effectRef>
+          <a:fontRef idx="minor">
+            <a:schemeClr val="tx1"/>
+          </a:fontRef>
+        </p:style>
+        <p:txBody>
+          <a:bodyPr rtlCol="0" anchor="ctr"/>
+          <a:lstStyle/>
+          <a:p>
+            <a:pPr algn="ctr"/>
+            <a:endParaRPr lang="en-US"/>
+          </a:p>
+        </p:txBody>
+      </p:sp>
+      <p:sp>
+        <p:nvSpPr>
+          <p:cNvPr id="195" name="TextBox 194"/>
+          <p:cNvSpPr txBox="1"/>
+          <p:nvPr/>
+        </p:nvSpPr>
+        <p:spPr>
+          <a:xfrm>
+            <a:off x="696428" y="2814654"/>
+            <a:ext cx="1392850" cy="369332"/>
+          </a:xfrm>
+          <a:prstGeom prst="rect">
+            <a:avLst/>
+          </a:prstGeom>
+          <a:noFill/>
+        </p:spPr>
+        <p:txBody>
+          <a:bodyPr wrap="square" rtlCol="0">
+            <a:spAutoFit/>
+          </a:bodyPr>
+          <a:lstStyle/>
+          <a:p>
+            <a:pPr algn="r"/>
+            <a:r>
+              <a:rPr lang="en-US" dirty="0" smtClean="0"/>
+              <a:t>Reads</a:t>
+            </a:r>
+            <a:endParaRPr lang="en-US" dirty="0"/>
+          </a:p>
+        </p:txBody>
+      </p:sp>
+      <p:cxnSp>
+        <p:nvCxnSpPr>
+          <p:cNvPr id="198" name="Straight Arrow Connector 197"/>
+          <p:cNvCxnSpPr/>
+          <p:nvPr/>
+        </p:nvCxnSpPr>
+        <p:spPr>
+          <a:xfrm flipV="1">
+            <a:off x="3876286" y="4150980"/>
+            <a:ext cx="0" cy="532528"/>
+          </a:xfrm>
+          <a:prstGeom prst="straightConnector1">
+            <a:avLst/>
+          </a:prstGeom>
+          <a:ln>
+            <a:solidFill>
+              <a:srgbClr val="595959"/>
+            </a:solidFill>
+            <a:tailEnd type="arrow"/>
+          </a:ln>
+        </p:spPr>
+        <p:style>
+          <a:lnRef idx="2">
+            <a:schemeClr val="accent1"/>
+          </a:lnRef>
+          <a:fillRef idx="0">
+            <a:schemeClr val="accent1"/>
+          </a:fillRef>
+          <a:effectRef idx="1">
+            <a:schemeClr val="accent1"/>
+          </a:effectRef>
+          <a:fontRef idx="minor">
+            <a:schemeClr val="tx1"/>
+          </a:fontRef>
+        </p:style>
+      </p:cxnSp>
+      <p:cxnSp>
+        <p:nvCxnSpPr>
+          <p:cNvPr id="199" name="Straight Arrow Connector 198"/>
+          <p:cNvCxnSpPr/>
+          <p:nvPr/>
+        </p:nvCxnSpPr>
+        <p:spPr>
+          <a:xfrm flipV="1">
+            <a:off x="4755337" y="4150980"/>
+            <a:ext cx="0" cy="532528"/>
+          </a:xfrm>
+          <a:prstGeom prst="straightConnector1">
+            <a:avLst/>
+          </a:prstGeom>
+          <a:ln>
+            <a:solidFill>
+              <a:schemeClr val="tx1"/>
+            </a:solidFill>
+            <a:tailEnd type="arrow"/>
+          </a:ln>
+        </p:spPr>
+        <p:style>
+          <a:lnRef idx="2">
+            <a:schemeClr val="accent1"/>
+          </a:lnRef>
+          <a:fillRef idx="0">
+            <a:schemeClr val="accent1"/>
+          </a:fillRef>
+          <a:effectRef idx="1">
+            <a:schemeClr val="accent1"/>
+          </a:effectRef>
+          <a:fontRef idx="minor">
+            <a:schemeClr val="tx1"/>
+          </a:fontRef>
+        </p:style>
+      </p:cxnSp>
+      <p:sp>
+        <p:nvSpPr>
+          <p:cNvPr id="205" name="TextBox 204"/>
+          <p:cNvSpPr txBox="1"/>
+          <p:nvPr/>
+        </p:nvSpPr>
+        <p:spPr>
+          <a:xfrm>
+            <a:off x="835071" y="1260442"/>
+            <a:ext cx="1980033" cy="369332"/>
+          </a:xfrm>
+          <a:prstGeom prst="rect">
+            <a:avLst/>
+          </a:prstGeom>
+          <a:noFill/>
+        </p:spPr>
+        <p:txBody>
+          <a:bodyPr wrap="square" rtlCol="0">
+            <a:spAutoFit/>
+          </a:bodyPr>
+          <a:lstStyle/>
+          <a:p>
+            <a:pPr algn="r"/>
+            <a:r>
+              <a:rPr lang="en-US" dirty="0" smtClean="0"/>
+              <a:t>Reference Genome</a:t>
+            </a:r>
+            <a:endParaRPr lang="en-US" dirty="0"/>
+          </a:p>
+        </p:txBody>
+      </p:sp>
+      <p:sp>
+        <p:nvSpPr>
+          <p:cNvPr id="221" name="TextBox 220"/>
+          <p:cNvSpPr txBox="1"/>
+          <p:nvPr/>
+        </p:nvSpPr>
+        <p:spPr>
+          <a:xfrm>
+            <a:off x="6090551" y="4284801"/>
+            <a:ext cx="1392850" cy="646331"/>
+          </a:xfrm>
+          <a:prstGeom prst="rect">
+            <a:avLst/>
+          </a:prstGeom>
+          <a:noFill/>
+        </p:spPr>
+        <p:txBody>
+          <a:bodyPr wrap="square" rtlCol="0">
+            <a:spAutoFit/>
+          </a:bodyPr>
+          <a:lstStyle/>
+          <a:p>
+            <a:r>
+              <a:rPr lang="en-US" dirty="0" smtClean="0"/>
+              <a:t>Sequencing Errors</a:t>
+            </a:r>
+            <a:endParaRPr lang="en-US" dirty="0"/>
+          </a:p>
+        </p:txBody>
+      </p:sp>
+      <p:cxnSp>
+        <p:nvCxnSpPr>
+          <p:cNvPr id="223" name="Straight Arrow Connector 222"/>
+          <p:cNvCxnSpPr>
+            <a:stCxn id="221" idx="0"/>
+            <a:endCxn id="47" idx="3"/>
+          </p:cNvCxnSpPr>
+          <p:nvPr/>
+        </p:nvCxnSpPr>
+        <p:spPr>
+          <a:xfrm flipH="1" flipV="1">
+            <a:off x="5484011" y="2435445"/>
+            <a:ext cx="1302965" cy="1849356"/>
+          </a:xfrm>
+          <a:prstGeom prst="straightConnector1">
+            <a:avLst/>
+          </a:prstGeom>
+          <a:ln>
+            <a:solidFill>
+              <a:srgbClr val="000000"/>
+            </a:solidFill>
+            <a:tailEnd type="arrow"/>
+          </a:ln>
+          <a:effectLst/>
+        </p:spPr>
+        <p:style>
+          <a:lnRef idx="2">
+            <a:schemeClr val="accent1"/>
+          </a:lnRef>
+          <a:fillRef idx="0">
+            <a:schemeClr val="accent1"/>
+          </a:fillRef>
+          <a:effectRef idx="1">
+            <a:schemeClr val="accent1"/>
+          </a:effectRef>
+          <a:fontRef idx="minor">
+            <a:schemeClr val="tx1"/>
+          </a:fontRef>
+        </p:style>
+      </p:cxnSp>
+      <p:cxnSp>
+        <p:nvCxnSpPr>
+          <p:cNvPr id="225" name="Straight Arrow Connector 224"/>
+          <p:cNvCxnSpPr>
+            <a:stCxn id="221" idx="1"/>
+            <a:endCxn id="183" idx="3"/>
+          </p:cNvCxnSpPr>
+          <p:nvPr/>
+        </p:nvCxnSpPr>
+        <p:spPr>
+          <a:xfrm flipH="1" flipV="1">
+            <a:off x="3101867" y="3107445"/>
+            <a:ext cx="2988684" cy="1500522"/>
+          </a:xfrm>
+          <a:prstGeom prst="straightConnector1">
+            <a:avLst/>
+          </a:prstGeom>
+          <a:ln>
+            <a:solidFill>
+              <a:srgbClr val="000000"/>
+            </a:solidFill>
+            <a:tailEnd type="arrow"/>
+          </a:ln>
+          <a:effectLst/>
+        </p:spPr>
+        <p:style>
+          <a:lnRef idx="2">
+            <a:schemeClr val="accent1"/>
+          </a:lnRef>
+          <a:fillRef idx="0">
+            <a:schemeClr val="accent1"/>
+          </a:fillRef>
+          <a:effectRef idx="1">
+            <a:schemeClr val="accent1"/>
+          </a:effectRef>
+          <a:fontRef idx="minor">
+            <a:schemeClr val="tx1"/>
+          </a:fontRef>
+        </p:style>
+      </p:cxnSp>
+    </p:spTree>
+    <p:extLst>
+      <p:ext uri="{BB962C8B-B14F-4D97-AF65-F5344CB8AC3E}">
+        <p14:creationId xmlns:p14="http://schemas.microsoft.com/office/powerpoint/2010/main" val="761059635"/>
+      </p:ext>
+    </p:extLst>
+  </p:cSld>
+  <p:clrMapOvr>
+    <a:masterClrMapping/>
+  </p:clrMapOvr>
+</p:sld>
+</file>
+
 <file path=ppt/theme/theme1.xml><?xml version="1.0" encoding="utf-8"?>
 <a:theme xmlns:a="http://schemas.openxmlformats.org/drawingml/2006/main" name="Office Theme">
   <a:themeElements>

--- a/materials/lectures/3_Wednesday/Paul.Pyl.VariantCalling.and.QC/Illustrations.pptx
+++ b/materials/lectures/3_Wednesday/Paul.Pyl.VariantCalling.and.QC/Illustrations.pptx
@@ -8,6 +8,7 @@
     <p:sldId id="257" r:id="rId2"/>
     <p:sldId id="258" r:id="rId3"/>
     <p:sldId id="259" r:id="rId4"/>
+    <p:sldId id="260" r:id="rId5"/>
   </p:sldIdLst>
   <p:sldSz cx="9144000" cy="6858000" type="screen4x3"/>
   <p:notesSz cx="6858000" cy="9144000"/>
@@ -11262,6 +11263,450 @@
 </p:sld>
 </file>
 
+<file path=ppt/slides/slide4.xml><?xml version="1.0" encoding="utf-8"?>
+<p:sld xmlns:a="http://schemas.openxmlformats.org/drawingml/2006/main" xmlns:r="http://schemas.openxmlformats.org/officeDocument/2006/relationships" xmlns:p="http://schemas.openxmlformats.org/presentationml/2006/main">
+  <p:cSld>
+    <p:spTree>
+      <p:nvGrpSpPr>
+        <p:cNvPr id="1" name=""/>
+        <p:cNvGrpSpPr/>
+        <p:nvPr/>
+      </p:nvGrpSpPr>
+      <p:grpSpPr>
+        <a:xfrm>
+          <a:off x="0" y="0"/>
+          <a:ext cx="0" cy="0"/>
+          <a:chOff x="0" y="0"/>
+          <a:chExt cx="0" cy="0"/>
+        </a:xfrm>
+      </p:grpSpPr>
+      <p:sp>
+        <p:nvSpPr>
+          <p:cNvPr id="8" name="Rectangle 7"/>
+          <p:cNvSpPr/>
+          <p:nvPr/>
+        </p:nvSpPr>
+        <p:spPr>
+          <a:xfrm>
+            <a:off x="723736" y="805619"/>
+            <a:ext cx="1406507" cy="518873"/>
+          </a:xfrm>
+          <a:prstGeom prst="rect">
+            <a:avLst/>
+          </a:prstGeom>
+        </p:spPr>
+        <p:style>
+          <a:lnRef idx="2">
+            <a:schemeClr val="accent3"/>
+          </a:lnRef>
+          <a:fillRef idx="1">
+            <a:schemeClr val="lt1"/>
+          </a:fillRef>
+          <a:effectRef idx="0">
+            <a:schemeClr val="accent3"/>
+          </a:effectRef>
+          <a:fontRef idx="minor">
+            <a:schemeClr val="dk1"/>
+          </a:fontRef>
+        </p:style>
+        <p:txBody>
+          <a:bodyPr rtlCol="0" anchor="ctr"/>
+          <a:lstStyle/>
+          <a:p>
+            <a:pPr algn="ctr"/>
+            <a:r>
+              <a:rPr lang="en-US" dirty="0" smtClean="0"/>
+              <a:t>Sample</a:t>
+            </a:r>
+            <a:endParaRPr lang="en-US" dirty="0"/>
+          </a:p>
+        </p:txBody>
+      </p:sp>
+      <p:sp>
+        <p:nvSpPr>
+          <p:cNvPr id="9" name="Rectangle 8"/>
+          <p:cNvSpPr/>
+          <p:nvPr/>
+        </p:nvSpPr>
+        <p:spPr>
+          <a:xfrm>
+            <a:off x="977456" y="1665856"/>
+            <a:ext cx="899066" cy="518873"/>
+          </a:xfrm>
+          <a:prstGeom prst="rect">
+            <a:avLst/>
+          </a:prstGeom>
+        </p:spPr>
+        <p:style>
+          <a:lnRef idx="2">
+            <a:schemeClr val="accent3"/>
+          </a:lnRef>
+          <a:fillRef idx="1">
+            <a:schemeClr val="lt1"/>
+          </a:fillRef>
+          <a:effectRef idx="0">
+            <a:schemeClr val="accent3"/>
+          </a:effectRef>
+          <a:fontRef idx="minor">
+            <a:schemeClr val="dk1"/>
+          </a:fontRef>
+        </p:style>
+        <p:txBody>
+          <a:bodyPr rtlCol="0" anchor="ctr"/>
+          <a:lstStyle/>
+          <a:p>
+            <a:pPr algn="ctr"/>
+            <a:r>
+              <a:rPr lang="en-US" dirty="0" smtClean="0"/>
+              <a:t>DNA</a:t>
+            </a:r>
+            <a:endParaRPr lang="en-US" dirty="0"/>
+          </a:p>
+        </p:txBody>
+      </p:sp>
+      <p:sp>
+        <p:nvSpPr>
+          <p:cNvPr id="10" name="Rectangle 9"/>
+          <p:cNvSpPr/>
+          <p:nvPr/>
+        </p:nvSpPr>
+        <p:spPr>
+          <a:xfrm>
+            <a:off x="889791" y="2567055"/>
+            <a:ext cx="1074397" cy="518873"/>
+          </a:xfrm>
+          <a:prstGeom prst="rect">
+            <a:avLst/>
+          </a:prstGeom>
+        </p:spPr>
+        <p:style>
+          <a:lnRef idx="2">
+            <a:schemeClr val="accent3"/>
+          </a:lnRef>
+          <a:fillRef idx="1">
+            <a:schemeClr val="lt1"/>
+          </a:fillRef>
+          <a:effectRef idx="0">
+            <a:schemeClr val="accent3"/>
+          </a:effectRef>
+          <a:fontRef idx="minor">
+            <a:schemeClr val="dk1"/>
+          </a:fontRef>
+        </p:style>
+        <p:txBody>
+          <a:bodyPr rtlCol="0" anchor="ctr"/>
+          <a:lstStyle/>
+          <a:p>
+            <a:pPr algn="ctr"/>
+            <a:r>
+              <a:rPr lang="en-US" dirty="0" smtClean="0"/>
+              <a:t>Reads</a:t>
+            </a:r>
+            <a:endParaRPr lang="en-US" dirty="0"/>
+          </a:p>
+        </p:txBody>
+      </p:sp>
+      <p:sp>
+        <p:nvSpPr>
+          <p:cNvPr id="12" name="Rectangle 11"/>
+          <p:cNvSpPr/>
+          <p:nvPr/>
+        </p:nvSpPr>
+        <p:spPr>
+          <a:xfrm>
+            <a:off x="2368956" y="3085927"/>
+            <a:ext cx="1406507" cy="360000"/>
+          </a:xfrm>
+          <a:prstGeom prst="rect">
+            <a:avLst/>
+          </a:prstGeom>
+        </p:spPr>
+        <p:style>
+          <a:lnRef idx="2">
+            <a:schemeClr val="accent4"/>
+          </a:lnRef>
+          <a:fillRef idx="1">
+            <a:schemeClr val="lt1"/>
+          </a:fillRef>
+          <a:effectRef idx="0">
+            <a:schemeClr val="accent4"/>
+          </a:effectRef>
+          <a:fontRef idx="minor">
+            <a:schemeClr val="dk1"/>
+          </a:fontRef>
+        </p:style>
+        <p:txBody>
+          <a:bodyPr rtlCol="0" anchor="ctr"/>
+          <a:lstStyle/>
+          <a:p>
+            <a:pPr algn="ctr"/>
+            <a:r>
+              <a:rPr lang="en-US" dirty="0" smtClean="0"/>
+              <a:t>Filtering</a:t>
+            </a:r>
+            <a:endParaRPr lang="en-US" dirty="0"/>
+          </a:p>
+        </p:txBody>
+      </p:sp>
+      <p:sp>
+        <p:nvSpPr>
+          <p:cNvPr id="13" name="Rectangle 12"/>
+          <p:cNvSpPr/>
+          <p:nvPr/>
+        </p:nvSpPr>
+        <p:spPr>
+          <a:xfrm>
+            <a:off x="2368956" y="3445927"/>
+            <a:ext cx="1406507" cy="355018"/>
+          </a:xfrm>
+          <a:prstGeom prst="rect">
+            <a:avLst/>
+          </a:prstGeom>
+        </p:spPr>
+        <p:style>
+          <a:lnRef idx="2">
+            <a:schemeClr val="accent4"/>
+          </a:lnRef>
+          <a:fillRef idx="1">
+            <a:schemeClr val="lt1"/>
+          </a:fillRef>
+          <a:effectRef idx="0">
+            <a:schemeClr val="accent4"/>
+          </a:effectRef>
+          <a:fontRef idx="minor">
+            <a:schemeClr val="dk1"/>
+          </a:fontRef>
+        </p:style>
+        <p:txBody>
+          <a:bodyPr rtlCol="0" anchor="ctr"/>
+          <a:lstStyle/>
+          <a:p>
+            <a:pPr algn="ctr"/>
+            <a:r>
+              <a:rPr lang="en-US" dirty="0" smtClean="0"/>
+              <a:t>Mapping</a:t>
+            </a:r>
+            <a:endParaRPr lang="en-US" dirty="0"/>
+          </a:p>
+        </p:txBody>
+      </p:sp>
+      <p:sp>
+        <p:nvSpPr>
+          <p:cNvPr id="14" name="Rectangle 13"/>
+          <p:cNvSpPr/>
+          <p:nvPr/>
+        </p:nvSpPr>
+        <p:spPr>
+          <a:xfrm>
+            <a:off x="2368956" y="3800945"/>
+            <a:ext cx="1406507" cy="360000"/>
+          </a:xfrm>
+          <a:prstGeom prst="rect">
+            <a:avLst/>
+          </a:prstGeom>
+        </p:spPr>
+        <p:style>
+          <a:lnRef idx="2">
+            <a:schemeClr val="accent4"/>
+          </a:lnRef>
+          <a:fillRef idx="1">
+            <a:schemeClr val="lt1"/>
+          </a:fillRef>
+          <a:effectRef idx="0">
+            <a:schemeClr val="accent4"/>
+          </a:effectRef>
+          <a:fontRef idx="minor">
+            <a:schemeClr val="dk1"/>
+          </a:fontRef>
+        </p:style>
+        <p:txBody>
+          <a:bodyPr rtlCol="0" anchor="ctr"/>
+          <a:lstStyle/>
+          <a:p>
+            <a:pPr algn="ctr"/>
+            <a:r>
+              <a:rPr lang="en-US" dirty="0" smtClean="0"/>
+              <a:t>Assembly</a:t>
+            </a:r>
+            <a:endParaRPr lang="en-US" dirty="0"/>
+          </a:p>
+        </p:txBody>
+      </p:sp>
+      <p:sp>
+        <p:nvSpPr>
+          <p:cNvPr id="11" name="Rectangle 10"/>
+          <p:cNvSpPr/>
+          <p:nvPr/>
+        </p:nvSpPr>
+        <p:spPr>
+          <a:xfrm>
+            <a:off x="2368956" y="2567055"/>
+            <a:ext cx="1406507" cy="518873"/>
+          </a:xfrm>
+          <a:prstGeom prst="rect">
+            <a:avLst/>
+          </a:prstGeom>
+        </p:spPr>
+        <p:style>
+          <a:lnRef idx="2">
+            <a:schemeClr val="accent3"/>
+          </a:lnRef>
+          <a:fillRef idx="1">
+            <a:schemeClr val="lt1"/>
+          </a:fillRef>
+          <a:effectRef idx="0">
+            <a:schemeClr val="accent3"/>
+          </a:effectRef>
+          <a:fontRef idx="minor">
+            <a:schemeClr val="dk1"/>
+          </a:fontRef>
+        </p:style>
+        <p:txBody>
+          <a:bodyPr rtlCol="0" anchor="ctr"/>
+          <a:lstStyle/>
+          <a:p>
+            <a:pPr algn="ctr"/>
+            <a:r>
+              <a:rPr lang="en-US" dirty="0" smtClean="0"/>
+              <a:t>Pipeline</a:t>
+            </a:r>
+            <a:endParaRPr lang="en-US" dirty="0"/>
+          </a:p>
+        </p:txBody>
+      </p:sp>
+      <p:cxnSp>
+        <p:nvCxnSpPr>
+          <p:cNvPr id="16" name="Straight Arrow Connector 15"/>
+          <p:cNvCxnSpPr>
+            <a:stCxn id="8" idx="2"/>
+            <a:endCxn id="9" idx="0"/>
+          </p:cNvCxnSpPr>
+          <p:nvPr/>
+        </p:nvCxnSpPr>
+        <p:spPr>
+          <a:xfrm flipH="1">
+            <a:off x="1426989" y="1324492"/>
+            <a:ext cx="1" cy="341364"/>
+          </a:xfrm>
+          <a:prstGeom prst="straightConnector1">
+            <a:avLst/>
+          </a:prstGeom>
+          <a:ln>
+            <a:solidFill>
+              <a:srgbClr val="000000"/>
+            </a:solidFill>
+            <a:tailEnd type="arrow"/>
+          </a:ln>
+          <a:effectLst/>
+        </p:spPr>
+        <p:style>
+          <a:lnRef idx="2">
+            <a:schemeClr val="accent1"/>
+          </a:lnRef>
+          <a:fillRef idx="0">
+            <a:schemeClr val="accent1"/>
+          </a:fillRef>
+          <a:effectRef idx="1">
+            <a:schemeClr val="accent1"/>
+          </a:effectRef>
+          <a:fontRef idx="minor">
+            <a:schemeClr val="tx1"/>
+          </a:fontRef>
+        </p:style>
+      </p:cxnSp>
+      <p:cxnSp>
+        <p:nvCxnSpPr>
+          <p:cNvPr id="18" name="Straight Arrow Connector 17"/>
+          <p:cNvCxnSpPr>
+            <a:stCxn id="9" idx="2"/>
+            <a:endCxn id="10" idx="0"/>
+          </p:cNvCxnSpPr>
+          <p:nvPr/>
+        </p:nvCxnSpPr>
+        <p:spPr>
+          <a:xfrm>
+            <a:off x="1426989" y="2184729"/>
+            <a:ext cx="1" cy="382326"/>
+          </a:xfrm>
+          <a:prstGeom prst="straightConnector1">
+            <a:avLst/>
+          </a:prstGeom>
+          <a:ln>
+            <a:solidFill>
+              <a:srgbClr val="000000"/>
+            </a:solidFill>
+            <a:tailEnd type="arrow"/>
+          </a:ln>
+          <a:effectLst/>
+        </p:spPr>
+        <p:style>
+          <a:lnRef idx="2">
+            <a:schemeClr val="accent1"/>
+          </a:lnRef>
+          <a:fillRef idx="0">
+            <a:schemeClr val="accent1"/>
+          </a:fillRef>
+          <a:effectRef idx="1">
+            <a:schemeClr val="accent1"/>
+          </a:effectRef>
+          <a:fontRef idx="minor">
+            <a:schemeClr val="tx1"/>
+          </a:fontRef>
+        </p:style>
+      </p:cxnSp>
+      <p:cxnSp>
+        <p:nvCxnSpPr>
+          <p:cNvPr id="20" name="Straight Arrow Connector 19"/>
+          <p:cNvCxnSpPr>
+            <a:stCxn id="10" idx="3"/>
+            <a:endCxn id="11" idx="1"/>
+          </p:cNvCxnSpPr>
+          <p:nvPr/>
+        </p:nvCxnSpPr>
+        <p:spPr>
+          <a:xfrm>
+            <a:off x="1964188" y="2826492"/>
+            <a:ext cx="404768" cy="0"/>
+          </a:xfrm>
+          <a:prstGeom prst="straightConnector1">
+            <a:avLst/>
+          </a:prstGeom>
+          <a:ln>
+            <a:solidFill>
+              <a:srgbClr val="000000"/>
+            </a:solidFill>
+            <a:tailEnd type="arrow"/>
+          </a:ln>
+          <a:effectLst/>
+        </p:spPr>
+        <p:style>
+          <a:lnRef idx="2">
+            <a:schemeClr val="accent1"/>
+          </a:lnRef>
+          <a:fillRef idx="0">
+            <a:schemeClr val="accent1"/>
+          </a:fillRef>
+          <a:effectRef idx="1">
+            <a:schemeClr val="accent1"/>
+          </a:effectRef>
+          <a:fontRef idx="minor">
+            <a:schemeClr val="tx1"/>
+          </a:fontRef>
+        </p:style>
+      </p:cxnSp>
+    </p:spTree>
+    <p:extLst>
+      <p:ext uri="{BB962C8B-B14F-4D97-AF65-F5344CB8AC3E}">
+        <p14:creationId xmlns:p14="http://schemas.microsoft.com/office/powerpoint/2010/main" val="481478418"/>
+      </p:ext>
+    </p:extLst>
+  </p:cSld>
+  <p:clrMapOvr>
+    <a:masterClrMapping/>
+  </p:clrMapOvr>
+</p:sld>
+</file>
+
 <file path=ppt/theme/theme1.xml><?xml version="1.0" encoding="utf-8"?>
 <a:theme xmlns:a="http://schemas.openxmlformats.org/drawingml/2006/main" name="Office Theme">
   <a:themeElements>
